--- a/Session 1/Python - Session 1 May 2019.pptx
+++ b/Session 1/Python - Session 1 May 2019.pptx
@@ -7,21 +7,20 @@
     <p:sldMasterId id="2147483674" r:id="rId3"/>
   </p:sldMasterIdLst>
   <p:notesMasterIdLst>
-    <p:notesMasterId r:id="rId16"/>
+    <p:notesMasterId r:id="rId15"/>
   </p:notesMasterIdLst>
   <p:sldIdLst>
     <p:sldId id="256" r:id="rId4"/>
     <p:sldId id="257" r:id="rId5"/>
-    <p:sldId id="258" r:id="rId6"/>
-    <p:sldId id="259" r:id="rId7"/>
-    <p:sldId id="260" r:id="rId8"/>
-    <p:sldId id="261" r:id="rId9"/>
-    <p:sldId id="262" r:id="rId10"/>
-    <p:sldId id="267" r:id="rId11"/>
-    <p:sldId id="263" r:id="rId12"/>
-    <p:sldId id="264" r:id="rId13"/>
-    <p:sldId id="265" r:id="rId14"/>
-    <p:sldId id="266" r:id="rId15"/>
+    <p:sldId id="259" r:id="rId6"/>
+    <p:sldId id="260" r:id="rId7"/>
+    <p:sldId id="261" r:id="rId8"/>
+    <p:sldId id="262" r:id="rId9"/>
+    <p:sldId id="267" r:id="rId10"/>
+    <p:sldId id="263" r:id="rId11"/>
+    <p:sldId id="264" r:id="rId12"/>
+    <p:sldId id="265" r:id="rId13"/>
+    <p:sldId id="266" r:id="rId14"/>
   </p:sldIdLst>
   <p:sldSz cx="9144000" cy="6858000" type="screen4x3"/>
   <p:notesSz cx="6794500" cy="9931400"/>
@@ -120,6 +119,11 @@
       </a:defRPr>
     </a:lvl9pPr>
   </p:defaultTextStyle>
+  <p:extLst>
+    <p:ext uri="{EFAFB233-063F-42B5-8137-9DF3F51BA10A}">
+      <p15:sldGuideLst xmlns:p15="http://schemas.microsoft.com/office/powerpoint/2012/main"/>
+    </p:ext>
+  </p:extLst>
 </p:presentation>
 </file>
 
@@ -580,145 +584,6 @@
       </p:grpSpPr>
       <p:sp>
         <p:nvSpPr>
-          <p:cNvPr id="198" name="PlaceHolder 1"/>
-          <p:cNvSpPr>
-            <a:spLocks noGrp="1" noRot="1" noChangeAspect="1"/>
-          </p:cNvSpPr>
-          <p:nvPr>
-            <p:ph type="sldImg"/>
-          </p:nvPr>
-        </p:nvSpPr>
-        <p:spPr>
-          <a:xfrm>
-            <a:off x="914400" y="744480"/>
-            <a:ext cx="4965480" cy="3723840"/>
-          </a:xfrm>
-          <a:prstGeom prst="rect">
-            <a:avLst/>
-          </a:prstGeom>
-        </p:spPr>
-      </p:sp>
-      <p:sp>
-        <p:nvSpPr>
-          <p:cNvPr id="199" name="PlaceHolder 2"/>
-          <p:cNvSpPr>
-            <a:spLocks noGrp="1"/>
-          </p:cNvSpPr>
-          <p:nvPr>
-            <p:ph type="body"/>
-          </p:nvPr>
-        </p:nvSpPr>
-        <p:spPr>
-          <a:xfrm>
-            <a:off x="679320" y="4717440"/>
-            <a:ext cx="5435280" cy="4468680"/>
-          </a:xfrm>
-          <a:prstGeom prst="rect">
-            <a:avLst/>
-          </a:prstGeom>
-        </p:spPr>
-        <p:txBody>
-          <a:bodyPr/>
-          <a:lstStyle/>
-          <a:p>
-            <a:pPr>
-              <a:lnSpc>
-                <a:spcPct val="100000"/>
-              </a:lnSpc>
-            </a:pPr>
-            <a:r>
-              <a:rPr lang="en-IN" sz="1400" b="0" strike="noStrike" spc="-1">
-                <a:latin typeface="+mn-lt"/>
-              </a:rPr>
-              <a:t>Not just a logical procedure that takes input data, processes it, and produces output data</a:t>
-            </a:r>
-            <a:endParaRPr lang="en-IN" sz="1400" b="0" strike="noStrike" spc="-1">
-              <a:latin typeface="Arial"/>
-            </a:endParaRPr>
-          </a:p>
-          <a:p>
-            <a:pPr>
-              <a:lnSpc>
-                <a:spcPct val="100000"/>
-              </a:lnSpc>
-            </a:pPr>
-            <a:endParaRPr lang="en-IN" sz="1400" b="0" strike="noStrike" spc="-1">
-              <a:latin typeface="Arial"/>
-            </a:endParaRPr>
-          </a:p>
-        </p:txBody>
-      </p:sp>
-      <p:sp>
-        <p:nvSpPr>
-          <p:cNvPr id="200" name="TextShape 3"/>
-          <p:cNvSpPr txBox="1"/>
-          <p:nvPr/>
-        </p:nvSpPr>
-        <p:spPr>
-          <a:xfrm>
-            <a:off x="3848760" y="9433080"/>
-            <a:ext cx="2944080" cy="496080"/>
-          </a:xfrm>
-          <a:prstGeom prst="rect">
-            <a:avLst/>
-          </a:prstGeom>
-          <a:noFill/>
-          <a:ln>
-            <a:noFill/>
-          </a:ln>
-        </p:spPr>
-        <p:txBody>
-          <a:bodyPr anchor="b"/>
-          <a:lstStyle/>
-          <a:p>
-            <a:pPr algn="r">
-              <a:lnSpc>
-                <a:spcPct val="100000"/>
-              </a:lnSpc>
-            </a:pPr>
-            <a:fld id="{91620EEC-6E2A-4891-974C-4D3EB2CB5C4C}" type="slidenum">
-              <a:rPr lang="en-IN" sz="1200" b="0" strike="noStrike" spc="-1">
-                <a:solidFill>
-                  <a:srgbClr val="000000"/>
-                </a:solidFill>
-                <a:latin typeface="+mn-lt"/>
-                <a:ea typeface="+mn-ea"/>
-              </a:rPr>
-              <a:t>10</a:t>
-            </a:fld>
-            <a:endParaRPr lang="en-IN" sz="1200" b="0" strike="noStrike" spc="-1">
-              <a:latin typeface="Times New Roman"/>
-            </a:endParaRPr>
-          </a:p>
-        </p:txBody>
-      </p:sp>
-    </p:spTree>
-  </p:cSld>
-  <p:clrMapOvr>
-    <a:masterClrMapping/>
-  </p:clrMapOvr>
-</p:notes>
-</file>
-
-<file path=ppt/notesSlides/notesSlide11.xml><?xml version="1.0" encoding="utf-8"?>
-<p:notes xmlns:a="http://schemas.openxmlformats.org/drawingml/2006/main" xmlns:r="http://schemas.openxmlformats.org/officeDocument/2006/relationships" xmlns:p="http://schemas.openxmlformats.org/presentationml/2006/main">
-  <p:cSld>
-    <p:spTree>
-      <p:nvGrpSpPr>
-        <p:cNvPr id="1" name=""/>
-        <p:cNvGrpSpPr/>
-        <p:nvPr/>
-      </p:nvGrpSpPr>
-      <p:grpSpPr>
-        <a:xfrm>
-          <a:off x="0" y="0"/>
-          <a:ext cx="0" cy="0"/>
-          <a:chOff x="0" y="0"/>
-          <a:chExt cx="0" cy="0"/>
-        </a:xfrm>
-      </p:grpSpPr>
-      <p:sp>
-        <p:nvSpPr>
           <p:cNvPr id="201" name="PlaceHolder 1"/>
           <p:cNvSpPr>
             <a:spLocks noGrp="1" noRot="1" noChangeAspect="1"/>
@@ -823,7 +688,7 @@
                 <a:latin typeface="+mn-lt"/>
                 <a:ea typeface="+mn-ea"/>
               </a:rPr>
-              <a:t>11</a:t>
+              <a:t>10</a:t>
             </a:fld>
             <a:endParaRPr lang="en-IN" sz="1200" b="0" strike="noStrike" spc="-1">
               <a:latin typeface="Times New Roman"/>
@@ -868,8 +733,8 @@
         </p:nvSpPr>
         <p:spPr>
           <a:xfrm>
-            <a:off x="914400" y="744480"/>
-            <a:ext cx="4965480" cy="3723840"/>
+            <a:off x="914400" y="744538"/>
+            <a:ext cx="4965700" cy="3724275"/>
           </a:xfrm>
           <a:prstGeom prst="rect">
             <a:avLst/>
@@ -994,7 +859,7 @@
       </p:grpSpPr>
       <p:sp>
         <p:nvSpPr>
-          <p:cNvPr id="180" name="PlaceHolder 1"/>
+          <p:cNvPr id="183" name="PlaceHolder 1"/>
           <p:cNvSpPr>
             <a:spLocks noGrp="1" noRot="1" noChangeAspect="1"/>
           </p:cNvSpPr>
@@ -1004,17 +869,17 @@
         </p:nvSpPr>
         <p:spPr>
           <a:xfrm>
-            <a:off x="914400" y="744480"/>
-            <a:ext cx="4965480" cy="3723840"/>
-          </a:xfrm>
-          <a:prstGeom prst="rect">
-            <a:avLst/>
-          </a:prstGeom>
-        </p:spPr>
-      </p:sp>
-      <p:sp>
-        <p:nvSpPr>
-          <p:cNvPr id="181" name="PlaceHolder 2"/>
+            <a:off x="914400" y="744538"/>
+            <a:ext cx="4965700" cy="3724275"/>
+          </a:xfrm>
+          <a:prstGeom prst="rect">
+            <a:avLst/>
+          </a:prstGeom>
+        </p:spPr>
+      </p:sp>
+      <p:sp>
+        <p:nvSpPr>
+          <p:cNvPr id="184" name="PlaceHolder 2"/>
           <p:cNvSpPr>
             <a:spLocks noGrp="1"/>
           </p:cNvSpPr>
@@ -1046,7 +911,7 @@
       </p:sp>
       <p:sp>
         <p:nvSpPr>
-          <p:cNvPr id="182" name="TextShape 3"/>
+          <p:cNvPr id="185" name="TextShape 3"/>
           <p:cNvSpPr txBox="1"/>
           <p:nvPr/>
         </p:nvSpPr>
@@ -1072,7 +937,7 @@
                 <a:spcPct val="100000"/>
               </a:lnSpc>
             </a:pPr>
-            <a:fld id="{ED954C95-2BD7-4ED8-8732-3E624A98651A}" type="slidenum">
+            <a:fld id="{D7243EC4-AC38-4577-96D9-7EB370E23315}" type="slidenum">
               <a:rPr lang="en-IN" sz="1200" b="0" strike="noStrike" spc="-1">
                 <a:solidFill>
                   <a:srgbClr val="000000"/>
@@ -1115,7 +980,7 @@
       </p:grpSpPr>
       <p:sp>
         <p:nvSpPr>
-          <p:cNvPr id="183" name="PlaceHolder 1"/>
+          <p:cNvPr id="186" name="PlaceHolder 1"/>
           <p:cNvSpPr>
             <a:spLocks noGrp="1" noRot="1" noChangeAspect="1"/>
           </p:cNvSpPr>
@@ -1135,7 +1000,7 @@
       </p:sp>
       <p:sp>
         <p:nvSpPr>
-          <p:cNvPr id="184" name="PlaceHolder 2"/>
+          <p:cNvPr id="187" name="PlaceHolder 2"/>
           <p:cNvSpPr>
             <a:spLocks noGrp="1"/>
           </p:cNvSpPr>
@@ -1167,7 +1032,7 @@
       </p:sp>
       <p:sp>
         <p:nvSpPr>
-          <p:cNvPr id="185" name="TextShape 3"/>
+          <p:cNvPr id="188" name="TextShape 3"/>
           <p:cNvSpPr txBox="1"/>
           <p:nvPr/>
         </p:nvSpPr>
@@ -1193,7 +1058,7 @@
                 <a:spcPct val="100000"/>
               </a:lnSpc>
             </a:pPr>
-            <a:fld id="{D7243EC4-AC38-4577-96D9-7EB370E23315}" type="slidenum">
+            <a:fld id="{118C678A-FC12-464C-A5AD-4A61BA9CADB6}" type="slidenum">
               <a:rPr lang="en-IN" sz="1200" b="0" strike="noStrike" spc="-1">
                 <a:solidFill>
                   <a:srgbClr val="000000"/>
@@ -1236,7 +1101,7 @@
       </p:grpSpPr>
       <p:sp>
         <p:nvSpPr>
-          <p:cNvPr id="186" name="PlaceHolder 1"/>
+          <p:cNvPr id="189" name="PlaceHolder 1"/>
           <p:cNvSpPr>
             <a:spLocks noGrp="1" noRot="1" noChangeAspect="1"/>
           </p:cNvSpPr>
@@ -1256,7 +1121,7 @@
       </p:sp>
       <p:sp>
         <p:nvSpPr>
-          <p:cNvPr id="187" name="PlaceHolder 2"/>
+          <p:cNvPr id="190" name="PlaceHolder 2"/>
           <p:cNvSpPr>
             <a:spLocks noGrp="1"/>
           </p:cNvSpPr>
@@ -1288,7 +1153,7 @@
       </p:sp>
       <p:sp>
         <p:nvSpPr>
-          <p:cNvPr id="188" name="TextShape 3"/>
+          <p:cNvPr id="191" name="TextShape 3"/>
           <p:cNvSpPr txBox="1"/>
           <p:nvPr/>
         </p:nvSpPr>
@@ -1314,7 +1179,7 @@
                 <a:spcPct val="100000"/>
               </a:lnSpc>
             </a:pPr>
-            <a:fld id="{118C678A-FC12-464C-A5AD-4A61BA9CADB6}" type="slidenum">
+            <a:fld id="{C71895C7-B706-4A79-818C-335E04649A6A}" type="slidenum">
               <a:rPr lang="en-IN" sz="1200" b="0" strike="noStrike" spc="-1">
                 <a:solidFill>
                   <a:srgbClr val="000000"/>
@@ -1357,7 +1222,7 @@
       </p:grpSpPr>
       <p:sp>
         <p:nvSpPr>
-          <p:cNvPr id="189" name="PlaceHolder 1"/>
+          <p:cNvPr id="192" name="PlaceHolder 1"/>
           <p:cNvSpPr>
             <a:spLocks noGrp="1" noRot="1" noChangeAspect="1"/>
           </p:cNvSpPr>
@@ -1367,17 +1232,17 @@
         </p:nvSpPr>
         <p:spPr>
           <a:xfrm>
-            <a:off x="914400" y="744480"/>
-            <a:ext cx="4965480" cy="3723840"/>
-          </a:xfrm>
-          <a:prstGeom prst="rect">
-            <a:avLst/>
-          </a:prstGeom>
-        </p:spPr>
-      </p:sp>
-      <p:sp>
-        <p:nvSpPr>
-          <p:cNvPr id="190" name="PlaceHolder 2"/>
+            <a:off x="914400" y="744538"/>
+            <a:ext cx="4965700" cy="3724275"/>
+          </a:xfrm>
+          <a:prstGeom prst="rect">
+            <a:avLst/>
+          </a:prstGeom>
+        </p:spPr>
+      </p:sp>
+      <p:sp>
+        <p:nvSpPr>
+          <p:cNvPr id="193" name="PlaceHolder 2"/>
           <p:cNvSpPr>
             <a:spLocks noGrp="1"/>
           </p:cNvSpPr>
@@ -1398,18 +1263,270 @@
           <a:bodyPr/>
           <a:lstStyle/>
           <a:p>
+            <a:pPr>
+              <a:lnSpc>
+                <a:spcPct val="100000"/>
+              </a:lnSpc>
+            </a:pPr>
             <a:r>
-              <a:rPr lang="en-IN" sz="2000" b="0" strike="noStrike" spc="-1">
-                <a:latin typeface="Arial"/>
-              </a:rPr>
-              <a:t>Platforms </a:t>
+              <a:rPr lang="en-IN" sz="1400" b="0" strike="noStrike" spc="-1" dirty="0">
+                <a:latin typeface="+mn-lt"/>
+              </a:rPr>
+              <a:t>Not just a logical procedure that takes input data, processes it, and produces output data</a:t>
             </a:r>
           </a:p>
-        </p:txBody>
-      </p:sp>
-      <p:sp>
-        <p:nvSpPr>
-          <p:cNvPr id="191" name="TextShape 3"/>
+          <a:p>
+            <a:pPr>
+              <a:lnSpc>
+                <a:spcPct val="100000"/>
+              </a:lnSpc>
+            </a:pPr>
+            <a:r>
+              <a:rPr lang="en-GB" sz="1200" b="0" i="0" kern="1200" dirty="0">
+                <a:solidFill>
+                  <a:schemeClr val="tx1"/>
+                </a:solidFill>
+                <a:effectLst/>
+                <a:latin typeface="+mn-lt"/>
+                <a:ea typeface="+mn-ea"/>
+                <a:cs typeface="+mn-cs"/>
+              </a:rPr>
+              <a:t>The concept of a data frame comes from the world of statistical software used in empirical research; it generally refers to "tabular" data: a data structure representing cases (rows), each of which consists of a number of observations or measurements (columns). </a:t>
+            </a:r>
+            <a:endParaRPr lang="en-IN" sz="1400" b="0" strike="noStrike" spc="-1" dirty="0">
+              <a:latin typeface="Arial"/>
+            </a:endParaRPr>
+          </a:p>
+          <a:p>
+            <a:pPr>
+              <a:lnSpc>
+                <a:spcPct val="100000"/>
+              </a:lnSpc>
+            </a:pPr>
+            <a:r>
+              <a:rPr lang="en-GB" sz="1200" b="0" i="0" kern="1200" dirty="0">
+                <a:solidFill>
+                  <a:schemeClr val="tx1"/>
+                </a:solidFill>
+                <a:effectLst/>
+                <a:latin typeface="+mn-lt"/>
+                <a:ea typeface="+mn-ea"/>
+                <a:cs typeface="+mn-cs"/>
+              </a:rPr>
+              <a:t>A </a:t>
+            </a:r>
+            <a:r>
+              <a:rPr lang="en-GB" sz="1200" b="1" i="0" kern="1200" dirty="0">
+                <a:solidFill>
+                  <a:schemeClr val="tx1"/>
+                </a:solidFill>
+                <a:effectLst/>
+                <a:latin typeface="+mn-lt"/>
+                <a:ea typeface="+mn-ea"/>
+                <a:cs typeface="+mn-cs"/>
+              </a:rPr>
+              <a:t>mutable</a:t>
+            </a:r>
+            <a:r>
+              <a:rPr lang="en-GB" sz="1200" b="0" i="0" kern="1200" dirty="0">
+                <a:solidFill>
+                  <a:schemeClr val="tx1"/>
+                </a:solidFill>
+                <a:effectLst/>
+                <a:latin typeface="+mn-lt"/>
+                <a:ea typeface="+mn-ea"/>
+                <a:cs typeface="+mn-cs"/>
+              </a:rPr>
+              <a:t> object can be changed after it's created, and an </a:t>
+            </a:r>
+            <a:r>
+              <a:rPr lang="en-GB" sz="1200" b="1" i="0" kern="1200" dirty="0">
+                <a:solidFill>
+                  <a:schemeClr val="tx1"/>
+                </a:solidFill>
+                <a:effectLst/>
+                <a:latin typeface="+mn-lt"/>
+                <a:ea typeface="+mn-ea"/>
+                <a:cs typeface="+mn-cs"/>
+              </a:rPr>
+              <a:t>immutable</a:t>
+            </a:r>
+            <a:r>
+              <a:rPr lang="en-GB" sz="1200" b="0" i="0" kern="1200" dirty="0">
+                <a:solidFill>
+                  <a:schemeClr val="tx1"/>
+                </a:solidFill>
+                <a:effectLst/>
+                <a:latin typeface="+mn-lt"/>
+                <a:ea typeface="+mn-ea"/>
+                <a:cs typeface="+mn-cs"/>
+              </a:rPr>
+              <a:t> object can’t.</a:t>
+            </a:r>
+          </a:p>
+          <a:p>
+            <a:r>
+              <a:rPr lang="en-GB" sz="1200" b="0" i="0" kern="1200" dirty="0">
+                <a:solidFill>
+                  <a:schemeClr val="tx1"/>
+                </a:solidFill>
+                <a:effectLst/>
+                <a:latin typeface="+mn-lt"/>
+                <a:ea typeface="+mn-ea"/>
+                <a:cs typeface="+mn-cs"/>
+              </a:rPr>
+              <a:t>If you want to write most efficient code, you should be the knowing difference between </a:t>
+            </a:r>
+            <a:r>
+              <a:rPr lang="en-GB" sz="1200" b="1" i="0" kern="1200" dirty="0">
+                <a:solidFill>
+                  <a:schemeClr val="tx1"/>
+                </a:solidFill>
+                <a:effectLst/>
+                <a:latin typeface="+mn-lt"/>
+                <a:ea typeface="+mn-ea"/>
+                <a:cs typeface="+mn-cs"/>
+              </a:rPr>
+              <a:t>mutable</a:t>
+            </a:r>
+            <a:r>
+              <a:rPr lang="en-GB" sz="1200" b="0" i="0" kern="1200" dirty="0">
+                <a:solidFill>
+                  <a:schemeClr val="tx1"/>
+                </a:solidFill>
+                <a:effectLst/>
+                <a:latin typeface="+mn-lt"/>
+                <a:ea typeface="+mn-ea"/>
+                <a:cs typeface="+mn-cs"/>
+              </a:rPr>
+              <a:t> and </a:t>
+            </a:r>
+            <a:r>
+              <a:rPr lang="en-GB" sz="1200" b="1" i="0" kern="1200" dirty="0">
+                <a:solidFill>
+                  <a:schemeClr val="tx1"/>
+                </a:solidFill>
+                <a:effectLst/>
+                <a:latin typeface="+mn-lt"/>
+                <a:ea typeface="+mn-ea"/>
+                <a:cs typeface="+mn-cs"/>
+              </a:rPr>
+              <a:t>immutable</a:t>
+            </a:r>
+            <a:r>
+              <a:rPr lang="en-GB" sz="1200" b="0" i="0" kern="1200" dirty="0">
+                <a:solidFill>
+                  <a:schemeClr val="tx1"/>
+                </a:solidFill>
+                <a:effectLst/>
+                <a:latin typeface="+mn-lt"/>
+                <a:ea typeface="+mn-ea"/>
+                <a:cs typeface="+mn-cs"/>
+              </a:rPr>
+              <a:t> in python. Concatenating string in loops wastes lots of </a:t>
+            </a:r>
+            <a:r>
+              <a:rPr lang="en-GB" sz="1200" b="1" i="0" kern="1200" dirty="0">
+                <a:solidFill>
+                  <a:schemeClr val="tx1"/>
+                </a:solidFill>
+                <a:effectLst/>
+                <a:latin typeface="+mn-lt"/>
+                <a:ea typeface="+mn-ea"/>
+                <a:cs typeface="+mn-cs"/>
+              </a:rPr>
+              <a:t>memory</a:t>
+            </a:r>
+            <a:r>
+              <a:rPr lang="en-GB" sz="1200" b="0" i="0" kern="1200" dirty="0">
+                <a:solidFill>
+                  <a:schemeClr val="tx1"/>
+                </a:solidFill>
+                <a:effectLst/>
+                <a:latin typeface="+mn-lt"/>
+                <a:ea typeface="+mn-ea"/>
+                <a:cs typeface="+mn-cs"/>
+              </a:rPr>
+              <a:t> , because strings are immutable, concatenating two strings together actually creates a third string which is the combination of the previous two. If you are iterating a lot and building a large string, you will waste a lot of memory creating and throwing away objects. Use list compression join technique.</a:t>
+            </a:r>
+          </a:p>
+          <a:p>
+            <a:r>
+              <a:rPr lang="en-GB" sz="1200" b="0" i="0" kern="1200" dirty="0">
+                <a:solidFill>
+                  <a:schemeClr val="tx1"/>
+                </a:solidFill>
+                <a:effectLst/>
+                <a:latin typeface="+mn-lt"/>
+                <a:ea typeface="+mn-ea"/>
+                <a:cs typeface="+mn-cs"/>
+              </a:rPr>
+              <a:t>Python handles mutable and immutable objects differently. </a:t>
+            </a:r>
+            <a:r>
+              <a:rPr lang="en-GB" sz="1200" b="1" i="0" kern="1200" dirty="0">
+                <a:solidFill>
+                  <a:schemeClr val="tx1"/>
+                </a:solidFill>
+                <a:effectLst/>
+                <a:latin typeface="+mn-lt"/>
+                <a:ea typeface="+mn-ea"/>
+                <a:cs typeface="+mn-cs"/>
+              </a:rPr>
+              <a:t>Immutable</a:t>
+            </a:r>
+            <a:r>
+              <a:rPr lang="en-GB" sz="1200" b="0" i="0" kern="1200" dirty="0">
+                <a:solidFill>
+                  <a:schemeClr val="tx1"/>
+                </a:solidFill>
+                <a:effectLst/>
+                <a:latin typeface="+mn-lt"/>
+                <a:ea typeface="+mn-ea"/>
+                <a:cs typeface="+mn-cs"/>
+              </a:rPr>
+              <a:t> are quicker to access than mutable objects. Also, immutable objects are fundamentally expensive to "change", because doing so involves creating a copy. Changing </a:t>
+            </a:r>
+            <a:r>
+              <a:rPr lang="en-GB" sz="1200" b="1" i="0" kern="1200" dirty="0">
+                <a:solidFill>
+                  <a:schemeClr val="tx1"/>
+                </a:solidFill>
+                <a:effectLst/>
+                <a:latin typeface="+mn-lt"/>
+                <a:ea typeface="+mn-ea"/>
+                <a:cs typeface="+mn-cs"/>
+              </a:rPr>
+              <a:t>mutable</a:t>
+            </a:r>
+            <a:r>
+              <a:rPr lang="en-GB" sz="1200" b="0" i="0" kern="1200" dirty="0">
+                <a:solidFill>
+                  <a:schemeClr val="tx1"/>
+                </a:solidFill>
+                <a:effectLst/>
+                <a:latin typeface="+mn-lt"/>
+                <a:ea typeface="+mn-ea"/>
+                <a:cs typeface="+mn-cs"/>
+              </a:rPr>
+              <a:t> objects is cheap.</a:t>
+            </a:r>
+          </a:p>
+          <a:p>
+            <a:pPr>
+              <a:lnSpc>
+                <a:spcPct val="100000"/>
+              </a:lnSpc>
+            </a:pPr>
+            <a:endParaRPr lang="en-IN" sz="1400" b="0" strike="noStrike" spc="-1" dirty="0">
+              <a:latin typeface="Arial"/>
+            </a:endParaRPr>
+          </a:p>
+        </p:txBody>
+      </p:sp>
+      <p:sp>
+        <p:nvSpPr>
+          <p:cNvPr id="194" name="TextShape 3"/>
           <p:cNvSpPr txBox="1"/>
           <p:nvPr/>
         </p:nvSpPr>
@@ -1435,7 +1552,7 @@
                 <a:spcPct val="100000"/>
               </a:lnSpc>
             </a:pPr>
-            <a:fld id="{C71895C7-B706-4A79-818C-335E04649A6A}" type="slidenum">
+            <a:fld id="{4296F7FC-041A-4B33-BEAB-0A7C619FD8D4}" type="slidenum">
               <a:rPr lang="en-IN" sz="1200" b="0" strike="noStrike" spc="-1">
                 <a:solidFill>
                   <a:srgbClr val="000000"/>
@@ -1559,221 +1676,6 @@
                 <a:spcPct val="100000"/>
               </a:lnSpc>
             </a:pPr>
-            <a:r>
-              <a:rPr lang="en-GB" sz="1200" b="0" i="0" kern="1200" dirty="0">
-                <a:solidFill>
-                  <a:schemeClr val="tx1"/>
-                </a:solidFill>
-                <a:effectLst/>
-                <a:latin typeface="+mn-lt"/>
-                <a:ea typeface="+mn-ea"/>
-                <a:cs typeface="+mn-cs"/>
-              </a:rPr>
-              <a:t>A </a:t>
-            </a:r>
-            <a:r>
-              <a:rPr lang="en-GB" sz="1200" b="1" i="0" kern="1200" dirty="0">
-                <a:solidFill>
-                  <a:schemeClr val="tx1"/>
-                </a:solidFill>
-                <a:effectLst/>
-                <a:latin typeface="+mn-lt"/>
-                <a:ea typeface="+mn-ea"/>
-                <a:cs typeface="+mn-cs"/>
-              </a:rPr>
-              <a:t>mutable</a:t>
-            </a:r>
-            <a:r>
-              <a:rPr lang="en-GB" sz="1200" b="0" i="0" kern="1200" dirty="0">
-                <a:solidFill>
-                  <a:schemeClr val="tx1"/>
-                </a:solidFill>
-                <a:effectLst/>
-                <a:latin typeface="+mn-lt"/>
-                <a:ea typeface="+mn-ea"/>
-                <a:cs typeface="+mn-cs"/>
-              </a:rPr>
-              <a:t> object can be changed after it's created, and an </a:t>
-            </a:r>
-            <a:r>
-              <a:rPr lang="en-GB" sz="1200" b="1" i="0" kern="1200" dirty="0">
-                <a:solidFill>
-                  <a:schemeClr val="tx1"/>
-                </a:solidFill>
-                <a:effectLst/>
-                <a:latin typeface="+mn-lt"/>
-                <a:ea typeface="+mn-ea"/>
-                <a:cs typeface="+mn-cs"/>
-              </a:rPr>
-              <a:t>immutable</a:t>
-            </a:r>
-            <a:r>
-              <a:rPr lang="en-GB" sz="1200" b="0" i="0" kern="1200" dirty="0">
-                <a:solidFill>
-                  <a:schemeClr val="tx1"/>
-                </a:solidFill>
-                <a:effectLst/>
-                <a:latin typeface="+mn-lt"/>
-                <a:ea typeface="+mn-ea"/>
-                <a:cs typeface="+mn-cs"/>
-              </a:rPr>
-              <a:t> object can’t.</a:t>
-            </a:r>
-          </a:p>
-          <a:p>
-            <a:r>
-              <a:rPr lang="en-GB" sz="1200" b="0" i="0" kern="1200" dirty="0">
-                <a:solidFill>
-                  <a:schemeClr val="tx1"/>
-                </a:solidFill>
-                <a:effectLst/>
-                <a:latin typeface="+mn-lt"/>
-                <a:ea typeface="+mn-ea"/>
-                <a:cs typeface="+mn-cs"/>
-              </a:rPr>
-              <a:t>If you want to write most efficient code, you should be the knowing difference between </a:t>
-            </a:r>
-            <a:r>
-              <a:rPr lang="en-GB" sz="1200" b="1" i="0" kern="1200" dirty="0">
-                <a:solidFill>
-                  <a:schemeClr val="tx1"/>
-                </a:solidFill>
-                <a:effectLst/>
-                <a:latin typeface="+mn-lt"/>
-                <a:ea typeface="+mn-ea"/>
-                <a:cs typeface="+mn-cs"/>
-              </a:rPr>
-              <a:t>mutable</a:t>
-            </a:r>
-            <a:r>
-              <a:rPr lang="en-GB" sz="1200" b="0" i="0" kern="1200" dirty="0">
-                <a:solidFill>
-                  <a:schemeClr val="tx1"/>
-                </a:solidFill>
-                <a:effectLst/>
-                <a:latin typeface="+mn-lt"/>
-                <a:ea typeface="+mn-ea"/>
-                <a:cs typeface="+mn-cs"/>
-              </a:rPr>
-              <a:t> and </a:t>
-            </a:r>
-            <a:r>
-              <a:rPr lang="en-GB" sz="1200" b="1" i="0" kern="1200" dirty="0">
-                <a:solidFill>
-                  <a:schemeClr val="tx1"/>
-                </a:solidFill>
-                <a:effectLst/>
-                <a:latin typeface="+mn-lt"/>
-                <a:ea typeface="+mn-ea"/>
-                <a:cs typeface="+mn-cs"/>
-              </a:rPr>
-              <a:t>immutable</a:t>
-            </a:r>
-            <a:r>
-              <a:rPr lang="en-GB" sz="1200" b="0" i="0" kern="1200" dirty="0">
-                <a:solidFill>
-                  <a:schemeClr val="tx1"/>
-                </a:solidFill>
-                <a:effectLst/>
-                <a:latin typeface="+mn-lt"/>
-                <a:ea typeface="+mn-ea"/>
-                <a:cs typeface="+mn-cs"/>
-              </a:rPr>
-              <a:t> in python. Concatenating string in loops wastes lots of </a:t>
-            </a:r>
-            <a:r>
-              <a:rPr lang="en-GB" sz="1200" b="1" i="0" kern="1200" dirty="0">
-                <a:solidFill>
-                  <a:schemeClr val="tx1"/>
-                </a:solidFill>
-                <a:effectLst/>
-                <a:latin typeface="+mn-lt"/>
-                <a:ea typeface="+mn-ea"/>
-                <a:cs typeface="+mn-cs"/>
-              </a:rPr>
-              <a:t>memory</a:t>
-            </a:r>
-            <a:r>
-              <a:rPr lang="en-GB" sz="1200" b="0" i="0" kern="1200" dirty="0">
-                <a:solidFill>
-                  <a:schemeClr val="tx1"/>
-                </a:solidFill>
-                <a:effectLst/>
-                <a:latin typeface="+mn-lt"/>
-                <a:ea typeface="+mn-ea"/>
-                <a:cs typeface="+mn-cs"/>
-              </a:rPr>
-              <a:t> , because strings are immutable, concatenating two strings together actually creates a third string which is the combination of the previous two. If you are iterating a lot and building a large string, you will waste a lot of memory creating and throwing away objects. Use list compression join technique.</a:t>
-            </a:r>
-          </a:p>
-          <a:p>
-            <a:r>
-              <a:rPr lang="en-GB" sz="1200" b="0" i="0" kern="1200" dirty="0">
-                <a:solidFill>
-                  <a:schemeClr val="tx1"/>
-                </a:solidFill>
-                <a:effectLst/>
-                <a:latin typeface="+mn-lt"/>
-                <a:ea typeface="+mn-ea"/>
-                <a:cs typeface="+mn-cs"/>
-              </a:rPr>
-              <a:t>Python handles mutable and immutable objects differently. </a:t>
-            </a:r>
-            <a:r>
-              <a:rPr lang="en-GB" sz="1200" b="1" i="0" kern="1200" dirty="0">
-                <a:solidFill>
-                  <a:schemeClr val="tx1"/>
-                </a:solidFill>
-                <a:effectLst/>
-                <a:latin typeface="+mn-lt"/>
-                <a:ea typeface="+mn-ea"/>
-                <a:cs typeface="+mn-cs"/>
-              </a:rPr>
-              <a:t>Immutable</a:t>
-            </a:r>
-            <a:r>
-              <a:rPr lang="en-GB" sz="1200" b="0" i="0" kern="1200" dirty="0">
-                <a:solidFill>
-                  <a:schemeClr val="tx1"/>
-                </a:solidFill>
-                <a:effectLst/>
-                <a:latin typeface="+mn-lt"/>
-                <a:ea typeface="+mn-ea"/>
-                <a:cs typeface="+mn-cs"/>
-              </a:rPr>
-              <a:t> are quicker to access than mutable objects. Also, immutable objects are fundamentally expensive to "change", because doing so involves creating a copy. Changing </a:t>
-            </a:r>
-            <a:r>
-              <a:rPr lang="en-GB" sz="1200" b="1" i="0" kern="1200" dirty="0">
-                <a:solidFill>
-                  <a:schemeClr val="tx1"/>
-                </a:solidFill>
-                <a:effectLst/>
-                <a:latin typeface="+mn-lt"/>
-                <a:ea typeface="+mn-ea"/>
-                <a:cs typeface="+mn-cs"/>
-              </a:rPr>
-              <a:t>mutable</a:t>
-            </a:r>
-            <a:r>
-              <a:rPr lang="en-GB" sz="1200" b="0" i="0" kern="1200" dirty="0">
-                <a:solidFill>
-                  <a:schemeClr val="tx1"/>
-                </a:solidFill>
-                <a:effectLst/>
-                <a:latin typeface="+mn-lt"/>
-                <a:ea typeface="+mn-ea"/>
-                <a:cs typeface="+mn-cs"/>
-              </a:rPr>
-              <a:t> objects is cheap.</a:t>
-            </a:r>
-          </a:p>
-          <a:p>
-            <a:pPr>
-              <a:lnSpc>
-                <a:spcPct val="100000"/>
-              </a:lnSpc>
-            </a:pPr>
             <a:endParaRPr lang="en-IN" sz="1400" b="0" strike="noStrike" spc="-1" dirty="0">
               <a:latin typeface="Arial"/>
             </a:endParaRPr>
@@ -1825,6 +1727,11 @@
         </p:txBody>
       </p:sp>
     </p:spTree>
+    <p:extLst>
+      <p:ext uri="{BB962C8B-B14F-4D97-AF65-F5344CB8AC3E}">
+        <p14:creationId xmlns:p14="http://schemas.microsoft.com/office/powerpoint/2010/main" val="3994248464"/>
+      </p:ext>
+    </p:extLst>
   </p:cSld>
   <p:clrMapOvr>
     <a:masterClrMapping/>
@@ -1851,7 +1758,7 @@
       </p:grpSpPr>
       <p:sp>
         <p:nvSpPr>
-          <p:cNvPr id="192" name="PlaceHolder 1"/>
+          <p:cNvPr id="195" name="PlaceHolder 1"/>
           <p:cNvSpPr>
             <a:spLocks noGrp="1" noRot="1" noChangeAspect="1"/>
           </p:cNvSpPr>
@@ -1861,17 +1768,17 @@
         </p:nvSpPr>
         <p:spPr>
           <a:xfrm>
-            <a:off x="914400" y="744538"/>
-            <a:ext cx="4965700" cy="3724275"/>
-          </a:xfrm>
-          <a:prstGeom prst="rect">
-            <a:avLst/>
-          </a:prstGeom>
-        </p:spPr>
-      </p:sp>
-      <p:sp>
-        <p:nvSpPr>
-          <p:cNvPr id="193" name="PlaceHolder 2"/>
+            <a:off x="914400" y="744480"/>
+            <a:ext cx="4965480" cy="3723840"/>
+          </a:xfrm>
+          <a:prstGeom prst="rect">
+            <a:avLst/>
+          </a:prstGeom>
+        </p:spPr>
+      </p:sp>
+      <p:sp>
+        <p:nvSpPr>
+          <p:cNvPr id="196" name="PlaceHolder 2"/>
           <p:cNvSpPr>
             <a:spLocks noGrp="1"/>
           </p:cNvSpPr>
@@ -1898,11 +1805,14 @@
               </a:lnSpc>
             </a:pPr>
             <a:r>
-              <a:rPr lang="en-IN" sz="1400" b="0" strike="noStrike" spc="-1" dirty="0">
+              <a:rPr lang="en-IN" sz="1400" b="0" strike="noStrike" spc="-1">
                 <a:latin typeface="+mn-lt"/>
               </a:rPr>
               <a:t>Not just a logical procedure that takes input data, processes it, and produces output data</a:t>
             </a:r>
+            <a:endParaRPr lang="en-IN" sz="1400" b="0" strike="noStrike" spc="-1">
+              <a:latin typeface="Arial"/>
+            </a:endParaRPr>
           </a:p>
           <a:p>
             <a:pPr>
@@ -1910,37 +1820,15 @@
                 <a:spcPct val="100000"/>
               </a:lnSpc>
             </a:pPr>
-            <a:r>
-              <a:rPr lang="en-GB" sz="1200" b="0" i="0" kern="1200" dirty="0">
-                <a:solidFill>
-                  <a:schemeClr val="tx1"/>
-                </a:solidFill>
-                <a:effectLst/>
-                <a:latin typeface="+mn-lt"/>
-                <a:ea typeface="+mn-ea"/>
-                <a:cs typeface="+mn-cs"/>
-              </a:rPr>
-              <a:t>The concept of a data frame comes from the world of statistical software used in empirical research; it generally refers to "tabular" data: a data structure representing cases (rows), each of which consists of a number of observations or measurements (columns). </a:t>
-            </a:r>
-            <a:endParaRPr lang="en-IN" sz="1400" b="0" strike="noStrike" spc="-1" dirty="0">
+            <a:endParaRPr lang="en-IN" sz="1400" b="0" strike="noStrike" spc="-1">
               <a:latin typeface="Arial"/>
             </a:endParaRPr>
           </a:p>
-          <a:p>
-            <a:pPr>
-              <a:lnSpc>
-                <a:spcPct val="100000"/>
-              </a:lnSpc>
-            </a:pPr>
-            <a:endParaRPr lang="en-IN" sz="1400" b="0" strike="noStrike" spc="-1" dirty="0">
-              <a:latin typeface="Arial"/>
-            </a:endParaRPr>
-          </a:p>
-        </p:txBody>
-      </p:sp>
-      <p:sp>
-        <p:nvSpPr>
-          <p:cNvPr id="194" name="TextShape 3"/>
+        </p:txBody>
+      </p:sp>
+      <p:sp>
+        <p:nvSpPr>
+          <p:cNvPr id="197" name="TextShape 3"/>
           <p:cNvSpPr txBox="1"/>
           <p:nvPr/>
         </p:nvSpPr>
@@ -1966,7 +1854,7 @@
                 <a:spcPct val="100000"/>
               </a:lnSpc>
             </a:pPr>
-            <a:fld id="{4296F7FC-041A-4B33-BEAB-0A7C619FD8D4}" type="slidenum">
+            <a:fld id="{9CC144D0-F04E-4AA7-91E8-FAE68A5CFB57}" type="slidenum">
               <a:rPr lang="en-IN" sz="1200" b="0" strike="noStrike" spc="-1">
                 <a:solidFill>
                   <a:srgbClr val="000000"/>
@@ -1983,11 +1871,6 @@
         </p:txBody>
       </p:sp>
     </p:spTree>
-    <p:extLst>
-      <p:ext uri="{BB962C8B-B14F-4D97-AF65-F5344CB8AC3E}">
-        <p14:creationId xmlns:p14="http://schemas.microsoft.com/office/powerpoint/2010/main" val="3994248464"/>
-      </p:ext>
-    </p:extLst>
   </p:cSld>
   <p:clrMapOvr>
     <a:masterClrMapping/>
@@ -2014,7 +1897,7 @@
       </p:grpSpPr>
       <p:sp>
         <p:nvSpPr>
-          <p:cNvPr id="195" name="PlaceHolder 1"/>
+          <p:cNvPr id="198" name="PlaceHolder 1"/>
           <p:cNvSpPr>
             <a:spLocks noGrp="1" noRot="1" noChangeAspect="1"/>
           </p:cNvSpPr>
@@ -2034,7 +1917,7 @@
       </p:sp>
       <p:sp>
         <p:nvSpPr>
-          <p:cNvPr id="196" name="PlaceHolder 2"/>
+          <p:cNvPr id="199" name="PlaceHolder 2"/>
           <p:cNvSpPr>
             <a:spLocks noGrp="1"/>
           </p:cNvSpPr>
@@ -2084,7 +1967,7 @@
       </p:sp>
       <p:sp>
         <p:nvSpPr>
-          <p:cNvPr id="197" name="TextShape 3"/>
+          <p:cNvPr id="200" name="TextShape 3"/>
           <p:cNvSpPr txBox="1"/>
           <p:nvPr/>
         </p:nvSpPr>
@@ -2110,7 +1993,7 @@
                 <a:spcPct val="100000"/>
               </a:lnSpc>
             </a:pPr>
-            <a:fld id="{9CC144D0-F04E-4AA7-91E8-FAE68A5CFB57}" type="slidenum">
+            <a:fld id="{91620EEC-6E2A-4891-974C-4D3EB2CB5C4C}" type="slidenum">
               <a:rPr lang="en-IN" sz="1200" b="0" strike="noStrike" spc="-1">
                 <a:solidFill>
                   <a:srgbClr val="000000"/>
@@ -8421,7 +8304,7 @@
       </p:grpSpPr>
       <p:sp>
         <p:nvSpPr>
-          <p:cNvPr id="165" name="TextShape 1"/>
+          <p:cNvPr id="170" name="TextShape 1"/>
           <p:cNvSpPr txBox="1"/>
           <p:nvPr/>
         </p:nvSpPr>
@@ -8454,7 +8337,7 @@
                 </a:solidFill>
                 <a:latin typeface="Gill Sans"/>
               </a:rPr>
-              <a:t>Programing Concepts – CONDITIONS AND CONTROLS</a:t>
+              <a:t>Programing Concepts - LOOPS</a:t>
             </a:r>
             <a:endParaRPr lang="fr-FR" sz="3200" b="0" strike="noStrike" spc="-1">
               <a:solidFill>
@@ -8467,14 +8350,14 @@
       </p:sp>
       <p:sp>
         <p:nvSpPr>
-          <p:cNvPr id="166" name="CustomShape 2"/>
-          <p:cNvSpPr/>
+          <p:cNvPr id="171" name="TextShape 2"/>
+          <p:cNvSpPr txBox="1"/>
           <p:nvPr/>
         </p:nvSpPr>
         <p:spPr>
           <a:xfrm>
-            <a:off x="251640" y="1628640"/>
-            <a:ext cx="8280720" cy="2448000"/>
+            <a:off x="467640" y="1196640"/>
+            <a:ext cx="8496720" cy="2160000"/>
           </a:xfrm>
           <a:prstGeom prst="rect">
             <a:avLst/>
@@ -8484,18 +8367,6 @@
             <a:noFill/>
           </a:ln>
         </p:spPr>
-        <p:style>
-          <a:lnRef idx="0">
-            <a:scrgbClr r="0" g="0" b="0"/>
-          </a:lnRef>
-          <a:fillRef idx="0">
-            <a:scrgbClr r="0" g="0" b="0"/>
-          </a:fillRef>
-          <a:effectRef idx="0">
-            <a:scrgbClr r="0" g="0" b="0"/>
-          </a:effectRef>
-          <a:fontRef idx="minor"/>
-        </p:style>
         <p:txBody>
           <a:bodyPr lIns="90000" tIns="45000" rIns="90000" bIns="45000"/>
           <a:lstStyle/>
@@ -8514,16 +8385,19 @@
               <a:buChar char=""/>
             </a:pPr>
             <a:r>
-              <a:rPr lang="en-IN" sz="1600" b="0" strike="noStrike" spc="-1">
+              <a:rPr lang="fr-FR" sz="1600" b="0" strike="noStrike" spc="-1">
                 <a:solidFill>
                   <a:srgbClr val="000000"/>
                 </a:solidFill>
                 <a:latin typeface="Calibri"/>
               </a:rPr>
-              <a:t>Evaluate expressions which produce TRUE or FALSE as outcome</a:t>
+              <a:t>A loop statement allows us to execute a statement or group of statements multiple times</a:t>
             </a:r>
-            <a:endParaRPr lang="en-IN" sz="1600" b="0" strike="noStrike" spc="-1">
-              <a:latin typeface="Arial"/>
+            <a:endParaRPr lang="fr-FR" sz="1600" b="0" strike="noStrike" spc="-1">
+              <a:solidFill>
+                <a:srgbClr val="000000"/>
+              </a:solidFill>
+              <a:latin typeface="Gill Sans MT"/>
             </a:endParaRPr>
           </a:p>
           <a:p>
@@ -8541,16 +8415,19 @@
               <a:buChar char=""/>
             </a:pPr>
             <a:r>
-              <a:rPr lang="en-IN" sz="1600" b="0" strike="noStrike" spc="-1">
+              <a:rPr lang="fr-FR" sz="1600" b="0" strike="noStrike" spc="-1">
                 <a:solidFill>
                   <a:srgbClr val="000000"/>
                 </a:solidFill>
                 <a:latin typeface="Calibri"/>
               </a:rPr>
-              <a:t>Based on the outcome of the expression a specific block of code is executed</a:t>
+              <a:t>While loop is the simplest loop which executes a block of code until and expression is True</a:t>
             </a:r>
-            <a:endParaRPr lang="en-IN" sz="1600" b="0" strike="noStrike" spc="-1">
-              <a:latin typeface="Arial"/>
+            <a:endParaRPr lang="fr-FR" sz="1600" b="0" strike="noStrike" spc="-1">
+              <a:solidFill>
+                <a:srgbClr val="000000"/>
+              </a:solidFill>
+              <a:latin typeface="Gill Sans MT"/>
             </a:endParaRPr>
           </a:p>
           <a:p>
@@ -8568,16 +8445,19 @@
               <a:buChar char=""/>
             </a:pPr>
             <a:r>
-              <a:rPr lang="en-IN" sz="1600" b="0" strike="noStrike" spc="-1">
+              <a:rPr lang="fr-FR" sz="1600" b="0" strike="noStrike" spc="-1">
                 <a:solidFill>
                   <a:srgbClr val="000000"/>
                 </a:solidFill>
                 <a:latin typeface="Calibri"/>
               </a:rPr>
-              <a:t>The expressions could be: equality (==) , inequality (!=), less/greater than (&lt;)(&gt;), less/greater than or equal  (&lt;=) (&gt;=), membership (in, not in)</a:t>
+              <a:t>A 'break' command can be used to exit any loop prematurely</a:t>
             </a:r>
-            <a:endParaRPr lang="en-IN" sz="1600" b="0" strike="noStrike" spc="-1">
-              <a:latin typeface="Arial"/>
+            <a:endParaRPr lang="fr-FR" sz="1600" b="0" strike="noStrike" spc="-1">
+              <a:solidFill>
+                <a:srgbClr val="000000"/>
+              </a:solidFill>
+              <a:latin typeface="Gill Sans MT"/>
             </a:endParaRPr>
           </a:p>
           <a:p>
@@ -8595,23 +8475,26 @@
               <a:buChar char=""/>
             </a:pPr>
             <a:r>
-              <a:rPr lang="en-IN" sz="1600" b="0" strike="noStrike" spc="-1">
+              <a:rPr lang="fr-FR" sz="1600" b="0" strike="noStrike" spc="-1">
                 <a:solidFill>
                   <a:srgbClr val="000000"/>
                 </a:solidFill>
                 <a:latin typeface="Calibri"/>
               </a:rPr>
-              <a:t>Expressions can be combined using "and" and "or" and "and not"</a:t>
+              <a:t>A 'continue' command can be used to skip ahead to the next iterations without exiting the loop</a:t>
             </a:r>
-            <a:endParaRPr lang="en-IN" sz="1600" b="0" strike="noStrike" spc="-1">
-              <a:latin typeface="Arial"/>
+            <a:endParaRPr lang="fr-FR" sz="1600" b="0" strike="noStrike" spc="-1">
+              <a:solidFill>
+                <a:srgbClr val="000000"/>
+              </a:solidFill>
+              <a:latin typeface="Gill Sans MT"/>
             </a:endParaRPr>
           </a:p>
         </p:txBody>
       </p:sp>
       <p:pic>
         <p:nvPicPr>
-          <p:cNvPr id="167" name="Picture 1"/>
+          <p:cNvPr id="172" name="Picture 4"/>
           <p:cNvPicPr/>
           <p:nvPr/>
         </p:nvPicPr>
@@ -8621,8 +8504,8 @@
         </p:blipFill>
         <p:spPr>
           <a:xfrm>
-            <a:off x="395640" y="3645000"/>
-            <a:ext cx="2304000" cy="2934000"/>
+            <a:off x="539640" y="2853000"/>
+            <a:ext cx="2394360" cy="3678120"/>
           </a:xfrm>
           <a:prstGeom prst="rect">
             <a:avLst/>
@@ -8634,7 +8517,7 @@
       </p:pic>
       <p:pic>
         <p:nvPicPr>
-          <p:cNvPr id="168" name="Picture 12"/>
+          <p:cNvPr id="173" name="Picture 12"/>
           <p:cNvPicPr/>
           <p:nvPr/>
         </p:nvPicPr>
@@ -8644,8 +8527,8 @@
         </p:blipFill>
         <p:spPr>
           <a:xfrm>
-            <a:off x="2539800" y="3717000"/>
-            <a:ext cx="6603840" cy="2664000"/>
+            <a:off x="3060000" y="2853000"/>
+            <a:ext cx="5986080" cy="3456000"/>
           </a:xfrm>
           <a:prstGeom prst="rect">
             <a:avLst/>
@@ -8655,54 +8538,6 @@
           </a:ln>
         </p:spPr>
       </p:pic>
-      <p:sp>
-        <p:nvSpPr>
-          <p:cNvPr id="169" name="CustomShape 3"/>
-          <p:cNvSpPr/>
-          <p:nvPr/>
-        </p:nvSpPr>
-        <p:spPr>
-          <a:xfrm>
-            <a:off x="3492000" y="4221000"/>
-            <a:ext cx="5579640" cy="287640"/>
-          </a:xfrm>
-          <a:prstGeom prst="rect">
-            <a:avLst/>
-          </a:prstGeom>
-          <a:solidFill>
-            <a:schemeClr val="bg1">
-              <a:lumMod val="95000"/>
-            </a:schemeClr>
-          </a:solidFill>
-          <a:ln>
-            <a:solidFill>
-              <a:schemeClr val="bg1">
-                <a:lumMod val="95000"/>
-              </a:schemeClr>
-            </a:solidFill>
-            <a:round/>
-          </a:ln>
-          <a:effectLst>
-            <a:outerShdw blurRad="40000" dist="23000" dir="5400000" rotWithShape="0">
-              <a:srgbClr val="000000">
-                <a:alpha val="35000"/>
-              </a:srgbClr>
-            </a:outerShdw>
-          </a:effectLst>
-        </p:spPr>
-        <p:style>
-          <a:lnRef idx="1">
-            <a:schemeClr val="accent1"/>
-          </a:lnRef>
-          <a:fillRef idx="3">
-            <a:schemeClr val="accent1"/>
-          </a:fillRef>
-          <a:effectRef idx="2">
-            <a:schemeClr val="accent1"/>
-          </a:effectRef>
-          <a:fontRef idx="minor"/>
-        </p:style>
-      </p:sp>
     </p:spTree>
   </p:cSld>
   <p:clrMapOvr>
@@ -8742,297 +8577,6 @@
 </file>
 
 <file path=ppt/slides/slide11.xml><?xml version="1.0" encoding="utf-8"?>
-<p:sld xmlns:a="http://schemas.openxmlformats.org/drawingml/2006/main" xmlns:r="http://schemas.openxmlformats.org/officeDocument/2006/relationships" xmlns:p="http://schemas.openxmlformats.org/presentationml/2006/main">
-  <p:cSld>
-    <p:spTree>
-      <p:nvGrpSpPr>
-        <p:cNvPr id="1" name=""/>
-        <p:cNvGrpSpPr/>
-        <p:nvPr/>
-      </p:nvGrpSpPr>
-      <p:grpSpPr>
-        <a:xfrm>
-          <a:off x="0" y="0"/>
-          <a:ext cx="0" cy="0"/>
-          <a:chOff x="0" y="0"/>
-          <a:chExt cx="0" cy="0"/>
-        </a:xfrm>
-      </p:grpSpPr>
-      <p:sp>
-        <p:nvSpPr>
-          <p:cNvPr id="170" name="TextShape 1"/>
-          <p:cNvSpPr txBox="1"/>
-          <p:nvPr/>
-        </p:nvSpPr>
-        <p:spPr>
-          <a:xfrm>
-            <a:off x="457200" y="274680"/>
-            <a:ext cx="8229240" cy="633600"/>
-          </a:xfrm>
-          <a:prstGeom prst="rect">
-            <a:avLst/>
-          </a:prstGeom>
-          <a:noFill/>
-          <a:ln>
-            <a:noFill/>
-          </a:ln>
-        </p:spPr>
-        <p:txBody>
-          <a:bodyPr lIns="90000" tIns="45000" rIns="90000" bIns="45000"/>
-          <a:lstStyle/>
-          <a:p>
-            <a:pPr algn="ctr">
-              <a:lnSpc>
-                <a:spcPct val="100000"/>
-              </a:lnSpc>
-            </a:pPr>
-            <a:r>
-              <a:rPr lang="fr-FR" sz="3200" b="1" strike="noStrike" cap="all" spc="-1">
-                <a:solidFill>
-                  <a:srgbClr val="084C8D"/>
-                </a:solidFill>
-                <a:latin typeface="Gill Sans"/>
-              </a:rPr>
-              <a:t>Programing Concepts - LOOPS</a:t>
-            </a:r>
-            <a:endParaRPr lang="fr-FR" sz="3200" b="0" strike="noStrike" spc="-1">
-              <a:solidFill>
-                <a:srgbClr val="000000"/>
-              </a:solidFill>
-              <a:latin typeface="Gill Sans MT"/>
-            </a:endParaRPr>
-          </a:p>
-        </p:txBody>
-      </p:sp>
-      <p:sp>
-        <p:nvSpPr>
-          <p:cNvPr id="171" name="TextShape 2"/>
-          <p:cNvSpPr txBox="1"/>
-          <p:nvPr/>
-        </p:nvSpPr>
-        <p:spPr>
-          <a:xfrm>
-            <a:off x="467640" y="1196640"/>
-            <a:ext cx="8496720" cy="2160000"/>
-          </a:xfrm>
-          <a:prstGeom prst="rect">
-            <a:avLst/>
-          </a:prstGeom>
-          <a:noFill/>
-          <a:ln>
-            <a:noFill/>
-          </a:ln>
-        </p:spPr>
-        <p:txBody>
-          <a:bodyPr lIns="90000" tIns="45000" rIns="90000" bIns="45000"/>
-          <a:lstStyle/>
-          <a:p>
-            <a:pPr marL="360000" indent="-359640">
-              <a:lnSpc>
-                <a:spcPct val="150000"/>
-              </a:lnSpc>
-              <a:spcBef>
-                <a:spcPts val="99"/>
-              </a:spcBef>
-              <a:buClr>
-                <a:srgbClr val="084C8D"/>
-              </a:buClr>
-              <a:buFont typeface="Wingdings" charset="2"/>
-              <a:buChar char=""/>
-            </a:pPr>
-            <a:r>
-              <a:rPr lang="fr-FR" sz="1600" b="0" strike="noStrike" spc="-1">
-                <a:solidFill>
-                  <a:srgbClr val="000000"/>
-                </a:solidFill>
-                <a:latin typeface="Calibri"/>
-              </a:rPr>
-              <a:t>A loop statement allows us to execute a statement or group of statements multiple times</a:t>
-            </a:r>
-            <a:endParaRPr lang="fr-FR" sz="1600" b="0" strike="noStrike" spc="-1">
-              <a:solidFill>
-                <a:srgbClr val="000000"/>
-              </a:solidFill>
-              <a:latin typeface="Gill Sans MT"/>
-            </a:endParaRPr>
-          </a:p>
-          <a:p>
-            <a:pPr marL="360000" indent="-359640">
-              <a:lnSpc>
-                <a:spcPct val="150000"/>
-              </a:lnSpc>
-              <a:spcBef>
-                <a:spcPts val="99"/>
-              </a:spcBef>
-              <a:buClr>
-                <a:srgbClr val="084C8D"/>
-              </a:buClr>
-              <a:buFont typeface="Wingdings" charset="2"/>
-              <a:buChar char=""/>
-            </a:pPr>
-            <a:r>
-              <a:rPr lang="fr-FR" sz="1600" b="0" strike="noStrike" spc="-1">
-                <a:solidFill>
-                  <a:srgbClr val="000000"/>
-                </a:solidFill>
-                <a:latin typeface="Calibri"/>
-              </a:rPr>
-              <a:t>While loop is the simplest loop which executes a block of code until and expression is True</a:t>
-            </a:r>
-            <a:endParaRPr lang="fr-FR" sz="1600" b="0" strike="noStrike" spc="-1">
-              <a:solidFill>
-                <a:srgbClr val="000000"/>
-              </a:solidFill>
-              <a:latin typeface="Gill Sans MT"/>
-            </a:endParaRPr>
-          </a:p>
-          <a:p>
-            <a:pPr marL="360000" indent="-359640">
-              <a:lnSpc>
-                <a:spcPct val="150000"/>
-              </a:lnSpc>
-              <a:spcBef>
-                <a:spcPts val="99"/>
-              </a:spcBef>
-              <a:buClr>
-                <a:srgbClr val="084C8D"/>
-              </a:buClr>
-              <a:buFont typeface="Wingdings" charset="2"/>
-              <a:buChar char=""/>
-            </a:pPr>
-            <a:r>
-              <a:rPr lang="fr-FR" sz="1600" b="0" strike="noStrike" spc="-1">
-                <a:solidFill>
-                  <a:srgbClr val="000000"/>
-                </a:solidFill>
-                <a:latin typeface="Calibri"/>
-              </a:rPr>
-              <a:t>A 'break' command can be used to exit any loop prematurely</a:t>
-            </a:r>
-            <a:endParaRPr lang="fr-FR" sz="1600" b="0" strike="noStrike" spc="-1">
-              <a:solidFill>
-                <a:srgbClr val="000000"/>
-              </a:solidFill>
-              <a:latin typeface="Gill Sans MT"/>
-            </a:endParaRPr>
-          </a:p>
-          <a:p>
-            <a:pPr marL="360000" indent="-359640">
-              <a:lnSpc>
-                <a:spcPct val="150000"/>
-              </a:lnSpc>
-              <a:spcBef>
-                <a:spcPts val="99"/>
-              </a:spcBef>
-              <a:buClr>
-                <a:srgbClr val="084C8D"/>
-              </a:buClr>
-              <a:buFont typeface="Wingdings" charset="2"/>
-              <a:buChar char=""/>
-            </a:pPr>
-            <a:r>
-              <a:rPr lang="fr-FR" sz="1600" b="0" strike="noStrike" spc="-1">
-                <a:solidFill>
-                  <a:srgbClr val="000000"/>
-                </a:solidFill>
-                <a:latin typeface="Calibri"/>
-              </a:rPr>
-              <a:t>A 'continue' command can be used to skip ahead to the next iterations without exiting the loop</a:t>
-            </a:r>
-            <a:endParaRPr lang="fr-FR" sz="1600" b="0" strike="noStrike" spc="-1">
-              <a:solidFill>
-                <a:srgbClr val="000000"/>
-              </a:solidFill>
-              <a:latin typeface="Gill Sans MT"/>
-            </a:endParaRPr>
-          </a:p>
-        </p:txBody>
-      </p:sp>
-      <p:pic>
-        <p:nvPicPr>
-          <p:cNvPr id="172" name="Picture 4"/>
-          <p:cNvPicPr/>
-          <p:nvPr/>
-        </p:nvPicPr>
-        <p:blipFill>
-          <a:blip r:embed="rId3"/>
-          <a:stretch/>
-        </p:blipFill>
-        <p:spPr>
-          <a:xfrm>
-            <a:off x="539640" y="2853000"/>
-            <a:ext cx="2394360" cy="3678120"/>
-          </a:xfrm>
-          <a:prstGeom prst="rect">
-            <a:avLst/>
-          </a:prstGeom>
-          <a:ln>
-            <a:noFill/>
-          </a:ln>
-        </p:spPr>
-      </p:pic>
-      <p:pic>
-        <p:nvPicPr>
-          <p:cNvPr id="173" name="Picture 12"/>
-          <p:cNvPicPr/>
-          <p:nvPr/>
-        </p:nvPicPr>
-        <p:blipFill>
-          <a:blip r:embed="rId4"/>
-          <a:stretch/>
-        </p:blipFill>
-        <p:spPr>
-          <a:xfrm>
-            <a:off x="3060000" y="2853000"/>
-            <a:ext cx="5986080" cy="3456000"/>
-          </a:xfrm>
-          <a:prstGeom prst="rect">
-            <a:avLst/>
-          </a:prstGeom>
-          <a:ln>
-            <a:noFill/>
-          </a:ln>
-        </p:spPr>
-      </p:pic>
-    </p:spTree>
-  </p:cSld>
-  <p:clrMapOvr>
-    <a:masterClrMapping/>
-  </p:clrMapOvr>
-  <p:transition spd="med">
-    <p:fade/>
-  </p:transition>
-  <p:timing>
-    <p:tnLst>
-      <p:par>
-        <p:cTn id="1" dur="indefinite" restart="never" nodeType="tmRoot">
-          <p:childTnLst>
-            <p:seq>
-              <p:cTn id="2" dur="indefinite" nodeType="mainSeq"/>
-              <p:prevCondLst>
-                <p:cond evt="onPrev" delay="0">
-                  <p:tgtEl>
-                    <p:sldTgt/>
-                  </p:tgtEl>
-                </p:cond>
-              </p:prevCondLst>
-              <p:nextCondLst>
-                <p:cond evt="onNext" delay="0">
-                  <p:tgtEl>
-                    <p:sldTgt/>
-                  </p:tgtEl>
-                </p:cond>
-              </p:nextCondLst>
-            </p:seq>
-          </p:childTnLst>
-        </p:cTn>
-      </p:par>
-    </p:tnLst>
-  </p:timing>
-</p:sld>
-</file>
-
-<file path=ppt/slides/slide12.xml><?xml version="1.0" encoding="utf-8"?>
 <p:sld xmlns:a="http://schemas.openxmlformats.org/drawingml/2006/main" xmlns:r="http://schemas.openxmlformats.org/officeDocument/2006/relationships" xmlns:p="http://schemas.openxmlformats.org/presentationml/2006/main">
   <p:cSld>
     <p:spTree>
@@ -9152,14 +8696,14 @@
       </p:sp>
       <p:sp>
         <p:nvSpPr>
-          <p:cNvPr id="128" name="CustomShape 2"/>
+          <p:cNvPr id="129" name="CustomShape 3"/>
           <p:cNvSpPr/>
           <p:nvPr/>
         </p:nvSpPr>
         <p:spPr>
           <a:xfrm>
-            <a:off x="1103040" y="1750680"/>
-            <a:ext cx="6564960" cy="453960"/>
+            <a:off x="1091160" y="1504398"/>
+            <a:ext cx="6576840" cy="453600"/>
           </a:xfrm>
           <a:custGeom>
             <a:avLst/>
@@ -9276,7 +8820,7 @@
                 </a:solidFill>
                 <a:latin typeface="Verdana"/>
               </a:rPr>
-              <a:t>          </a:t>
+              <a:t>         </a:t>
             </a:r>
             <a:r>
               <a:rPr lang="en-IN" sz="1600" b="0" strike="noStrike" spc="-1">
@@ -9285,7 +8829,7 @@
                 </a:solidFill>
                 <a:latin typeface="Calibri"/>
               </a:rPr>
-              <a:t>Appreciate  the larger phenomenon of Open Source Software (OSS) </a:t>
+              <a:t>Understand what programing languages like Python mean</a:t>
             </a:r>
             <a:endParaRPr lang="en-IN" sz="1600" b="0" strike="noStrike" spc="-1">
               <a:latin typeface="Arial"/>
@@ -9295,14 +8839,81 @@
       </p:sp>
       <p:sp>
         <p:nvSpPr>
-          <p:cNvPr id="129" name="CustomShape 3"/>
+          <p:cNvPr id="130" name="CustomShape 4"/>
           <p:cNvSpPr/>
           <p:nvPr/>
         </p:nvSpPr>
         <p:spPr>
           <a:xfrm>
-            <a:off x="1091160" y="2759040"/>
-            <a:ext cx="6576840" cy="453600"/>
+            <a:off x="946800" y="1394958"/>
+            <a:ext cx="431280" cy="431280"/>
+          </a:xfrm>
+          <a:prstGeom prst="ellipse">
+            <a:avLst/>
+          </a:prstGeom>
+          <a:solidFill>
+            <a:srgbClr val="FFFFFF"/>
+          </a:solidFill>
+          <a:ln w="9360">
+            <a:solidFill>
+              <a:srgbClr val="CECFD1"/>
+            </a:solidFill>
+            <a:round/>
+          </a:ln>
+          <a:effectLst>
+            <a:outerShdw blurRad="40000" dist="20000" dir="5400000" rotWithShape="0">
+              <a:srgbClr val="000000">
+                <a:alpha val="38000"/>
+              </a:srgbClr>
+            </a:outerShdw>
+          </a:effectLst>
+        </p:spPr>
+        <p:style>
+          <a:lnRef idx="0">
+            <a:scrgbClr r="0" g="0" b="0"/>
+          </a:lnRef>
+          <a:fillRef idx="0">
+            <a:scrgbClr r="0" g="0" b="0"/>
+          </a:fillRef>
+          <a:effectRef idx="0">
+            <a:scrgbClr r="0" g="0" b="0"/>
+          </a:effectRef>
+          <a:fontRef idx="minor"/>
+        </p:style>
+      </p:sp>
+      <p:pic>
+        <p:nvPicPr>
+          <p:cNvPr id="133" name="Picture 6"/>
+          <p:cNvPicPr/>
+          <p:nvPr/>
+        </p:nvPicPr>
+        <p:blipFill>
+          <a:blip r:embed="rId3"/>
+          <a:stretch/>
+        </p:blipFill>
+        <p:spPr>
+          <a:xfrm>
+            <a:off x="1004040" y="1452198"/>
+            <a:ext cx="318600" cy="317160"/>
+          </a:xfrm>
+          <a:prstGeom prst="rect">
+            <a:avLst/>
+          </a:prstGeom>
+          <a:ln w="9360">
+            <a:noFill/>
+          </a:ln>
+        </p:spPr>
+      </p:pic>
+      <p:sp>
+        <p:nvSpPr>
+          <p:cNvPr id="135" name="CustomShape 7"/>
+          <p:cNvSpPr/>
+          <p:nvPr/>
+        </p:nvSpPr>
+        <p:spPr>
+          <a:xfrm>
+            <a:off x="1115640" y="2519958"/>
+            <a:ext cx="6552360" cy="374400"/>
           </a:xfrm>
           <a:custGeom>
             <a:avLst/>
@@ -9413,22 +9024,13 @@
               </a:spcAft>
             </a:pPr>
             <a:r>
-              <a:rPr lang="en-IN" sz="1200" b="0" strike="noStrike" spc="-1">
-                <a:solidFill>
-                  <a:srgbClr val="55575B"/>
-                </a:solidFill>
-                <a:latin typeface="Verdana"/>
-              </a:rPr>
-              <a:t>         </a:t>
-            </a:r>
-            <a:r>
               <a:rPr lang="en-IN" sz="1600" b="0" strike="noStrike" spc="-1">
                 <a:solidFill>
                   <a:srgbClr val="55575B"/>
                 </a:solidFill>
                 <a:latin typeface="Calibri"/>
               </a:rPr>
-              <a:t>Understand what programing languages like Python mean</a:t>
+              <a:t>        Introduce some of the basic programing concepts</a:t>
             </a:r>
             <a:endParaRPr lang="en-IN" sz="1600" b="0" strike="noStrike" spc="-1">
               <a:latin typeface="Arial"/>
@@ -9438,13 +9040,13 @@
       </p:sp>
       <p:sp>
         <p:nvSpPr>
-          <p:cNvPr id="130" name="CustomShape 4"/>
+          <p:cNvPr id="136" name="CustomShape 8"/>
           <p:cNvSpPr/>
           <p:nvPr/>
         </p:nvSpPr>
         <p:spPr>
           <a:xfrm>
-            <a:off x="946800" y="2649600"/>
+            <a:off x="971280" y="2355798"/>
             <a:ext cx="431280" cy="431280"/>
           </a:xfrm>
           <a:prstGeom prst="ellipse">
@@ -9482,103 +9084,13 @@
       </p:sp>
       <p:sp>
         <p:nvSpPr>
-          <p:cNvPr id="131" name="CustomShape 5"/>
+          <p:cNvPr id="137" name="CustomShape 9"/>
           <p:cNvSpPr/>
           <p:nvPr/>
         </p:nvSpPr>
         <p:spPr>
           <a:xfrm>
-            <a:off x="924840" y="1616040"/>
-            <a:ext cx="431280" cy="431280"/>
-          </a:xfrm>
-          <a:prstGeom prst="ellipse">
-            <a:avLst/>
-          </a:prstGeom>
-          <a:solidFill>
-            <a:srgbClr val="FFFFFF"/>
-          </a:solidFill>
-          <a:ln w="9360">
-            <a:solidFill>
-              <a:srgbClr val="CECFD1"/>
-            </a:solidFill>
-            <a:round/>
-          </a:ln>
-          <a:effectLst>
-            <a:outerShdw blurRad="40000" dist="20000" dir="5400000" rotWithShape="0">
-              <a:srgbClr val="000000">
-                <a:alpha val="38000"/>
-              </a:srgbClr>
-            </a:outerShdw>
-          </a:effectLst>
-        </p:spPr>
-        <p:style>
-          <a:lnRef idx="0">
-            <a:scrgbClr r="0" g="0" b="0"/>
-          </a:lnRef>
-          <a:fillRef idx="0">
-            <a:scrgbClr r="0" g="0" b="0"/>
-          </a:fillRef>
-          <a:effectRef idx="0">
-            <a:scrgbClr r="0" g="0" b="0"/>
-          </a:effectRef>
-          <a:fontRef idx="minor"/>
-        </p:style>
-      </p:sp>
-      <p:pic>
-        <p:nvPicPr>
-          <p:cNvPr id="132" name="Picture 3"/>
-          <p:cNvPicPr/>
-          <p:nvPr/>
-        </p:nvPicPr>
-        <p:blipFill>
-          <a:blip r:embed="rId3"/>
-          <a:stretch/>
-        </p:blipFill>
-        <p:spPr>
-          <a:xfrm rot="19974000">
-            <a:off x="970920" y="1668240"/>
-            <a:ext cx="323640" cy="323640"/>
-          </a:xfrm>
-          <a:prstGeom prst="rect">
-            <a:avLst/>
-          </a:prstGeom>
-          <a:ln w="9360">
-            <a:noFill/>
-          </a:ln>
-        </p:spPr>
-      </p:pic>
-      <p:pic>
-        <p:nvPicPr>
-          <p:cNvPr id="133" name="Picture 6"/>
-          <p:cNvPicPr/>
-          <p:nvPr/>
-        </p:nvPicPr>
-        <p:blipFill>
-          <a:blip r:embed="rId4"/>
-          <a:stretch/>
-        </p:blipFill>
-        <p:spPr>
-          <a:xfrm>
-            <a:off x="1004040" y="2706840"/>
-            <a:ext cx="318600" cy="317160"/>
-          </a:xfrm>
-          <a:prstGeom prst="rect">
-            <a:avLst/>
-          </a:prstGeom>
-          <a:ln w="9360">
-            <a:noFill/>
-          </a:ln>
-        </p:spPr>
-      </p:pic>
-      <p:sp>
-        <p:nvSpPr>
-          <p:cNvPr id="134" name="CustomShape 6"/>
-          <p:cNvSpPr/>
-          <p:nvPr/>
-        </p:nvSpPr>
-        <p:spPr>
-          <a:xfrm>
-            <a:off x="4068000" y="2421000"/>
+            <a:off x="4043520" y="2174358"/>
             <a:ext cx="167760" cy="150480"/>
           </a:xfrm>
           <a:custGeom>
@@ -9644,258 +9156,6 @@
           <a:fontRef idx="minor"/>
         </p:style>
       </p:sp>
-      <p:sp>
-        <p:nvSpPr>
-          <p:cNvPr id="135" name="CustomShape 7"/>
-          <p:cNvSpPr/>
-          <p:nvPr/>
-        </p:nvSpPr>
-        <p:spPr>
-          <a:xfrm>
-            <a:off x="1115640" y="3774600"/>
-            <a:ext cx="6552360" cy="374400"/>
-          </a:xfrm>
-          <a:custGeom>
-            <a:avLst/>
-            <a:gdLst/>
-            <a:ahLst/>
-            <a:cxnLst/>
-            <a:rect l="l" t="t" r="r" b="b"/>
-            <a:pathLst>
-              <a:path w="5663946" h="375851">
-                <a:moveTo>
-                  <a:pt x="0" y="37585"/>
-                </a:moveTo>
-                <a:cubicBezTo>
-                  <a:pt x="0" y="27617"/>
-                  <a:pt x="3960" y="18057"/>
-                  <a:pt x="11008" y="11008"/>
-                </a:cubicBezTo>
-                <a:cubicBezTo>
-                  <a:pt x="18057" y="3959"/>
-                  <a:pt x="27616" y="0"/>
-                  <a:pt x="37585" y="0"/>
-                </a:cubicBezTo>
-                <a:lnTo>
-                  <a:pt x="5626361" y="0"/>
-                </a:lnTo>
-                <a:cubicBezTo>
-                  <a:pt x="5636329" y="0"/>
-                  <a:pt x="5645889" y="3960"/>
-                  <a:pt x="5652938" y="11008"/>
-                </a:cubicBezTo>
-                <a:cubicBezTo>
-                  <a:pt x="5659987" y="18057"/>
-                  <a:pt x="5663946" y="27616"/>
-                  <a:pt x="5663946" y="37585"/>
-                </a:cubicBezTo>
-                <a:lnTo>
-                  <a:pt x="5663946" y="338266"/>
-                </a:lnTo>
-                <a:cubicBezTo>
-                  <a:pt x="5663946" y="348234"/>
-                  <a:pt x="5659986" y="357794"/>
-                  <a:pt x="5652938" y="364843"/>
-                </a:cubicBezTo>
-                <a:cubicBezTo>
-                  <a:pt x="5645889" y="371892"/>
-                  <a:pt x="5636330" y="375851"/>
-                  <a:pt x="5626361" y="375851"/>
-                </a:cubicBezTo>
-                <a:lnTo>
-                  <a:pt x="37585" y="375851"/>
-                </a:lnTo>
-                <a:cubicBezTo>
-                  <a:pt x="27617" y="375851"/>
-                  <a:pt x="18057" y="371891"/>
-                  <a:pt x="11008" y="364843"/>
-                </a:cubicBezTo>
-                <a:cubicBezTo>
-                  <a:pt x="3959" y="357794"/>
-                  <a:pt x="0" y="348235"/>
-                  <a:pt x="0" y="338266"/>
-                </a:cubicBezTo>
-                <a:lnTo>
-                  <a:pt x="0" y="37585"/>
-                </a:lnTo>
-                <a:close/>
-              </a:path>
-            </a:pathLst>
-          </a:custGeom>
-          <a:noFill/>
-          <a:ln w="9360">
-            <a:solidFill>
-              <a:schemeClr val="bg1">
-                <a:lumMod val="65000"/>
-              </a:schemeClr>
-            </a:solidFill>
-            <a:round/>
-          </a:ln>
-          <a:effectLst>
-            <a:outerShdw blurRad="40000" dist="20000" dir="5400000" rotWithShape="0">
-              <a:srgbClr val="000000">
-                <a:alpha val="38000"/>
-              </a:srgbClr>
-            </a:outerShdw>
-          </a:effectLst>
-        </p:spPr>
-        <p:style>
-          <a:lnRef idx="0">
-            <a:scrgbClr r="0" g="0" b="0"/>
-          </a:lnRef>
-          <a:fillRef idx="0">
-            <a:scrgbClr r="0" g="0" b="0"/>
-          </a:fillRef>
-          <a:effectRef idx="0">
-            <a:scrgbClr r="0" g="0" b="0"/>
-          </a:effectRef>
-          <a:fontRef idx="minor"/>
-        </p:style>
-        <p:txBody>
-          <a:bodyPr lIns="64440" tIns="64440" rIns="64440" bIns="64440" anchor="ctr"/>
-          <a:lstStyle/>
-          <a:p>
-            <a:pPr>
-              <a:lnSpc>
-                <a:spcPct val="90000"/>
-              </a:lnSpc>
-              <a:spcAft>
-                <a:spcPts val="561"/>
-              </a:spcAft>
-            </a:pPr>
-            <a:r>
-              <a:rPr lang="en-IN" sz="1600" b="0" strike="noStrike" spc="-1">
-                <a:solidFill>
-                  <a:srgbClr val="55575B"/>
-                </a:solidFill>
-                <a:latin typeface="Calibri"/>
-              </a:rPr>
-              <a:t>        Introduce some of the basic programing concepts</a:t>
-            </a:r>
-            <a:endParaRPr lang="en-IN" sz="1600" b="0" strike="noStrike" spc="-1">
-              <a:latin typeface="Arial"/>
-            </a:endParaRPr>
-          </a:p>
-        </p:txBody>
-      </p:sp>
-      <p:sp>
-        <p:nvSpPr>
-          <p:cNvPr id="136" name="CustomShape 8"/>
-          <p:cNvSpPr/>
-          <p:nvPr/>
-        </p:nvSpPr>
-        <p:spPr>
-          <a:xfrm>
-            <a:off x="971280" y="3610440"/>
-            <a:ext cx="431280" cy="431280"/>
-          </a:xfrm>
-          <a:prstGeom prst="ellipse">
-            <a:avLst/>
-          </a:prstGeom>
-          <a:solidFill>
-            <a:srgbClr val="FFFFFF"/>
-          </a:solidFill>
-          <a:ln w="9360">
-            <a:solidFill>
-              <a:srgbClr val="CECFD1"/>
-            </a:solidFill>
-            <a:round/>
-          </a:ln>
-          <a:effectLst>
-            <a:outerShdw blurRad="40000" dist="20000" dir="5400000" rotWithShape="0">
-              <a:srgbClr val="000000">
-                <a:alpha val="38000"/>
-              </a:srgbClr>
-            </a:outerShdw>
-          </a:effectLst>
-        </p:spPr>
-        <p:style>
-          <a:lnRef idx="0">
-            <a:scrgbClr r="0" g="0" b="0"/>
-          </a:lnRef>
-          <a:fillRef idx="0">
-            <a:scrgbClr r="0" g="0" b="0"/>
-          </a:fillRef>
-          <a:effectRef idx="0">
-            <a:scrgbClr r="0" g="0" b="0"/>
-          </a:effectRef>
-          <a:fontRef idx="minor"/>
-        </p:style>
-      </p:sp>
-      <p:sp>
-        <p:nvSpPr>
-          <p:cNvPr id="137" name="CustomShape 9"/>
-          <p:cNvSpPr/>
-          <p:nvPr/>
-        </p:nvSpPr>
-        <p:spPr>
-          <a:xfrm>
-            <a:off x="4043520" y="3429000"/>
-            <a:ext cx="167760" cy="150480"/>
-          </a:xfrm>
-          <a:custGeom>
-            <a:avLst/>
-            <a:gdLst/>
-            <a:ahLst/>
-            <a:cxnLst/>
-            <a:rect l="l" t="t" r="r" b="b"/>
-            <a:pathLst>
-              <a:path w="150159" h="169133">
-                <a:moveTo>
-                  <a:pt x="120127" y="0"/>
-                </a:moveTo>
-                <a:lnTo>
-                  <a:pt x="120127" y="84567"/>
-                </a:lnTo>
-                <a:lnTo>
-                  <a:pt x="150159" y="84567"/>
-                </a:lnTo>
-                <a:lnTo>
-                  <a:pt x="75079" y="169133"/>
-                </a:lnTo>
-                <a:lnTo>
-                  <a:pt x="0" y="84567"/>
-                </a:lnTo>
-                <a:lnTo>
-                  <a:pt x="30032" y="84567"/>
-                </a:lnTo>
-                <a:lnTo>
-                  <a:pt x="30032" y="0"/>
-                </a:lnTo>
-                <a:lnTo>
-                  <a:pt x="120127" y="0"/>
-                </a:lnTo>
-                <a:close/>
-              </a:path>
-            </a:pathLst>
-          </a:custGeom>
-          <a:solidFill>
-            <a:srgbClr val="EFEFF0"/>
-          </a:solidFill>
-          <a:ln>
-            <a:noFill/>
-          </a:ln>
-          <a:effectLst>
-            <a:outerShdw blurRad="40000" dist="20000" dir="5400000" rotWithShape="0">
-              <a:srgbClr val="000000">
-                <a:alpha val="38000"/>
-              </a:srgbClr>
-            </a:outerShdw>
-          </a:effectLst>
-        </p:spPr>
-        <p:style>
-          <a:lnRef idx="0">
-            <a:scrgbClr r="0" g="0" b="0"/>
-          </a:lnRef>
-          <a:fillRef idx="0">
-            <a:scrgbClr r="0" g="0" b="0"/>
-          </a:fillRef>
-          <a:effectRef idx="0">
-            <a:scrgbClr r="0" g="0" b="0"/>
-          </a:effectRef>
-          <a:fontRef idx="minor"/>
-        </p:style>
-      </p:sp>
       <p:pic>
         <p:nvPicPr>
           <p:cNvPr id="138" name="Picture 7"/>
@@ -9903,12 +9163,12 @@
           <p:nvPr/>
         </p:nvPicPr>
         <p:blipFill>
-          <a:blip r:embed="rId5"/>
+          <a:blip r:embed="rId4"/>
           <a:stretch/>
         </p:blipFill>
         <p:spPr>
           <a:xfrm>
-            <a:off x="1043640" y="3683160"/>
+            <a:off x="1043640" y="2428518"/>
             <a:ext cx="263160" cy="263160"/>
           </a:xfrm>
           <a:prstGeom prst="rect">
@@ -9976,14 +9236,14 @@
       </p:grpSpPr>
       <p:sp>
         <p:nvSpPr>
-          <p:cNvPr id="139" name="TextShape 1"/>
+          <p:cNvPr id="148" name="TextShape 1"/>
           <p:cNvSpPr txBox="1"/>
           <p:nvPr/>
         </p:nvSpPr>
         <p:spPr>
           <a:xfrm>
-            <a:off x="323640" y="1052640"/>
-            <a:ext cx="5544360" cy="5328360"/>
+            <a:off x="251640" y="1196640"/>
+            <a:ext cx="4320000" cy="4536000"/>
           </a:xfrm>
           <a:prstGeom prst="rect">
             <a:avLst/>
@@ -9997,7 +9257,7 @@
           <a:bodyPr lIns="90000" tIns="45000" rIns="90000" bIns="45000"/>
           <a:lstStyle/>
           <a:p>
-            <a:pPr marL="514440" indent="-514080">
+            <a:pPr marL="360000" indent="-359640">
               <a:lnSpc>
                 <a:spcPct val="130000"/>
               </a:lnSpc>
@@ -10011,23 +9271,18 @@
               <a:buChar char=""/>
             </a:pPr>
             <a:r>
-              <a:rPr lang="fr-FR" sz="1800" b="0" strike="noStrike" spc="-1">
+              <a:rPr lang="en-IN" sz="1600" b="0" strike="noStrike" spc="-1">
                 <a:solidFill>
                   <a:srgbClr val="000000"/>
                 </a:solidFill>
-                <a:latin typeface="Calibri"/>
-              </a:rPr>
-              <a:t>Free and open source software</a:t>
+                <a:latin typeface="Calibri" panose="020F0502020204030204" pitchFamily="34" charset="0"/>
+                <a:cs typeface="Calibri" panose="020F0502020204030204" pitchFamily="34" charset="0"/>
+              </a:rPr>
+              <a:t>Alan Turing and computing </a:t>
             </a:r>
-            <a:endParaRPr lang="fr-FR" sz="1800" b="0" strike="noStrike" spc="-1">
-              <a:solidFill>
-                <a:srgbClr val="000000"/>
-              </a:solidFill>
-              <a:latin typeface="Gill Sans MT"/>
-            </a:endParaRPr>
-          </a:p>
-          <a:p>
-            <a:pPr marL="971640" lvl="1" indent="-514080">
+          </a:p>
+          <a:p>
+            <a:pPr marL="817200" lvl="1" indent="-359640">
               <a:lnSpc>
                 <a:spcPct val="130000"/>
               </a:lnSpc>
@@ -10041,23 +9296,18 @@
               <a:buChar char=""/>
             </a:pPr>
             <a:r>
-              <a:rPr lang="fr-FR" sz="1600" b="0" strike="noStrike" spc="-1">
+              <a:rPr lang="en-IN" sz="1600" b="0" strike="noStrike" spc="-1">
                 <a:solidFill>
                   <a:srgbClr val="000000"/>
                 </a:solidFill>
-                <a:latin typeface="Calibri"/>
-              </a:rPr>
-              <a:t>Source code is made available to everyone</a:t>
+                <a:latin typeface="Calibri" panose="020F0502020204030204" pitchFamily="34" charset="0"/>
+                <a:cs typeface="Calibri" panose="020F0502020204030204" pitchFamily="34" charset="0"/>
+              </a:rPr>
+              <a:t>Formalizing the concept of  algorithm and computation with the Turing Machine </a:t>
             </a:r>
-            <a:endParaRPr lang="fr-FR" sz="1600" b="0" strike="noStrike" spc="-1">
-              <a:solidFill>
-                <a:srgbClr val="000000"/>
-              </a:solidFill>
-              <a:latin typeface="Gill Sans MT"/>
-            </a:endParaRPr>
-          </a:p>
-          <a:p>
-            <a:pPr marL="971640" lvl="1" indent="-514080">
+          </a:p>
+          <a:p>
+            <a:pPr marL="817200" lvl="1" indent="-359640">
               <a:lnSpc>
                 <a:spcPct val="130000"/>
               </a:lnSpc>
@@ -10071,23 +9321,18 @@
               <a:buChar char=""/>
             </a:pPr>
             <a:r>
-              <a:rPr lang="fr-FR" sz="1600" b="0" strike="noStrike" spc="-1">
+              <a:rPr lang="en-IN" sz="1600" b="0" strike="noStrike" spc="-1">
                 <a:solidFill>
                   <a:srgbClr val="000000"/>
                 </a:solidFill>
-                <a:latin typeface="Calibri"/>
-              </a:rPr>
-              <a:t>Free as in freedom</a:t>
+                <a:latin typeface="Calibri" panose="020F0502020204030204" pitchFamily="34" charset="0"/>
+                <a:cs typeface="Calibri" panose="020F0502020204030204" pitchFamily="34" charset="0"/>
+              </a:rPr>
+              <a:t>Stored program computer – treat algorithms as data</a:t>
             </a:r>
-            <a:endParaRPr lang="fr-FR" sz="1600" b="0" strike="noStrike" spc="-1">
-              <a:solidFill>
-                <a:srgbClr val="000000"/>
-              </a:solidFill>
-              <a:latin typeface="Gill Sans MT"/>
-            </a:endParaRPr>
-          </a:p>
-          <a:p>
-            <a:pPr marL="514440" indent="-514080">
+          </a:p>
+          <a:p>
+            <a:pPr marL="360000" indent="-359640">
               <a:lnSpc>
                 <a:spcPct val="130000"/>
               </a:lnSpc>
@@ -10101,25 +9346,20 @@
               <a:buChar char=""/>
             </a:pPr>
             <a:r>
-              <a:rPr lang="fr-FR" sz="1800" b="0" strike="noStrike" spc="-1">
+              <a:rPr lang="en-IN" sz="1600" b="0" strike="noStrike" spc="-1">
                 <a:solidFill>
                   <a:srgbClr val="000000"/>
                 </a:solidFill>
-                <a:latin typeface="Calibri"/>
-              </a:rPr>
-              <a:t>A brief history</a:t>
+                <a:latin typeface="Calibri" panose="020F0502020204030204" pitchFamily="34" charset="0"/>
+                <a:cs typeface="Calibri" panose="020F0502020204030204" pitchFamily="34" charset="0"/>
+              </a:rPr>
+              <a:t>Programming language</a:t>
             </a:r>
-            <a:endParaRPr lang="fr-FR" sz="1800" b="0" strike="noStrike" spc="-1">
-              <a:solidFill>
-                <a:srgbClr val="000000"/>
-              </a:solidFill>
-              <a:latin typeface="Gill Sans MT"/>
-            </a:endParaRPr>
-          </a:p>
-          <a:p>
-            <a:pPr marL="971640" lvl="1" indent="-514080">
+          </a:p>
+          <a:p>
+            <a:pPr marL="759960" lvl="2" indent="-359640">
               <a:lnSpc>
-                <a:spcPct val="120000"/>
+                <a:spcPct val="130000"/>
               </a:lnSpc>
               <a:spcBef>
                 <a:spcPts val="320"/>
@@ -10131,55 +9371,20 @@
               <a:buChar char=""/>
             </a:pPr>
             <a:r>
-              <a:rPr lang="fr-FR" sz="1600" b="0" strike="noStrike" spc="-1">
+              <a:rPr lang="en-IN" sz="1600" b="0" strike="noStrike" spc="-1">
                 <a:solidFill>
                   <a:srgbClr val="000000"/>
                 </a:solidFill>
-                <a:latin typeface="Calibri"/>
-              </a:rPr>
-              <a:t>1960 to 1980: Academic setting with high autonomy </a:t>
+                <a:latin typeface="Calibri" panose="020F0502020204030204" pitchFamily="34" charset="0"/>
+                <a:cs typeface="Calibri" panose="020F0502020204030204" pitchFamily="34" charset="0"/>
+              </a:rPr>
+              <a:t>It is how we communicate with machines </a:t>
             </a:r>
-            <a:endParaRPr lang="fr-FR" sz="1600" b="0" strike="noStrike" spc="-1">
-              <a:solidFill>
-                <a:srgbClr val="000000"/>
-              </a:solidFill>
-              <a:latin typeface="Gill Sans MT"/>
-            </a:endParaRPr>
-          </a:p>
-          <a:p>
-            <a:pPr marL="1371600" lvl="2" indent="-456840">
+          </a:p>
+          <a:p>
+            <a:pPr marL="759960" lvl="2" indent="-359640">
               <a:lnSpc>
-                <a:spcPct val="120000"/>
-              </a:lnSpc>
-              <a:spcBef>
-                <a:spcPts val="281"/>
-              </a:spcBef>
-              <a:buClr>
-                <a:srgbClr val="139CF8"/>
-              </a:buClr>
-              <a:buFont typeface="Wingdings" charset="2"/>
-              <a:buChar char=""/>
-            </a:pPr>
-            <a:r>
-              <a:rPr lang="fr-FR" sz="1400" b="0" strike="noStrike" spc="-1">
-                <a:solidFill>
-                  <a:srgbClr val="000000"/>
-                </a:solidFill>
-                <a:latin typeface="Calibri"/>
-              </a:rPr>
-              <a:t>UNIX at Bell Labs</a:t>
-            </a:r>
-            <a:endParaRPr lang="fr-FR" sz="1400" b="0" strike="noStrike" spc="-1">
-              <a:solidFill>
-                <a:srgbClr val="000000"/>
-              </a:solidFill>
-              <a:latin typeface="Gill Sans MT"/>
-            </a:endParaRPr>
-          </a:p>
-          <a:p>
-            <a:pPr marL="971640" lvl="1" indent="-514080">
-              <a:lnSpc>
-                <a:spcPct val="120000"/>
+                <a:spcPct val="130000"/>
               </a:lnSpc>
               <a:spcBef>
                 <a:spcPts val="320"/>
@@ -10191,115 +9396,45 @@
               <a:buChar char=""/>
             </a:pPr>
             <a:r>
-              <a:rPr lang="fr-FR" sz="1600" b="0" strike="noStrike" spc="-1">
+              <a:rPr lang="en-IN" sz="1600" b="0" strike="noStrike" spc="-1">
                 <a:solidFill>
                   <a:srgbClr val="000000"/>
                 </a:solidFill>
-                <a:latin typeface="Calibri"/>
-              </a:rPr>
-              <a:t>1980 to 1990s:Formalization of OSS</a:t>
+                <a:latin typeface="Calibri" panose="020F0502020204030204" pitchFamily="34" charset="0"/>
+                <a:cs typeface="Calibri" panose="020F0502020204030204" pitchFamily="34" charset="0"/>
+              </a:rPr>
+              <a:t>From GUI to Machine level language</a:t>
             </a:r>
-            <a:endParaRPr lang="fr-FR" sz="1600" b="0" strike="noStrike" spc="-1">
-              <a:solidFill>
-                <a:srgbClr val="000000"/>
-              </a:solidFill>
-              <a:latin typeface="Gill Sans MT"/>
-            </a:endParaRPr>
-          </a:p>
-          <a:p>
-            <a:pPr marL="1371600" lvl="2" indent="-456840">
+          </a:p>
+          <a:p>
+            <a:pPr marL="360000" indent="-359640">
               <a:lnSpc>
-                <a:spcPct val="120000"/>
+                <a:spcPct val="130000"/>
               </a:lnSpc>
               <a:spcBef>
-                <a:spcPts val="281"/>
+                <a:spcPts val="360"/>
               </a:spcBef>
               <a:buClr>
-                <a:srgbClr val="139CF8"/>
+                <a:srgbClr val="084C8D"/>
               </a:buClr>
               <a:buFont typeface="Wingdings" charset="2"/>
               <a:buChar char=""/>
             </a:pPr>
             <a:r>
-              <a:rPr lang="fr-FR" sz="1400" b="0" strike="noStrike" spc="-1">
+              <a:rPr lang="en-IN" sz="1600" b="0" strike="noStrike" spc="-1">
                 <a:solidFill>
                   <a:srgbClr val="000000"/>
                 </a:solidFill>
-                <a:latin typeface="Calibri"/>
-              </a:rPr>
-              <a:t>UNIX commercialised by AT&amp;T </a:t>
+                <a:latin typeface="Calibri" panose="020F0502020204030204" pitchFamily="34" charset="0"/>
+                <a:cs typeface="Calibri" panose="020F0502020204030204" pitchFamily="34" charset="0"/>
+              </a:rPr>
+              <a:t>Syntax</a:t>
             </a:r>
-            <a:endParaRPr lang="fr-FR" sz="1400" b="0" strike="noStrike" spc="-1">
-              <a:solidFill>
-                <a:srgbClr val="000000"/>
-              </a:solidFill>
-              <a:latin typeface="Gill Sans MT"/>
-            </a:endParaRPr>
-          </a:p>
-          <a:p>
-            <a:pPr marL="1371600" lvl="2" indent="-456840">
+          </a:p>
+          <a:p>
+            <a:pPr marL="759960" lvl="2" indent="-359640">
               <a:lnSpc>
-                <a:spcPct val="120000"/>
-              </a:lnSpc>
-              <a:spcBef>
-                <a:spcPts val="281"/>
-              </a:spcBef>
-              <a:buClr>
-                <a:srgbClr val="139CF8"/>
-              </a:buClr>
-              <a:buFont typeface="Wingdings" charset="2"/>
-              <a:buChar char=""/>
-            </a:pPr>
-            <a:r>
-              <a:rPr lang="fr-FR" sz="1400" b="0" strike="noStrike" spc="-1">
-                <a:solidFill>
-                  <a:srgbClr val="000000"/>
-                </a:solidFill>
-                <a:latin typeface="Calibri"/>
-              </a:rPr>
-              <a:t>Richard Stallman creates FSF and GNU licence</a:t>
-            </a:r>
-            <a:endParaRPr lang="fr-FR" sz="1400" b="0" strike="noStrike" spc="-1">
-              <a:solidFill>
-                <a:srgbClr val="000000"/>
-              </a:solidFill>
-              <a:latin typeface="Gill Sans MT"/>
-            </a:endParaRPr>
-          </a:p>
-          <a:p>
-            <a:pPr marL="1371600" lvl="2" indent="-456840">
-              <a:lnSpc>
-                <a:spcPct val="120000"/>
-              </a:lnSpc>
-              <a:spcBef>
-                <a:spcPts val="281"/>
-              </a:spcBef>
-              <a:buClr>
-                <a:srgbClr val="139CF8"/>
-              </a:buClr>
-              <a:buFont typeface="Wingdings" charset="2"/>
-              <a:buChar char=""/>
-            </a:pPr>
-            <a:r>
-              <a:rPr lang="fr-FR" sz="1400" b="0" strike="noStrike" spc="-1">
-                <a:solidFill>
-                  <a:srgbClr val="000000"/>
-                </a:solidFill>
-                <a:latin typeface="Calibri"/>
-              </a:rPr>
-              <a:t>Eric Raymond creates OSI </a:t>
-            </a:r>
-            <a:endParaRPr lang="fr-FR" sz="1400" b="0" strike="noStrike" spc="-1">
-              <a:solidFill>
-                <a:srgbClr val="000000"/>
-              </a:solidFill>
-              <a:latin typeface="Gill Sans MT"/>
-            </a:endParaRPr>
-          </a:p>
-          <a:p>
-            <a:pPr marL="971640" lvl="1" indent="-514080">
-              <a:lnSpc>
-                <a:spcPct val="120000"/>
+                <a:spcPct val="130000"/>
               </a:lnSpc>
               <a:spcBef>
                 <a:spcPts val="320"/>
@@ -10311,28 +9446,23 @@
               <a:buChar char=""/>
             </a:pPr>
             <a:r>
-              <a:rPr lang="fr-FR" sz="1600" b="0" strike="noStrike" spc="-1">
+              <a:rPr lang="en-IN" sz="1600" b="0" strike="noStrike" spc="-1">
                 <a:solidFill>
                   <a:srgbClr val="000000"/>
                 </a:solidFill>
-                <a:latin typeface="Calibri"/>
-              </a:rPr>
-              <a:t>Post 1990: Organizations embrace OSS</a:t>
+                <a:latin typeface="Calibri" panose="020F0502020204030204" pitchFamily="34" charset="0"/>
+                <a:cs typeface="Calibri" panose="020F0502020204030204" pitchFamily="34" charset="0"/>
+              </a:rPr>
+              <a:t>A set of rules that define how the programming language is written </a:t>
             </a:r>
-            <a:endParaRPr lang="fr-FR" sz="1600" b="0" strike="noStrike" spc="-1">
-              <a:solidFill>
-                <a:srgbClr val="000000"/>
-              </a:solidFill>
-              <a:latin typeface="Gill Sans MT"/>
-            </a:endParaRPr>
-          </a:p>
-          <a:p>
-            <a:pPr marL="1371600" lvl="2" indent="-456840">
+          </a:p>
+          <a:p>
+            <a:pPr marL="759960" lvl="2" indent="-359640">
               <a:lnSpc>
-                <a:spcPct val="120000"/>
+                <a:spcPct val="130000"/>
               </a:lnSpc>
               <a:spcBef>
-                <a:spcPts val="281"/>
+                <a:spcPts val="320"/>
               </a:spcBef>
               <a:buClr>
                 <a:srgbClr val="139CF8"/>
@@ -10341,93 +9471,28 @@
               <a:buChar char=""/>
             </a:pPr>
             <a:r>
-              <a:rPr lang="fr-FR" sz="1400" b="0" strike="noStrike" spc="-1">
+              <a:rPr lang="en-IN" sz="1600" b="0" strike="noStrike" spc="-1">
                 <a:solidFill>
                   <a:srgbClr val="000000"/>
                 </a:solidFill>
-                <a:latin typeface="Calibri"/>
-              </a:rPr>
-              <a:t>2001 IBM opens its 40$mn software – eclipse software foundation</a:t>
+                <a:latin typeface="Calibri" panose="020F0502020204030204" pitchFamily="34" charset="0"/>
+                <a:cs typeface="Calibri" panose="020F0502020204030204" pitchFamily="34" charset="0"/>
+              </a:rPr>
+              <a:t>Grammar of programming language</a:t>
             </a:r>
-            <a:endParaRPr lang="fr-FR" sz="1400" b="0" strike="noStrike" spc="-1">
-              <a:solidFill>
-                <a:srgbClr val="000000"/>
-              </a:solidFill>
-              <a:latin typeface="Gill Sans MT"/>
-            </a:endParaRPr>
-          </a:p>
-          <a:p>
-            <a:pPr marL="1371600" lvl="2" indent="-456840">
-              <a:lnSpc>
-                <a:spcPct val="120000"/>
-              </a:lnSpc>
-              <a:spcBef>
-                <a:spcPts val="281"/>
-              </a:spcBef>
-              <a:buClr>
-                <a:srgbClr val="139CF8"/>
-              </a:buClr>
-              <a:buFont typeface="Wingdings" charset="2"/>
-              <a:buChar char=""/>
-            </a:pPr>
-            <a:r>
-              <a:rPr lang="fr-FR" sz="1400" b="0" strike="noStrike" spc="-1">
-                <a:solidFill>
-                  <a:srgbClr val="000000"/>
-                </a:solidFill>
-                <a:latin typeface="Calibri"/>
-              </a:rPr>
-              <a:t>2016 Google has started over 900 OSS projects</a:t>
-            </a:r>
-            <a:endParaRPr lang="fr-FR" sz="1400" b="0" strike="noStrike" spc="-1">
-              <a:solidFill>
-                <a:srgbClr val="000000"/>
-              </a:solidFill>
-              <a:latin typeface="Gill Sans MT"/>
-            </a:endParaRPr>
-          </a:p>
-          <a:p>
-            <a:pPr marL="514440" indent="-514080">
-              <a:lnSpc>
-                <a:spcPct val="120000"/>
-              </a:lnSpc>
-              <a:spcBef>
-                <a:spcPts val="320"/>
-              </a:spcBef>
-              <a:buClr>
-                <a:srgbClr val="084C8D"/>
-              </a:buClr>
-              <a:buFont typeface="Wingdings" charset="2"/>
-              <a:buChar char=""/>
-            </a:pPr>
-            <a:r>
-              <a:rPr lang="fr-FR" sz="1600" b="0" strike="noStrike" spc="-1">
-                <a:solidFill>
-                  <a:srgbClr val="000000"/>
-                </a:solidFill>
-                <a:latin typeface="Calibri"/>
-              </a:rPr>
-              <a:t>Best Examples – Linux, Apache, Python</a:t>
-            </a:r>
-            <a:endParaRPr lang="fr-FR" sz="1600" b="0" strike="noStrike" spc="-1">
-              <a:solidFill>
-                <a:srgbClr val="000000"/>
-              </a:solidFill>
-              <a:latin typeface="Gill Sans MT"/>
-            </a:endParaRPr>
-          </a:p>
-        </p:txBody>
-      </p:sp>
-      <p:sp>
-        <p:nvSpPr>
-          <p:cNvPr id="140" name="TextShape 2"/>
+          </a:p>
+        </p:txBody>
+      </p:sp>
+      <p:sp>
+        <p:nvSpPr>
+          <p:cNvPr id="149" name="TextShape 2"/>
           <p:cNvSpPr txBox="1"/>
           <p:nvPr/>
         </p:nvSpPr>
         <p:spPr>
           <a:xfrm>
-            <a:off x="457200" y="274680"/>
-            <a:ext cx="8229240" cy="705600"/>
+            <a:off x="1115640" y="274680"/>
+            <a:ext cx="7570800" cy="705600"/>
           </a:xfrm>
           <a:prstGeom prst="rect">
             <a:avLst/>
@@ -10453,7 +9518,7 @@
                 </a:solidFill>
                 <a:latin typeface="Gill Sans"/>
               </a:rPr>
-              <a:t>Open Source Software</a:t>
+              <a:t>Programming Language</a:t>
             </a:r>
             <a:endParaRPr lang="fr-FR" sz="3200" b="0" strike="noStrike" spc="-1">
               <a:solidFill>
@@ -10464,46 +9529,9 @@
           </a:p>
         </p:txBody>
       </p:sp>
-      <p:sp>
-        <p:nvSpPr>
-          <p:cNvPr id="141" name="Line 3"/>
-          <p:cNvSpPr/>
-          <p:nvPr/>
-        </p:nvSpPr>
-        <p:spPr>
-          <a:xfrm>
-            <a:off x="6156000" y="1196640"/>
-            <a:ext cx="72000" cy="5184360"/>
-          </a:xfrm>
-          <a:prstGeom prst="line">
-            <a:avLst/>
-          </a:prstGeom>
-          <a:ln w="3240" cap="rnd">
-            <a:solidFill>
-              <a:schemeClr val="tx2"/>
-            </a:solidFill>
-            <a:custDash>
-              <a:ds d="300000" sp="300000"/>
-            </a:custDash>
-            <a:round/>
-          </a:ln>
-        </p:spPr>
-        <p:style>
-          <a:lnRef idx="1">
-            <a:schemeClr val="accent1"/>
-          </a:lnRef>
-          <a:fillRef idx="0">
-            <a:schemeClr val="accent1"/>
-          </a:fillRef>
-          <a:effectRef idx="0">
-            <a:schemeClr val="accent1"/>
-          </a:effectRef>
-          <a:fontRef idx="minor"/>
-        </p:style>
-      </p:sp>
       <p:pic>
         <p:nvPicPr>
-          <p:cNvPr id="142" name="Picture 3"/>
+          <p:cNvPr id="150" name="Picture 4"/>
           <p:cNvPicPr/>
           <p:nvPr/>
         </p:nvPicPr>
@@ -10513,123 +9541,8 @@
         </p:blipFill>
         <p:spPr>
           <a:xfrm>
-            <a:off x="6588360" y="1124640"/>
-            <a:ext cx="1604880" cy="794520"/>
-          </a:xfrm>
-          <a:prstGeom prst="rect">
-            <a:avLst/>
-          </a:prstGeom>
-          <a:ln>
-            <a:noFill/>
-          </a:ln>
-        </p:spPr>
-      </p:pic>
-      <p:pic>
-        <p:nvPicPr>
-          <p:cNvPr id="143" name="Picture 4"/>
-          <p:cNvPicPr/>
-          <p:nvPr/>
-        </p:nvPicPr>
-        <p:blipFill>
-          <a:blip r:embed="rId4"/>
-          <a:stretch/>
-        </p:blipFill>
-        <p:spPr>
-          <a:xfrm>
-            <a:off x="6660360" y="2349000"/>
-            <a:ext cx="1576080" cy="647640"/>
-          </a:xfrm>
-          <a:prstGeom prst="rect">
-            <a:avLst/>
-          </a:prstGeom>
-          <a:ln>
-            <a:noFill/>
-          </a:ln>
-        </p:spPr>
-      </p:pic>
-      <p:pic>
-        <p:nvPicPr>
-          <p:cNvPr id="144" name="Picture 7"/>
-          <p:cNvPicPr/>
-          <p:nvPr/>
-        </p:nvPicPr>
-        <p:blipFill>
-          <a:blip r:embed="rId5"/>
-          <a:stretch/>
-        </p:blipFill>
-        <p:spPr>
-          <a:xfrm>
-            <a:off x="6660360" y="3357000"/>
-            <a:ext cx="1547280" cy="696240"/>
-          </a:xfrm>
-          <a:prstGeom prst="rect">
-            <a:avLst/>
-          </a:prstGeom>
-          <a:ln>
-            <a:noFill/>
-          </a:ln>
-        </p:spPr>
-      </p:pic>
-      <p:pic>
-        <p:nvPicPr>
-          <p:cNvPr id="145" name="Picture 8"/>
-          <p:cNvPicPr/>
-          <p:nvPr/>
-        </p:nvPicPr>
-        <p:blipFill>
-          <a:blip r:embed="rId6"/>
-          <a:stretch/>
-        </p:blipFill>
-        <p:spPr>
-          <a:xfrm>
-            <a:off x="7884360" y="5301360"/>
-            <a:ext cx="789840" cy="789840"/>
-          </a:xfrm>
-          <a:prstGeom prst="rect">
-            <a:avLst/>
-          </a:prstGeom>
-          <a:ln>
-            <a:noFill/>
-          </a:ln>
-        </p:spPr>
-      </p:pic>
-      <p:pic>
-        <p:nvPicPr>
-          <p:cNvPr id="146" name="Picture 9"/>
-          <p:cNvPicPr/>
-          <p:nvPr/>
-        </p:nvPicPr>
-        <p:blipFill>
-          <a:blip r:embed="rId7"/>
-          <a:stretch/>
-        </p:blipFill>
-        <p:spPr>
-          <a:xfrm>
-            <a:off x="6372360" y="4365000"/>
-            <a:ext cx="2339280" cy="605520"/>
-          </a:xfrm>
-          <a:prstGeom prst="rect">
-            <a:avLst/>
-          </a:prstGeom>
-          <a:ln>
-            <a:noFill/>
-          </a:ln>
-        </p:spPr>
-      </p:pic>
-      <p:pic>
-        <p:nvPicPr>
-          <p:cNvPr id="147" name="Picture 10"/>
-          <p:cNvPicPr/>
-          <p:nvPr/>
-        </p:nvPicPr>
-        <p:blipFill>
-          <a:blip r:embed="rId8"/>
-          <a:stretch/>
-        </p:blipFill>
-        <p:spPr>
-          <a:xfrm>
-            <a:off x="6444360" y="5157360"/>
-            <a:ext cx="1135440" cy="1135440"/>
+            <a:off x="4716000" y="1772640"/>
+            <a:ext cx="4392000" cy="3816000"/>
           </a:xfrm>
           <a:prstGeom prst="rect">
             <a:avLst/>
@@ -10696,308 +9609,14 @@
       </p:grpSpPr>
       <p:sp>
         <p:nvSpPr>
-          <p:cNvPr id="148" name="TextShape 1"/>
+          <p:cNvPr id="151" name="TextShape 1"/>
           <p:cNvSpPr txBox="1"/>
           <p:nvPr/>
         </p:nvSpPr>
         <p:spPr>
           <a:xfrm>
-            <a:off x="251640" y="1196640"/>
-            <a:ext cx="4320000" cy="4536000"/>
-          </a:xfrm>
-          <a:prstGeom prst="rect">
-            <a:avLst/>
-          </a:prstGeom>
-          <a:noFill/>
-          <a:ln>
-            <a:noFill/>
-          </a:ln>
-        </p:spPr>
-        <p:txBody>
-          <a:bodyPr lIns="90000" tIns="45000" rIns="90000" bIns="45000"/>
-          <a:lstStyle/>
-          <a:p>
-            <a:pPr marL="360000" indent="-359640">
-              <a:lnSpc>
-                <a:spcPct val="130000"/>
-              </a:lnSpc>
-              <a:spcBef>
-                <a:spcPts val="360"/>
-              </a:spcBef>
-              <a:buClr>
-                <a:srgbClr val="084C8D"/>
-              </a:buClr>
-              <a:buFont typeface="Wingdings" charset="2"/>
-              <a:buChar char=""/>
-            </a:pPr>
-            <a:r>
-              <a:rPr lang="fr-FR" sz="1800" b="0" strike="noStrike" spc="-1">
-                <a:solidFill>
-                  <a:srgbClr val="000000"/>
-                </a:solidFill>
-                <a:latin typeface="Calibri"/>
-              </a:rPr>
-              <a:t>Alan Turing and computing </a:t>
-            </a:r>
-            <a:endParaRPr lang="fr-FR" sz="1800" b="0" strike="noStrike" spc="-1">
-              <a:solidFill>
-                <a:srgbClr val="000000"/>
-              </a:solidFill>
-              <a:latin typeface="Gill Sans MT"/>
-            </a:endParaRPr>
-          </a:p>
-          <a:p>
-            <a:pPr marL="817200" lvl="1" indent="-359640">
-              <a:lnSpc>
-                <a:spcPct val="130000"/>
-              </a:lnSpc>
-              <a:spcBef>
-                <a:spcPts val="320"/>
-              </a:spcBef>
-              <a:buClr>
-                <a:srgbClr val="139CF8"/>
-              </a:buClr>
-              <a:buFont typeface="Wingdings" charset="2"/>
-              <a:buChar char=""/>
-            </a:pPr>
-            <a:r>
-              <a:rPr lang="fr-FR" sz="1600" b="0" strike="noStrike" spc="-1">
-                <a:solidFill>
-                  <a:srgbClr val="000000"/>
-                </a:solidFill>
-                <a:latin typeface="Calibri"/>
-              </a:rPr>
-              <a:t>Formalizing the concept of  algorithm and computation with the Turing Machine </a:t>
-            </a:r>
-            <a:endParaRPr lang="fr-FR" sz="1600" b="0" strike="noStrike" spc="-1">
-              <a:solidFill>
-                <a:srgbClr val="000000"/>
-              </a:solidFill>
-              <a:latin typeface="Gill Sans MT"/>
-            </a:endParaRPr>
-          </a:p>
-          <a:p>
-            <a:pPr marL="817200" lvl="1" indent="-359640">
-              <a:lnSpc>
-                <a:spcPct val="130000"/>
-              </a:lnSpc>
-              <a:spcBef>
-                <a:spcPts val="320"/>
-              </a:spcBef>
-              <a:buClr>
-                <a:srgbClr val="139CF8"/>
-              </a:buClr>
-              <a:buFont typeface="Wingdings" charset="2"/>
-              <a:buChar char=""/>
-            </a:pPr>
-            <a:r>
-              <a:rPr lang="fr-FR" sz="1600" b="0" strike="noStrike" spc="-1">
-                <a:solidFill>
-                  <a:srgbClr val="000000"/>
-                </a:solidFill>
-                <a:latin typeface="Calibri"/>
-              </a:rPr>
-              <a:t>Stored program computer – treat algorithms as data</a:t>
-            </a:r>
-            <a:endParaRPr lang="fr-FR" sz="1600" b="0" strike="noStrike" spc="-1">
-              <a:solidFill>
-                <a:srgbClr val="000000"/>
-              </a:solidFill>
-              <a:latin typeface="Gill Sans MT"/>
-            </a:endParaRPr>
-          </a:p>
-          <a:p>
-            <a:pPr marL="360000" indent="-359640">
-              <a:lnSpc>
-                <a:spcPct val="130000"/>
-              </a:lnSpc>
-              <a:spcBef>
-                <a:spcPts val="360"/>
-              </a:spcBef>
-              <a:buClr>
-                <a:srgbClr val="084C8D"/>
-              </a:buClr>
-              <a:buFont typeface="Wingdings" charset="2"/>
-              <a:buChar char=""/>
-            </a:pPr>
-            <a:r>
-              <a:rPr lang="fr-FR" sz="1800" b="0" strike="noStrike" spc="-1">
-                <a:solidFill>
-                  <a:srgbClr val="000000"/>
-                </a:solidFill>
-                <a:latin typeface="Calibri"/>
-              </a:rPr>
-              <a:t>Programming language</a:t>
-            </a:r>
-            <a:endParaRPr lang="fr-FR" sz="1800" b="0" strike="noStrike" spc="-1">
-              <a:solidFill>
-                <a:srgbClr val="000000"/>
-              </a:solidFill>
-              <a:latin typeface="Gill Sans MT"/>
-            </a:endParaRPr>
-          </a:p>
-          <a:p>
-            <a:pPr marL="759960" lvl="2" indent="-359640">
-              <a:lnSpc>
-                <a:spcPct val="130000"/>
-              </a:lnSpc>
-              <a:spcBef>
-                <a:spcPts val="320"/>
-              </a:spcBef>
-              <a:buClr>
-                <a:srgbClr val="139CF8"/>
-              </a:buClr>
-              <a:buFont typeface="Wingdings" charset="2"/>
-              <a:buChar char=""/>
-            </a:pPr>
-            <a:r>
-              <a:rPr lang="fr-FR" sz="1600" b="0" strike="noStrike" spc="-1">
-                <a:solidFill>
-                  <a:srgbClr val="000000"/>
-                </a:solidFill>
-                <a:latin typeface="Calibri"/>
-              </a:rPr>
-              <a:t>It is how we communicate with machines </a:t>
-            </a:r>
-            <a:endParaRPr lang="fr-FR" sz="1600" b="0" strike="noStrike" spc="-1">
-              <a:solidFill>
-                <a:srgbClr val="000000"/>
-              </a:solidFill>
-              <a:latin typeface="Gill Sans MT"/>
-            </a:endParaRPr>
-          </a:p>
-          <a:p>
-            <a:pPr marL="759960" lvl="2" indent="-359640">
-              <a:lnSpc>
-                <a:spcPct val="130000"/>
-              </a:lnSpc>
-              <a:spcBef>
-                <a:spcPts val="320"/>
-              </a:spcBef>
-              <a:buClr>
-                <a:srgbClr val="139CF8"/>
-              </a:buClr>
-              <a:buFont typeface="Wingdings" charset="2"/>
-              <a:buChar char=""/>
-            </a:pPr>
-            <a:r>
-              <a:rPr lang="fr-FR" sz="1600" b="0" strike="noStrike" spc="-1">
-                <a:solidFill>
-                  <a:srgbClr val="000000"/>
-                </a:solidFill>
-                <a:latin typeface="Calibri"/>
-              </a:rPr>
-              <a:t>From GUI to Machine level language</a:t>
-            </a:r>
-            <a:endParaRPr lang="fr-FR" sz="1600" b="0" strike="noStrike" spc="-1">
-              <a:solidFill>
-                <a:srgbClr val="000000"/>
-              </a:solidFill>
-              <a:latin typeface="Gill Sans MT"/>
-            </a:endParaRPr>
-          </a:p>
-          <a:p>
-            <a:pPr marL="360000" indent="-359640">
-              <a:lnSpc>
-                <a:spcPct val="130000"/>
-              </a:lnSpc>
-              <a:spcBef>
-                <a:spcPts val="360"/>
-              </a:spcBef>
-              <a:buClr>
-                <a:srgbClr val="084C8D"/>
-              </a:buClr>
-              <a:buFont typeface="Wingdings" charset="2"/>
-              <a:buChar char=""/>
-            </a:pPr>
-            <a:r>
-              <a:rPr lang="fr-FR" sz="1800" b="0" strike="noStrike" spc="-1">
-                <a:solidFill>
-                  <a:srgbClr val="000000"/>
-                </a:solidFill>
-                <a:latin typeface="Calibri"/>
-              </a:rPr>
-              <a:t>Syntax</a:t>
-            </a:r>
-            <a:endParaRPr lang="fr-FR" sz="1800" b="0" strike="noStrike" spc="-1">
-              <a:solidFill>
-                <a:srgbClr val="000000"/>
-              </a:solidFill>
-              <a:latin typeface="Gill Sans MT"/>
-            </a:endParaRPr>
-          </a:p>
-          <a:p>
-            <a:pPr marL="759960" lvl="2" indent="-359640">
-              <a:lnSpc>
-                <a:spcPct val="130000"/>
-              </a:lnSpc>
-              <a:spcBef>
-                <a:spcPts val="320"/>
-              </a:spcBef>
-              <a:buClr>
-                <a:srgbClr val="139CF8"/>
-              </a:buClr>
-              <a:buFont typeface="Wingdings" charset="2"/>
-              <a:buChar char=""/>
-            </a:pPr>
-            <a:r>
-              <a:rPr lang="fr-FR" sz="1600" b="0" strike="noStrike" spc="-1">
-                <a:solidFill>
-                  <a:srgbClr val="000000"/>
-                </a:solidFill>
-                <a:latin typeface="Calibri"/>
-              </a:rPr>
-              <a:t>A set of rules that define how the programming language is written </a:t>
-            </a:r>
-            <a:endParaRPr lang="fr-FR" sz="1600" b="0" strike="noStrike" spc="-1">
-              <a:solidFill>
-                <a:srgbClr val="000000"/>
-              </a:solidFill>
-              <a:latin typeface="Gill Sans MT"/>
-            </a:endParaRPr>
-          </a:p>
-          <a:p>
-            <a:pPr marL="759960" lvl="2" indent="-359640">
-              <a:lnSpc>
-                <a:spcPct val="130000"/>
-              </a:lnSpc>
-              <a:spcBef>
-                <a:spcPts val="320"/>
-              </a:spcBef>
-              <a:buClr>
-                <a:srgbClr val="139CF8"/>
-              </a:buClr>
-              <a:buFont typeface="Wingdings" charset="2"/>
-              <a:buChar char=""/>
-            </a:pPr>
-            <a:r>
-              <a:rPr lang="fr-FR" sz="1600" b="0" strike="noStrike" spc="-1">
-                <a:solidFill>
-                  <a:srgbClr val="000000"/>
-                </a:solidFill>
-                <a:latin typeface="Calibri"/>
-              </a:rPr>
-              <a:t>Grammar of programming language</a:t>
-            </a:r>
-            <a:endParaRPr lang="fr-FR" sz="1600" b="0" strike="noStrike" spc="-1">
-              <a:solidFill>
-                <a:srgbClr val="000000"/>
-              </a:solidFill>
-              <a:latin typeface="Gill Sans MT"/>
-            </a:endParaRPr>
-          </a:p>
-        </p:txBody>
-      </p:sp>
-      <p:sp>
-        <p:nvSpPr>
-          <p:cNvPr id="149" name="TextShape 2"/>
-          <p:cNvSpPr txBox="1"/>
-          <p:nvPr/>
-        </p:nvSpPr>
-        <p:spPr>
-          <a:xfrm>
-            <a:off x="1115640" y="274680"/>
-            <a:ext cx="7570800" cy="705600"/>
+            <a:off x="395640" y="2277000"/>
+            <a:ext cx="8229240" cy="705600"/>
           </a:xfrm>
           <a:prstGeom prst="rect">
             <a:avLst/>
@@ -11023,7 +9642,7 @@
                 </a:solidFill>
                 <a:latin typeface="Gill Sans"/>
               </a:rPr>
-              <a:t>Programming Language</a:t>
+              <a:t>Python</a:t>
             </a:r>
             <a:endParaRPr lang="fr-FR" sz="3200" b="0" strike="noStrike" spc="-1">
               <a:solidFill>
@@ -11034,9 +9653,303 @@
           </a:p>
         </p:txBody>
       </p:sp>
+      <p:sp>
+        <p:nvSpPr>
+          <p:cNvPr id="152" name="TextShape 2"/>
+          <p:cNvSpPr txBox="1"/>
+          <p:nvPr/>
+        </p:nvSpPr>
+        <p:spPr>
+          <a:xfrm>
+            <a:off x="642960" y="2925000"/>
+            <a:ext cx="8496720" cy="3816000"/>
+          </a:xfrm>
+          <a:prstGeom prst="rect">
+            <a:avLst/>
+          </a:prstGeom>
+          <a:noFill/>
+          <a:ln>
+            <a:noFill/>
+          </a:ln>
+        </p:spPr>
+        <p:txBody>
+          <a:bodyPr lIns="90000" tIns="45000" rIns="90000" bIns="45000"/>
+          <a:lstStyle/>
+          <a:p>
+            <a:pPr marL="360000" indent="-359640">
+              <a:lnSpc>
+                <a:spcPct val="90000"/>
+              </a:lnSpc>
+              <a:spcBef>
+                <a:spcPts val="400"/>
+              </a:spcBef>
+              <a:buClr>
+                <a:srgbClr val="084C8D"/>
+              </a:buClr>
+              <a:buFont typeface="Wingdings" charset="2"/>
+              <a:buChar char=""/>
+            </a:pPr>
+            <a:r>
+              <a:rPr lang="fr-FR" sz="2000" b="0" strike="noStrike" spc="-1">
+                <a:solidFill>
+                  <a:srgbClr val="000000"/>
+                </a:solidFill>
+                <a:latin typeface="Calibri"/>
+              </a:rPr>
+              <a:t>Simplicity</a:t>
+            </a:r>
+            <a:endParaRPr lang="fr-FR" sz="2000" b="0" strike="noStrike" spc="-1">
+              <a:solidFill>
+                <a:srgbClr val="000000"/>
+              </a:solidFill>
+              <a:latin typeface="Gill Sans MT"/>
+            </a:endParaRPr>
+          </a:p>
+          <a:p>
+            <a:pPr marL="759960" lvl="2" indent="-359640">
+              <a:lnSpc>
+                <a:spcPct val="90000"/>
+              </a:lnSpc>
+              <a:spcBef>
+                <a:spcPts val="360"/>
+              </a:spcBef>
+              <a:buClr>
+                <a:srgbClr val="139CF8"/>
+              </a:buClr>
+              <a:buFont typeface="Wingdings" charset="2"/>
+              <a:buChar char=""/>
+            </a:pPr>
+            <a:r>
+              <a:rPr lang="fr-FR" sz="1800" b="0" strike="noStrike" spc="-1">
+                <a:solidFill>
+                  <a:srgbClr val="000000"/>
+                </a:solidFill>
+                <a:latin typeface="Calibri"/>
+              </a:rPr>
+              <a:t>High level language built on C</a:t>
+            </a:r>
+            <a:endParaRPr lang="fr-FR" sz="1800" b="0" strike="noStrike" spc="-1">
+              <a:solidFill>
+                <a:srgbClr val="000000"/>
+              </a:solidFill>
+              <a:latin typeface="Gill Sans MT"/>
+            </a:endParaRPr>
+          </a:p>
+          <a:p>
+            <a:pPr marL="759960" lvl="2" indent="-359640">
+              <a:lnSpc>
+                <a:spcPct val="90000"/>
+              </a:lnSpc>
+              <a:spcBef>
+                <a:spcPts val="360"/>
+              </a:spcBef>
+              <a:buClr>
+                <a:srgbClr val="139CF8"/>
+              </a:buClr>
+              <a:buFont typeface="Wingdings" charset="2"/>
+              <a:buChar char=""/>
+            </a:pPr>
+            <a:r>
+              <a:rPr lang="fr-FR" sz="1800" b="0" strike="noStrike" spc="-1">
+                <a:solidFill>
+                  <a:srgbClr val="000000"/>
+                </a:solidFill>
+                <a:latin typeface="Calibri"/>
+              </a:rPr>
+              <a:t>Benefits of being high level and at the same time provides for CPU-efficient code</a:t>
+            </a:r>
+            <a:endParaRPr lang="fr-FR" sz="1800" b="0" strike="noStrike" spc="-1">
+              <a:solidFill>
+                <a:srgbClr val="000000"/>
+              </a:solidFill>
+              <a:latin typeface="Gill Sans MT"/>
+            </a:endParaRPr>
+          </a:p>
+          <a:p>
+            <a:pPr marL="360000" indent="-359640">
+              <a:lnSpc>
+                <a:spcPct val="90000"/>
+              </a:lnSpc>
+              <a:spcBef>
+                <a:spcPts val="400"/>
+              </a:spcBef>
+              <a:buClr>
+                <a:srgbClr val="084C8D"/>
+              </a:buClr>
+              <a:buFont typeface="Wingdings" charset="2"/>
+              <a:buChar char=""/>
+            </a:pPr>
+            <a:r>
+              <a:rPr lang="fr-FR" sz="2000" b="0" strike="noStrike" spc="-1">
+                <a:solidFill>
+                  <a:srgbClr val="000000"/>
+                </a:solidFill>
+                <a:latin typeface="Calibri"/>
+              </a:rPr>
+              <a:t>Usability</a:t>
+            </a:r>
+            <a:endParaRPr lang="fr-FR" sz="2000" b="0" strike="noStrike" spc="-1">
+              <a:solidFill>
+                <a:srgbClr val="000000"/>
+              </a:solidFill>
+              <a:latin typeface="Gill Sans MT"/>
+            </a:endParaRPr>
+          </a:p>
+          <a:p>
+            <a:pPr marL="759960" lvl="2" indent="-359640">
+              <a:lnSpc>
+                <a:spcPct val="90000"/>
+              </a:lnSpc>
+              <a:spcBef>
+                <a:spcPts val="360"/>
+              </a:spcBef>
+              <a:buClr>
+                <a:srgbClr val="139CF8"/>
+              </a:buClr>
+              <a:buFont typeface="Wingdings" charset="2"/>
+              <a:buChar char=""/>
+            </a:pPr>
+            <a:r>
+              <a:rPr lang="fr-FR" sz="1800" b="0" strike="noStrike" spc="-1">
+                <a:solidFill>
+                  <a:srgbClr val="000000"/>
+                </a:solidFill>
+                <a:latin typeface="Calibri"/>
+              </a:rPr>
+              <a:t>Lots of documentation</a:t>
+            </a:r>
+            <a:endParaRPr lang="fr-FR" sz="1800" b="0" strike="noStrike" spc="-1">
+              <a:solidFill>
+                <a:srgbClr val="000000"/>
+              </a:solidFill>
+              <a:latin typeface="Gill Sans MT"/>
+            </a:endParaRPr>
+          </a:p>
+          <a:p>
+            <a:pPr marL="759960" lvl="2" indent="-359640">
+              <a:lnSpc>
+                <a:spcPct val="90000"/>
+              </a:lnSpc>
+              <a:spcBef>
+                <a:spcPts val="360"/>
+              </a:spcBef>
+              <a:buClr>
+                <a:srgbClr val="139CF8"/>
+              </a:buClr>
+              <a:buFont typeface="Wingdings" charset="2"/>
+              <a:buChar char=""/>
+            </a:pPr>
+            <a:r>
+              <a:rPr lang="fr-FR" sz="1800" b="0" strike="noStrike" spc="-1">
+                <a:solidFill>
+                  <a:srgbClr val="000000"/>
+                </a:solidFill>
+                <a:latin typeface="Calibri"/>
+              </a:rPr>
+              <a:t>Active development community to answer questions - stackexchange</a:t>
+            </a:r>
+            <a:endParaRPr lang="fr-FR" sz="1800" b="0" strike="noStrike" spc="-1">
+              <a:solidFill>
+                <a:srgbClr val="000000"/>
+              </a:solidFill>
+              <a:latin typeface="Gill Sans MT"/>
+            </a:endParaRPr>
+          </a:p>
+          <a:p>
+            <a:pPr marL="360000" indent="-359640">
+              <a:lnSpc>
+                <a:spcPct val="90000"/>
+              </a:lnSpc>
+              <a:spcBef>
+                <a:spcPts val="400"/>
+              </a:spcBef>
+              <a:buClr>
+                <a:srgbClr val="084C8D"/>
+              </a:buClr>
+              <a:buFont typeface="Wingdings" charset="2"/>
+              <a:buChar char=""/>
+            </a:pPr>
+            <a:r>
+              <a:rPr lang="fr-FR" sz="2000" b="0" strike="noStrike" spc="-1">
+                <a:solidFill>
+                  <a:srgbClr val="000000"/>
+                </a:solidFill>
+                <a:latin typeface="Calibri"/>
+              </a:rPr>
+              <a:t>Extensibility</a:t>
+            </a:r>
+            <a:endParaRPr lang="fr-FR" sz="2000" b="0" strike="noStrike" spc="-1">
+              <a:solidFill>
+                <a:srgbClr val="000000"/>
+              </a:solidFill>
+              <a:latin typeface="Gill Sans MT"/>
+            </a:endParaRPr>
+          </a:p>
+          <a:p>
+            <a:pPr marL="759960" lvl="2" indent="-359640">
+              <a:lnSpc>
+                <a:spcPct val="90000"/>
+              </a:lnSpc>
+              <a:spcBef>
+                <a:spcPts val="360"/>
+              </a:spcBef>
+              <a:buClr>
+                <a:srgbClr val="139CF8"/>
+              </a:buClr>
+              <a:buFont typeface="Wingdings" charset="2"/>
+              <a:buChar char=""/>
+            </a:pPr>
+            <a:r>
+              <a:rPr lang="fr-FR" sz="1800" b="0" strike="noStrike" spc="-1">
+                <a:solidFill>
+                  <a:srgbClr val="000000"/>
+                </a:solidFill>
+                <a:latin typeface="Calibri"/>
+              </a:rPr>
+              <a:t>Small core language with a large standard library and an easily extensible interpreter</a:t>
+            </a:r>
+            <a:endParaRPr lang="fr-FR" sz="1800" b="0" strike="noStrike" spc="-1">
+              <a:solidFill>
+                <a:srgbClr val="000000"/>
+              </a:solidFill>
+              <a:latin typeface="Gill Sans MT"/>
+            </a:endParaRPr>
+          </a:p>
+          <a:p>
+            <a:pPr marL="759960" lvl="2" indent="-359640">
+              <a:lnSpc>
+                <a:spcPct val="90000"/>
+              </a:lnSpc>
+              <a:spcBef>
+                <a:spcPts val="360"/>
+              </a:spcBef>
+              <a:buClr>
+                <a:srgbClr val="139CF8"/>
+              </a:buClr>
+              <a:buFont typeface="Wingdings" charset="2"/>
+              <a:buChar char=""/>
+            </a:pPr>
+            <a:r>
+              <a:rPr lang="fr-FR" sz="1800" b="0" strike="noStrike" spc="-1">
+                <a:solidFill>
+                  <a:srgbClr val="000000"/>
+                </a:solidFill>
+                <a:latin typeface="Calibri"/>
+              </a:rPr>
+              <a:t>Leverage OSS community by allowing for extensibility </a:t>
+            </a:r>
+            <a:endParaRPr lang="fr-FR" sz="1800" b="0" strike="noStrike" spc="-1">
+              <a:solidFill>
+                <a:srgbClr val="000000"/>
+              </a:solidFill>
+              <a:latin typeface="Gill Sans MT"/>
+            </a:endParaRPr>
+          </a:p>
+        </p:txBody>
+      </p:sp>
       <p:pic>
         <p:nvPicPr>
-          <p:cNvPr id="150" name="Picture 4"/>
+          <p:cNvPr id="153" name="Picture 14"/>
           <p:cNvPicPr/>
           <p:nvPr/>
         </p:nvPicPr>
@@ -11046,8 +9959,8 @@
         </p:blipFill>
         <p:spPr>
           <a:xfrm>
-            <a:off x="4716000" y="1772640"/>
-            <a:ext cx="4392000" cy="3816000"/>
+            <a:off x="3564000" y="0"/>
+            <a:ext cx="1815840" cy="2204640"/>
           </a:xfrm>
           <a:prstGeom prst="rect">
             <a:avLst/>
@@ -11114,13 +10027,13 @@
       </p:grpSpPr>
       <p:sp>
         <p:nvSpPr>
-          <p:cNvPr id="151" name="TextShape 1"/>
+          <p:cNvPr id="154" name="TextShape 1"/>
           <p:cNvSpPr txBox="1"/>
           <p:nvPr/>
         </p:nvSpPr>
         <p:spPr>
           <a:xfrm>
-            <a:off x="395640" y="2277000"/>
+            <a:off x="457200" y="274680"/>
             <a:ext cx="8229240" cy="705600"/>
           </a:xfrm>
           <a:prstGeom prst="rect">
@@ -11147,7 +10060,7 @@
                 </a:solidFill>
                 <a:latin typeface="Gill Sans"/>
               </a:rPr>
-              <a:t>Python</a:t>
+              <a:t>Python for BIGDATA</a:t>
             </a:r>
             <a:endParaRPr lang="fr-FR" sz="3200" b="0" strike="noStrike" spc="-1">
               <a:solidFill>
@@ -11160,14 +10073,14 @@
       </p:sp>
       <p:sp>
         <p:nvSpPr>
-          <p:cNvPr id="152" name="TextShape 2"/>
-          <p:cNvSpPr txBox="1"/>
+          <p:cNvPr id="155" name="CustomShape 2"/>
+          <p:cNvSpPr/>
           <p:nvPr/>
         </p:nvSpPr>
         <p:spPr>
           <a:xfrm>
-            <a:off x="642960" y="2925000"/>
-            <a:ext cx="8496720" cy="3816000"/>
+            <a:off x="467640" y="1484640"/>
+            <a:ext cx="8676000" cy="3816000"/>
           </a:xfrm>
           <a:prstGeom prst="rect">
             <a:avLst/>
@@ -11177,13 +10090,25 @@
             <a:noFill/>
           </a:ln>
         </p:spPr>
+        <p:style>
+          <a:lnRef idx="0">
+            <a:scrgbClr r="0" g="0" b="0"/>
+          </a:lnRef>
+          <a:fillRef idx="0">
+            <a:scrgbClr r="0" g="0" b="0"/>
+          </a:fillRef>
+          <a:effectRef idx="0">
+            <a:scrgbClr r="0" g="0" b="0"/>
+          </a:effectRef>
+          <a:fontRef idx="minor"/>
+        </p:style>
         <p:txBody>
           <a:bodyPr lIns="90000" tIns="45000" rIns="90000" bIns="45000"/>
           <a:lstStyle/>
           <a:p>
             <a:pPr marL="360000" indent="-359640">
               <a:lnSpc>
-                <a:spcPct val="90000"/>
+                <a:spcPct val="140000"/>
               </a:lnSpc>
               <a:spcBef>
                 <a:spcPts val="400"/>
@@ -11195,25 +10120,22 @@
               <a:buChar char=""/>
             </a:pPr>
             <a:r>
-              <a:rPr lang="fr-FR" sz="2000" b="0" strike="noStrike" spc="-1">
+              <a:rPr lang="en-IN" sz="2000" b="0" strike="noStrike" spc="-1">
                 <a:solidFill>
                   <a:srgbClr val="000000"/>
                 </a:solidFill>
                 <a:latin typeface="Calibri"/>
               </a:rPr>
-              <a:t>Simplicity</a:t>
+              <a:t>Big data management using Python</a:t>
             </a:r>
-            <a:endParaRPr lang="fr-FR" sz="2000" b="0" strike="noStrike" spc="-1">
-              <a:solidFill>
-                <a:srgbClr val="000000"/>
-              </a:solidFill>
-              <a:latin typeface="Gill Sans MT"/>
+            <a:endParaRPr lang="en-IN" sz="2000" b="0" strike="noStrike" spc="-1">
+              <a:latin typeface="Arial"/>
             </a:endParaRPr>
           </a:p>
           <a:p>
             <a:pPr marL="759960" lvl="2" indent="-359640">
               <a:lnSpc>
-                <a:spcPct val="90000"/>
+                <a:spcPct val="140000"/>
               </a:lnSpc>
               <a:spcBef>
                 <a:spcPts val="360"/>
@@ -11225,25 +10147,22 @@
               <a:buChar char=""/>
             </a:pPr>
             <a:r>
-              <a:rPr lang="fr-FR" sz="1800" b="0" strike="noStrike" spc="-1">
+              <a:rPr lang="en-IN" sz="1800" b="0" strike="noStrike" spc="-1">
                 <a:solidFill>
                   <a:srgbClr val="000000"/>
                 </a:solidFill>
                 <a:latin typeface="Calibri"/>
               </a:rPr>
-              <a:t>High level language built on C</a:t>
+              <a:t>CERN and Large Hadron Collider </a:t>
             </a:r>
-            <a:endParaRPr lang="fr-FR" sz="1800" b="0" strike="noStrike" spc="-1">
-              <a:solidFill>
-                <a:srgbClr val="000000"/>
-              </a:solidFill>
-              <a:latin typeface="Gill Sans MT"/>
+            <a:endParaRPr lang="en-IN" sz="1800" b="0" strike="noStrike" spc="-1">
+              <a:latin typeface="Arial"/>
             </a:endParaRPr>
           </a:p>
           <a:p>
             <a:pPr marL="759960" lvl="2" indent="-359640">
               <a:lnSpc>
-                <a:spcPct val="90000"/>
+                <a:spcPct val="140000"/>
               </a:lnSpc>
               <a:spcBef>
                 <a:spcPts val="360"/>
@@ -11255,55 +10174,22 @@
               <a:buChar char=""/>
             </a:pPr>
             <a:r>
-              <a:rPr lang="fr-FR" sz="1800" b="0" strike="noStrike" spc="-1">
+              <a:rPr lang="en-IN" sz="1800" b="0" strike="noStrike" spc="-1">
                 <a:solidFill>
                   <a:srgbClr val="000000"/>
                 </a:solidFill>
                 <a:latin typeface="Calibri"/>
               </a:rPr>
-              <a:t>Benefits of being high level and at the same time provides for CPU-efficient code</a:t>
+              <a:t>Particle detector (Atlas)</a:t>
             </a:r>
-            <a:endParaRPr lang="fr-FR" sz="1800" b="0" strike="noStrike" spc="-1">
-              <a:solidFill>
-                <a:srgbClr val="000000"/>
-              </a:solidFill>
-              <a:latin typeface="Gill Sans MT"/>
-            </a:endParaRPr>
-          </a:p>
-          <a:p>
-            <a:pPr marL="360000" indent="-359640">
-              <a:lnSpc>
-                <a:spcPct val="90000"/>
-              </a:lnSpc>
-              <a:spcBef>
-                <a:spcPts val="400"/>
-              </a:spcBef>
-              <a:buClr>
-                <a:srgbClr val="084C8D"/>
-              </a:buClr>
-              <a:buFont typeface="Wingdings" charset="2"/>
-              <a:buChar char=""/>
-            </a:pPr>
-            <a:r>
-              <a:rPr lang="fr-FR" sz="2000" b="0" strike="noStrike" spc="-1">
-                <a:solidFill>
-                  <a:srgbClr val="000000"/>
-                </a:solidFill>
-                <a:latin typeface="Calibri"/>
-              </a:rPr>
-              <a:t>Usability</a:t>
-            </a:r>
-            <a:endParaRPr lang="fr-FR" sz="2000" b="0" strike="noStrike" spc="-1">
-              <a:solidFill>
-                <a:srgbClr val="000000"/>
-              </a:solidFill>
-              <a:latin typeface="Gill Sans MT"/>
+            <a:endParaRPr lang="en-IN" sz="1800" b="0" strike="noStrike" spc="-1">
+              <a:latin typeface="Arial"/>
             </a:endParaRPr>
           </a:p>
           <a:p>
             <a:pPr marL="759960" lvl="2" indent="-359640">
               <a:lnSpc>
-                <a:spcPct val="90000"/>
+                <a:spcPct val="140000"/>
               </a:lnSpc>
               <a:spcBef>
                 <a:spcPts val="360"/>
@@ -11315,25 +10201,22 @@
               <a:buChar char=""/>
             </a:pPr>
             <a:r>
-              <a:rPr lang="fr-FR" sz="1800" b="0" strike="noStrike" spc="-1">
+              <a:rPr lang="en-IN" sz="1800" b="0" strike="noStrike" spc="-1">
                 <a:solidFill>
                   <a:srgbClr val="000000"/>
                 </a:solidFill>
                 <a:latin typeface="Calibri"/>
               </a:rPr>
-              <a:t>Lots of documentation</a:t>
+              <a:t>Data equivalent to 100 Megapixel camera taking  40 million pictures a second</a:t>
             </a:r>
-            <a:endParaRPr lang="fr-FR" sz="1800" b="0" strike="noStrike" spc="-1">
-              <a:solidFill>
-                <a:srgbClr val="000000"/>
-              </a:solidFill>
-              <a:latin typeface="Gill Sans MT"/>
+            <a:endParaRPr lang="en-IN" sz="1800" b="0" strike="noStrike" spc="-1">
+              <a:latin typeface="Arial"/>
             </a:endParaRPr>
           </a:p>
           <a:p>
             <a:pPr marL="759960" lvl="2" indent="-359640">
               <a:lnSpc>
-                <a:spcPct val="90000"/>
+                <a:spcPct val="140000"/>
               </a:lnSpc>
               <a:spcBef>
                 <a:spcPts val="360"/>
@@ -11345,55 +10228,22 @@
               <a:buChar char=""/>
             </a:pPr>
             <a:r>
-              <a:rPr lang="fr-FR" sz="1800" b="0" strike="noStrike" spc="-1">
+              <a:rPr lang="en-IN" sz="1800" b="0" strike="noStrike" spc="-1">
                 <a:solidFill>
                   <a:srgbClr val="000000"/>
                 </a:solidFill>
                 <a:latin typeface="Calibri"/>
               </a:rPr>
-              <a:t>Active development community to answer questions - stackexchange</a:t>
+              <a:t>Needle in a haystack – couple quadrillion collisions to find 1000 collisions that results in Higgs Boson</a:t>
             </a:r>
-            <a:endParaRPr lang="fr-FR" sz="1800" b="0" strike="noStrike" spc="-1">
-              <a:solidFill>
-                <a:srgbClr val="000000"/>
-              </a:solidFill>
-              <a:latin typeface="Gill Sans MT"/>
-            </a:endParaRPr>
-          </a:p>
-          <a:p>
-            <a:pPr marL="360000" indent="-359640">
-              <a:lnSpc>
-                <a:spcPct val="90000"/>
-              </a:lnSpc>
-              <a:spcBef>
-                <a:spcPts val="400"/>
-              </a:spcBef>
-              <a:buClr>
-                <a:srgbClr val="084C8D"/>
-              </a:buClr>
-              <a:buFont typeface="Wingdings" charset="2"/>
-              <a:buChar char=""/>
-            </a:pPr>
-            <a:r>
-              <a:rPr lang="fr-FR" sz="2000" b="0" strike="noStrike" spc="-1">
-                <a:solidFill>
-                  <a:srgbClr val="000000"/>
-                </a:solidFill>
-                <a:latin typeface="Calibri"/>
-              </a:rPr>
-              <a:t>Extensibility</a:t>
-            </a:r>
-            <a:endParaRPr lang="fr-FR" sz="2000" b="0" strike="noStrike" spc="-1">
-              <a:solidFill>
-                <a:srgbClr val="000000"/>
-              </a:solidFill>
-              <a:latin typeface="Gill Sans MT"/>
+            <a:endParaRPr lang="en-IN" sz="1800" b="0" strike="noStrike" spc="-1">
+              <a:latin typeface="Arial"/>
             </a:endParaRPr>
           </a:p>
           <a:p>
             <a:pPr marL="759960" lvl="2" indent="-359640">
               <a:lnSpc>
-                <a:spcPct val="90000"/>
+                <a:spcPct val="140000"/>
               </a:lnSpc>
               <a:spcBef>
                 <a:spcPts val="360"/>
@@ -11405,56 +10255,23 @@
               <a:buChar char=""/>
             </a:pPr>
             <a:r>
-              <a:rPr lang="fr-FR" sz="1800" b="0" strike="noStrike" spc="-1">
+              <a:rPr lang="en-IN" sz="1800" b="0" strike="noStrike" spc="-1">
                 <a:solidFill>
                   <a:srgbClr val="000000"/>
                 </a:solidFill>
                 <a:latin typeface="Calibri"/>
               </a:rPr>
-              <a:t>Small core language with a large standard library and an easily extensible interpreter</a:t>
+              <a:t>Pre-process this stunning amount of data in real time and store only the relevant for further analysis</a:t>
             </a:r>
-            <a:endParaRPr lang="fr-FR" sz="1800" b="0" strike="noStrike" spc="-1">
-              <a:solidFill>
-                <a:srgbClr val="000000"/>
-              </a:solidFill>
-              <a:latin typeface="Gill Sans MT"/>
-            </a:endParaRPr>
-          </a:p>
-          <a:p>
-            <a:pPr marL="759960" lvl="2" indent="-359640">
-              <a:lnSpc>
-                <a:spcPct val="90000"/>
-              </a:lnSpc>
-              <a:spcBef>
-                <a:spcPts val="360"/>
-              </a:spcBef>
-              <a:buClr>
-                <a:srgbClr val="139CF8"/>
-              </a:buClr>
-              <a:buFont typeface="Wingdings" charset="2"/>
-              <a:buChar char=""/>
-            </a:pPr>
-            <a:r>
-              <a:rPr lang="fr-FR" sz="1800" b="0" strike="noStrike" spc="-1">
-                <a:solidFill>
-                  <a:srgbClr val="000000"/>
-                </a:solidFill>
-                <a:latin typeface="Calibri"/>
-              </a:rPr>
-              <a:t>Leverage OSS community by allowing for extensibility </a:t>
-            </a:r>
-            <a:endParaRPr lang="fr-FR" sz="1800" b="0" strike="noStrike" spc="-1">
-              <a:solidFill>
-                <a:srgbClr val="000000"/>
-              </a:solidFill>
-              <a:latin typeface="Gill Sans MT"/>
+            <a:endParaRPr lang="en-IN" sz="1800" b="0" strike="noStrike" spc="-1">
+              <a:latin typeface="Arial"/>
             </a:endParaRPr>
           </a:p>
         </p:txBody>
       </p:sp>
       <p:pic>
         <p:nvPicPr>
-          <p:cNvPr id="153" name="Picture 14"/>
+          <p:cNvPr id="156" name="Picture 3"/>
           <p:cNvPicPr/>
           <p:nvPr/>
         </p:nvPicPr>
@@ -11464,8 +10281,8 @@
         </p:blipFill>
         <p:spPr>
           <a:xfrm>
-            <a:off x="3564000" y="0"/>
-            <a:ext cx="1815840" cy="2204640"/>
+            <a:off x="6030000" y="4752360"/>
+            <a:ext cx="3078000" cy="2060640"/>
           </a:xfrm>
           <a:prstGeom prst="rect">
             <a:avLst/>
@@ -11532,14 +10349,14 @@
       </p:grpSpPr>
       <p:sp>
         <p:nvSpPr>
-          <p:cNvPr id="154" name="TextShape 1"/>
+          <p:cNvPr id="157" name="TextShape 1"/>
           <p:cNvSpPr txBox="1"/>
           <p:nvPr/>
         </p:nvSpPr>
         <p:spPr>
           <a:xfrm>
             <a:off x="457200" y="274680"/>
-            <a:ext cx="8229240" cy="705600"/>
+            <a:ext cx="8229240" cy="633600"/>
           </a:xfrm>
           <a:prstGeom prst="rect">
             <a:avLst/>
@@ -11559,33 +10376,42 @@
               </a:lnSpc>
             </a:pPr>
             <a:r>
-              <a:rPr lang="fr-FR" sz="3200" b="1" strike="noStrike" cap="all" spc="-1">
+              <a:rPr lang="fr-FR" sz="3200" b="1" strike="noStrike" cap="all" spc="-1" dirty="0" err="1">
                 <a:solidFill>
                   <a:srgbClr val="084C8D"/>
                 </a:solidFill>
                 <a:latin typeface="Gill Sans"/>
               </a:rPr>
-              <a:t>Python for BIGDATA</a:t>
+              <a:t>Programming</a:t>
             </a:r>
-            <a:endParaRPr lang="fr-FR" sz="3200" b="0" strike="noStrike" spc="-1">
-              <a:solidFill>
-                <a:srgbClr val="000000"/>
-              </a:solidFill>
-              <a:latin typeface="Gill Sans MT"/>
-            </a:endParaRPr>
-          </a:p>
-        </p:txBody>
-      </p:sp>
-      <p:sp>
-        <p:nvSpPr>
-          <p:cNvPr id="155" name="CustomShape 2"/>
+            <a:r>
+              <a:rPr lang="fr-FR" sz="3200" b="1" strike="noStrike" cap="all" spc="-1" dirty="0">
+                <a:solidFill>
+                  <a:srgbClr val="084C8D"/>
+                </a:solidFill>
+                <a:latin typeface="Gill Sans"/>
+              </a:rPr>
+              <a:t> Concepts- Data types</a:t>
+            </a:r>
+            <a:endParaRPr lang="fr-FR" sz="3200" b="0" strike="noStrike" spc="-1" dirty="0">
+              <a:solidFill>
+                <a:srgbClr val="000000"/>
+              </a:solidFill>
+              <a:latin typeface="Gill Sans MT"/>
+            </a:endParaRPr>
+          </a:p>
+        </p:txBody>
+      </p:sp>
+      <p:sp>
+        <p:nvSpPr>
+          <p:cNvPr id="158" name="CustomShape 2"/>
           <p:cNvSpPr/>
           <p:nvPr/>
         </p:nvSpPr>
         <p:spPr>
           <a:xfrm>
-            <a:off x="467640" y="1484640"/>
-            <a:ext cx="8676000" cy="3816000"/>
+            <a:off x="345908" y="1197000"/>
+            <a:ext cx="8064360" cy="2448000"/>
           </a:xfrm>
           <a:prstGeom prst="rect">
             <a:avLst/>
@@ -11611,12 +10437,12 @@
           <a:bodyPr lIns="90000" tIns="45000" rIns="90000" bIns="45000"/>
           <a:lstStyle/>
           <a:p>
-            <a:pPr marL="360000" indent="-359640">
+            <a:pPr marL="514440" indent="-514080">
               <a:lnSpc>
-                <a:spcPct val="140000"/>
+                <a:spcPct val="150000"/>
               </a:lnSpc>
               <a:spcBef>
-                <a:spcPts val="400"/>
+                <a:spcPts val="360"/>
               </a:spcBef>
               <a:buClr>
                 <a:srgbClr val="084C8D"/>
@@ -11625,25 +10451,66 @@
               <a:buChar char=""/>
             </a:pPr>
             <a:r>
-              <a:rPr lang="en-IN" sz="2000" b="0" strike="noStrike" spc="-1">
+              <a:rPr lang="en-IN" sz="1600" b="0" strike="noStrike" spc="-1" dirty="0">
                 <a:solidFill>
                   <a:srgbClr val="000000"/>
                 </a:solidFill>
-                <a:latin typeface="Calibri"/>
-              </a:rPr>
-              <a:t>Big data management using Python</a:t>
+                <a:latin typeface="Calibri" panose="020F0502020204030204" pitchFamily="34" charset="0"/>
+                <a:cs typeface="Calibri" panose="020F0502020204030204" pitchFamily="34" charset="0"/>
+              </a:rPr>
+              <a:t>Data types - Integer, float,  string and </a:t>
             </a:r>
-            <a:endParaRPr lang="en-IN" sz="2000" b="0" strike="noStrike" spc="-1">
-              <a:latin typeface="Arial"/>
-            </a:endParaRPr>
-          </a:p>
-          <a:p>
-            <a:pPr marL="759960" lvl="2" indent="-359640">
+            <a:r>
+              <a:rPr lang="en-IN" sz="1600" b="0" strike="noStrike" spc="-1" dirty="0" err="1">
+                <a:solidFill>
+                  <a:srgbClr val="000000"/>
+                </a:solidFill>
+                <a:latin typeface="Calibri" panose="020F0502020204030204" pitchFamily="34" charset="0"/>
+                <a:cs typeface="Calibri" panose="020F0502020204030204" pitchFamily="34" charset="0"/>
+              </a:rPr>
+              <a:t>boolean</a:t>
+            </a:r>
+            <a:endParaRPr lang="en-IN" sz="1600" b="0" strike="noStrike" spc="-1" dirty="0">
+              <a:latin typeface="Calibri" panose="020F0502020204030204" pitchFamily="34" charset="0"/>
+              <a:cs typeface="Calibri" panose="020F0502020204030204" pitchFamily="34" charset="0"/>
+            </a:endParaRPr>
+          </a:p>
+          <a:p>
+            <a:pPr marL="514440" indent="-514080">
               <a:lnSpc>
-                <a:spcPct val="140000"/>
+                <a:spcPct val="150000"/>
               </a:lnSpc>
               <a:spcBef>
                 <a:spcPts val="360"/>
+              </a:spcBef>
+              <a:buClr>
+                <a:srgbClr val="084C8D"/>
+              </a:buClr>
+              <a:buFont typeface="Wingdings" charset="2"/>
+              <a:buChar char=""/>
+            </a:pPr>
+            <a:r>
+              <a:rPr lang="en-IN" sz="1600" b="0" strike="noStrike" spc="-1" dirty="0">
+                <a:solidFill>
+                  <a:srgbClr val="000000"/>
+                </a:solidFill>
+                <a:latin typeface="Calibri" panose="020F0502020204030204" pitchFamily="34" charset="0"/>
+                <a:cs typeface="Calibri" panose="020F0502020204030204" pitchFamily="34" charset="0"/>
+              </a:rPr>
+              <a:t>Data structures – lists, dictionaries and tuples </a:t>
+            </a:r>
+            <a:endParaRPr lang="en-IN" sz="1600" b="0" strike="noStrike" spc="-1" dirty="0">
+              <a:latin typeface="Calibri" panose="020F0502020204030204" pitchFamily="34" charset="0"/>
+              <a:cs typeface="Calibri" panose="020F0502020204030204" pitchFamily="34" charset="0"/>
+            </a:endParaRPr>
+          </a:p>
+          <a:p>
+            <a:pPr marL="971640" lvl="1" indent="-514080">
+              <a:lnSpc>
+                <a:spcPct val="150000"/>
+              </a:lnSpc>
+              <a:spcBef>
+                <a:spcPts val="320"/>
               </a:spcBef>
               <a:buClr>
                 <a:srgbClr val="139CF8"/>
@@ -11652,25 +10519,43 @@
               <a:buChar char=""/>
             </a:pPr>
             <a:r>
-              <a:rPr lang="en-IN" sz="1800" b="0" strike="noStrike" spc="-1">
+              <a:rPr lang="en-IN" sz="1600" b="0" strike="noStrike" spc="-1" dirty="0">
                 <a:solidFill>
                   <a:srgbClr val="000000"/>
                 </a:solidFill>
-                <a:latin typeface="Calibri"/>
-              </a:rPr>
-              <a:t>CERN and Large Hadron Collider </a:t>
+                <a:latin typeface="Calibri" panose="020F0502020204030204" pitchFamily="34" charset="0"/>
+                <a:cs typeface="Calibri" panose="020F0502020204030204" pitchFamily="34" charset="0"/>
+              </a:rPr>
+              <a:t>Data structures combine the basic datatypes (integer, float, string, </a:t>
             </a:r>
-            <a:endParaRPr lang="en-IN" sz="1800" b="0" strike="noStrike" spc="-1">
-              <a:latin typeface="Arial"/>
-            </a:endParaRPr>
-          </a:p>
-          <a:p>
-            <a:pPr marL="759960" lvl="2" indent="-359640">
+            <a:r>
+              <a:rPr lang="en-IN" sz="1600" b="0" strike="noStrike" spc="-1" dirty="0" err="1">
+                <a:solidFill>
+                  <a:srgbClr val="000000"/>
+                </a:solidFill>
+                <a:latin typeface="Calibri" panose="020F0502020204030204" pitchFamily="34" charset="0"/>
+                <a:cs typeface="Calibri" panose="020F0502020204030204" pitchFamily="34" charset="0"/>
+              </a:rPr>
+              <a:t>boolean</a:t>
+            </a:r>
+            <a:r>
+              <a:rPr lang="en-IN" sz="1600" b="0" strike="noStrike" spc="-1" dirty="0">
+                <a:solidFill>
+                  <a:srgbClr val="000000"/>
+                </a:solidFill>
+                <a:latin typeface="Calibri" panose="020F0502020204030204" pitchFamily="34" charset="0"/>
+                <a:cs typeface="Calibri" panose="020F0502020204030204" pitchFamily="34" charset="0"/>
+              </a:rPr>
+              <a:t>) to create more complex types</a:t>
+            </a:r>
+          </a:p>
+          <a:p>
+            <a:pPr marL="514440" indent="-514080">
               <a:lnSpc>
-                <a:spcPct val="140000"/>
+                <a:spcPct val="150000"/>
               </a:lnSpc>
               <a:spcBef>
-                <a:spcPts val="360"/>
+                <a:spcPts val="320"/>
               </a:spcBef>
               <a:buClr>
                 <a:srgbClr val="139CF8"/>
@@ -11679,25 +10564,30 @@
               <a:buChar char=""/>
             </a:pPr>
             <a:r>
-              <a:rPr lang="en-IN" sz="1800" b="0" strike="noStrike" spc="-1">
+              <a:rPr lang="en-IN" sz="1600" spc="-1" dirty="0">
                 <a:solidFill>
                   <a:srgbClr val="000000"/>
                 </a:solidFill>
-                <a:latin typeface="Calibri"/>
-              </a:rPr>
-              <a:t>Particle detector (Atlas)</a:t>
+                <a:latin typeface="Calibri" panose="020F0502020204030204" pitchFamily="34" charset="0"/>
+                <a:cs typeface="Calibri" panose="020F0502020204030204" pitchFamily="34" charset="0"/>
+              </a:rPr>
+              <a:t>Mutable vs. immutable </a:t>
             </a:r>
-            <a:endParaRPr lang="en-IN" sz="1800" b="0" strike="noStrike" spc="-1">
-              <a:latin typeface="Arial"/>
-            </a:endParaRPr>
-          </a:p>
-          <a:p>
-            <a:pPr marL="759960" lvl="2" indent="-359640">
+            <a:endParaRPr lang="en-IN" sz="1600" b="0" strike="noStrike" spc="-1" dirty="0">
+              <a:solidFill>
+                <a:srgbClr val="000000"/>
+              </a:solidFill>
+              <a:latin typeface="Calibri" panose="020F0502020204030204" pitchFamily="34" charset="0"/>
+              <a:cs typeface="Calibri" panose="020F0502020204030204" pitchFamily="34" charset="0"/>
+            </a:endParaRPr>
+          </a:p>
+          <a:p>
+            <a:pPr marL="514440" indent="-514080">
               <a:lnSpc>
-                <a:spcPct val="140000"/>
+                <a:spcPct val="150000"/>
               </a:lnSpc>
               <a:spcBef>
-                <a:spcPts val="360"/>
+                <a:spcPts val="320"/>
               </a:spcBef>
               <a:buClr>
                 <a:srgbClr val="139CF8"/>
@@ -11706,25 +10596,34 @@
               <a:buChar char=""/>
             </a:pPr>
             <a:r>
-              <a:rPr lang="en-IN" sz="1800" b="0" strike="noStrike" spc="-1">
+              <a:rPr lang="en-IN" sz="1600" spc="-1" dirty="0">
                 <a:solidFill>
                   <a:srgbClr val="000000"/>
                 </a:solidFill>
-                <a:latin typeface="Calibri"/>
-              </a:rPr>
-              <a:t>Data equivalent to 100 Megapixel camera taking  40 million pictures a second</a:t>
+                <a:latin typeface="Calibri" panose="020F0502020204030204" pitchFamily="34" charset="0"/>
+                <a:cs typeface="Calibri" panose="020F0502020204030204" pitchFamily="34" charset="0"/>
+              </a:rPr>
+              <a:t>Data frame - </a:t>
             </a:r>
-            <a:endParaRPr lang="en-IN" sz="1800" b="0" strike="noStrike" spc="-1">
-              <a:latin typeface="Arial"/>
-            </a:endParaRPr>
-          </a:p>
-          <a:p>
-            <a:pPr marL="759960" lvl="2" indent="-359640">
+            <a:r>
+              <a:rPr lang="en-GB" sz="1600" dirty="0">
+                <a:latin typeface="Calibri" panose="020F0502020204030204" pitchFamily="34" charset="0"/>
+                <a:cs typeface="Calibri" panose="020F0502020204030204" pitchFamily="34" charset="0"/>
+              </a:rPr>
+              <a:t>"tabular" data: a data structure representing cases (rows), each of which consists of a number of measurements (columns). </a:t>
+            </a:r>
+            <a:endParaRPr lang="en-IN" sz="1600" spc="-1" dirty="0">
+              <a:latin typeface="Calibri" panose="020F0502020204030204" pitchFamily="34" charset="0"/>
+              <a:cs typeface="Calibri" panose="020F0502020204030204" pitchFamily="34" charset="0"/>
+            </a:endParaRPr>
+          </a:p>
+          <a:p>
+            <a:pPr marL="514440" indent="-514080">
               <a:lnSpc>
-                <a:spcPct val="140000"/>
+                <a:spcPct val="150000"/>
               </a:lnSpc>
               <a:spcBef>
-                <a:spcPts val="360"/>
+                <a:spcPts val="320"/>
               </a:spcBef>
               <a:buClr>
                 <a:srgbClr val="139CF8"/>
@@ -11732,51 +10631,16 @@
               <a:buFont typeface="Wingdings" charset="2"/>
               <a:buChar char=""/>
             </a:pPr>
-            <a:r>
-              <a:rPr lang="en-IN" sz="1800" b="0" strike="noStrike" spc="-1">
-                <a:solidFill>
-                  <a:srgbClr val="000000"/>
-                </a:solidFill>
-                <a:latin typeface="Calibri"/>
-              </a:rPr>
-              <a:t>Needle in a haystack – couple quadrillion collisions to find 1000 collisions that results in Higgs Boson</a:t>
-            </a:r>
-            <a:endParaRPr lang="en-IN" sz="1800" b="0" strike="noStrike" spc="-1">
-              <a:latin typeface="Arial"/>
-            </a:endParaRPr>
-          </a:p>
-          <a:p>
-            <a:pPr marL="759960" lvl="2" indent="-359640">
-              <a:lnSpc>
-                <a:spcPct val="140000"/>
-              </a:lnSpc>
-              <a:spcBef>
-                <a:spcPts val="360"/>
-              </a:spcBef>
-              <a:buClr>
-                <a:srgbClr val="139CF8"/>
-              </a:buClr>
-              <a:buFont typeface="Wingdings" charset="2"/>
-              <a:buChar char=""/>
-            </a:pPr>
-            <a:r>
-              <a:rPr lang="en-IN" sz="1800" b="0" strike="noStrike" spc="-1">
-                <a:solidFill>
-                  <a:srgbClr val="000000"/>
-                </a:solidFill>
-                <a:latin typeface="Calibri"/>
-              </a:rPr>
-              <a:t>Pre-process this stunning amount of data in real time and store only the relevant for further analysis</a:t>
-            </a:r>
-            <a:endParaRPr lang="en-IN" sz="1800" b="0" strike="noStrike" spc="-1">
-              <a:latin typeface="Arial"/>
+            <a:endParaRPr lang="en-IN" sz="1600" b="0" strike="noStrike" spc="-1" dirty="0">
+              <a:latin typeface="Calibri" panose="020F0502020204030204" pitchFamily="34" charset="0"/>
+              <a:cs typeface="Calibri" panose="020F0502020204030204" pitchFamily="34" charset="0"/>
             </a:endParaRPr>
           </a:p>
         </p:txBody>
       </p:sp>
       <p:pic>
         <p:nvPicPr>
-          <p:cNvPr id="156" name="Picture 3"/>
+          <p:cNvPr id="159" name="Picture 6"/>
           <p:cNvPicPr/>
           <p:nvPr/>
         </p:nvPicPr>
@@ -11786,8 +10650,31 @@
         </p:blipFill>
         <p:spPr>
           <a:xfrm>
-            <a:off x="6030000" y="4752360"/>
-            <a:ext cx="3078000" cy="2060640"/>
+            <a:off x="107820" y="4070206"/>
+            <a:ext cx="4464000" cy="1658160"/>
+          </a:xfrm>
+          <a:prstGeom prst="rect">
+            <a:avLst/>
+          </a:prstGeom>
+          <a:ln>
+            <a:noFill/>
+          </a:ln>
+        </p:spPr>
+      </p:pic>
+      <p:pic>
+        <p:nvPicPr>
+          <p:cNvPr id="160" name="Picture 5"/>
+          <p:cNvPicPr/>
+          <p:nvPr/>
+        </p:nvPicPr>
+        <p:blipFill>
+          <a:blip r:embed="rId4"/>
+          <a:stretch/>
+        </p:blipFill>
+        <p:spPr>
+          <a:xfrm>
+            <a:off x="4428180" y="4143466"/>
+            <a:ext cx="4608000" cy="1511640"/>
           </a:xfrm>
           <a:prstGeom prst="rect">
             <a:avLst/>
@@ -11887,7 +10774,7 @@
                 </a:solidFill>
                 <a:latin typeface="Gill Sans"/>
               </a:rPr>
-              <a:t>Programming</a:t>
+              <a:t>Programing</a:t>
             </a:r>
             <a:r>
               <a:rPr lang="fr-FR" sz="3200" b="1" strike="noStrike" cap="all" spc="-1" dirty="0">
@@ -11896,7 +10783,7 @@
                 </a:solidFill>
                 <a:latin typeface="Gill Sans"/>
               </a:rPr>
-              <a:t> Concepts- Data types</a:t>
+              <a:t> Concepts- OOP</a:t>
             </a:r>
             <a:endParaRPr lang="fr-FR" sz="3200" b="0" strike="noStrike" spc="-1" dirty="0">
               <a:solidFill>
@@ -11916,7 +10803,7 @@
         <p:spPr>
           <a:xfrm>
             <a:off x="345908" y="1197000"/>
-            <a:ext cx="8064360" cy="2448000"/>
+            <a:ext cx="8064360" cy="3165480"/>
           </a:xfrm>
           <a:prstGeom prst="rect">
             <a:avLst/>
@@ -11963,22 +10850,8 @@
                 <a:latin typeface="Calibri" panose="020F0502020204030204" pitchFamily="34" charset="0"/>
                 <a:cs typeface="Calibri" panose="020F0502020204030204" pitchFamily="34" charset="0"/>
               </a:rPr>
-              <a:t>Data types - Integer, float,  string and </a:t>
+              <a:t>Functional vs. object oriented programming</a:t>
             </a:r>
-            <a:r>
-              <a:rPr lang="en-IN" sz="1600" b="0" strike="noStrike" spc="-1" dirty="0" err="1">
-                <a:solidFill>
-                  <a:srgbClr val="000000"/>
-                </a:solidFill>
-                <a:latin typeface="Calibri" panose="020F0502020204030204" pitchFamily="34" charset="0"/>
-                <a:cs typeface="Calibri" panose="020F0502020204030204" pitchFamily="34" charset="0"/>
-              </a:rPr>
-              <a:t>boolean</a:t>
-            </a:r>
-            <a:endParaRPr lang="en-IN" sz="1600" b="0" strike="noStrike" spc="-1" dirty="0">
-              <a:latin typeface="Calibri" panose="020F0502020204030204" pitchFamily="34" charset="0"/>
-              <a:cs typeface="Calibri" panose="020F0502020204030204" pitchFamily="34" charset="0"/>
-            </a:endParaRPr>
           </a:p>
           <a:p>
             <a:pPr marL="514440" indent="-514080">
@@ -12002,7 +10875,7 @@
                 <a:latin typeface="Calibri" panose="020F0502020204030204" pitchFamily="34" charset="0"/>
                 <a:cs typeface="Calibri" panose="020F0502020204030204" pitchFamily="34" charset="0"/>
               </a:rPr>
-              <a:t>Data structures – lists, dictionaries and tuples </a:t>
+              <a:t>Object Oriented Programming (OOP) </a:t>
             </a:r>
             <a:endParaRPr lang="en-IN" sz="1600" b="0" strike="noStrike" spc="-1" dirty="0">
               <a:latin typeface="Calibri" panose="020F0502020204030204" pitchFamily="34" charset="0"/>
@@ -12031,31 +10904,15 @@
                 <a:latin typeface="Calibri" panose="020F0502020204030204" pitchFamily="34" charset="0"/>
                 <a:cs typeface="Calibri" panose="020F0502020204030204" pitchFamily="34" charset="0"/>
               </a:rPr>
-              <a:t>Data structures combine the basic datatypes (integer, float, string, </a:t>
+              <a:t>Data over actions </a:t>
             </a:r>
-            <a:r>
-              <a:rPr lang="en-IN" sz="1600" b="0" strike="noStrike" spc="-1" dirty="0" err="1">
-                <a:solidFill>
-                  <a:srgbClr val="000000"/>
-                </a:solidFill>
-                <a:latin typeface="Calibri" panose="020F0502020204030204" pitchFamily="34" charset="0"/>
-                <a:cs typeface="Calibri" panose="020F0502020204030204" pitchFamily="34" charset="0"/>
-              </a:rPr>
-              <a:t>boolean</a:t>
-            </a:r>
-            <a:r>
-              <a:rPr lang="en-IN" sz="1600" b="0" strike="noStrike" spc="-1" dirty="0">
-                <a:solidFill>
-                  <a:srgbClr val="000000"/>
-                </a:solidFill>
-                <a:latin typeface="Calibri" panose="020F0502020204030204" pitchFamily="34" charset="0"/>
-                <a:cs typeface="Calibri" panose="020F0502020204030204" pitchFamily="34" charset="0"/>
-              </a:rPr>
-              <a:t>) to create more complex types</a:t>
-            </a:r>
-          </a:p>
-          <a:p>
-            <a:pPr marL="514440" indent="-514080">
+            <a:endParaRPr lang="en-IN" sz="1600" b="0" strike="noStrike" spc="-1" dirty="0">
+              <a:latin typeface="Calibri" panose="020F0502020204030204" pitchFamily="34" charset="0"/>
+              <a:cs typeface="Calibri" panose="020F0502020204030204" pitchFamily="34" charset="0"/>
+            </a:endParaRPr>
+          </a:p>
+          <a:p>
+            <a:pPr marL="971640" lvl="1" indent="-514080">
               <a:lnSpc>
                 <a:spcPct val="150000"/>
               </a:lnSpc>
@@ -12069,25 +10926,22 @@
               <a:buChar char=""/>
             </a:pPr>
             <a:r>
-              <a:rPr lang="en-IN" sz="1600" spc="-1" dirty="0">
+              <a:rPr lang="en-IN" sz="1600" b="0" strike="noStrike" spc="-1" dirty="0">
                 <a:solidFill>
                   <a:srgbClr val="000000"/>
                 </a:solidFill>
                 <a:latin typeface="Calibri" panose="020F0502020204030204" pitchFamily="34" charset="0"/>
                 <a:cs typeface="Calibri" panose="020F0502020204030204" pitchFamily="34" charset="0"/>
               </a:rPr>
-              <a:t>Mutable vs. immutable </a:t>
+              <a:t>What we really care about are the objects we want to manipulate rather than the logic required to manipulate them</a:t>
             </a:r>
             <a:endParaRPr lang="en-IN" sz="1600" b="0" strike="noStrike" spc="-1" dirty="0">
-              <a:solidFill>
-                <a:srgbClr val="000000"/>
-              </a:solidFill>
               <a:latin typeface="Calibri" panose="020F0502020204030204" pitchFamily="34" charset="0"/>
               <a:cs typeface="Calibri" panose="020F0502020204030204" pitchFamily="34" charset="0"/>
             </a:endParaRPr>
           </a:p>
           <a:p>
-            <a:pPr marL="514440" indent="-514080">
+            <a:pPr marL="971640" lvl="1" indent="-514080">
               <a:lnSpc>
                 <a:spcPct val="150000"/>
               </a:lnSpc>
@@ -12101,41 +10955,15 @@
               <a:buChar char=""/>
             </a:pPr>
             <a:r>
-              <a:rPr lang="en-IN" sz="1600" spc="-1" dirty="0">
+              <a:rPr lang="en-IN" sz="1600" b="0" strike="noStrike" spc="-1" dirty="0">
                 <a:solidFill>
                   <a:srgbClr val="000000"/>
                 </a:solidFill>
                 <a:latin typeface="Calibri" panose="020F0502020204030204" pitchFamily="34" charset="0"/>
                 <a:cs typeface="Calibri" panose="020F0502020204030204" pitchFamily="34" charset="0"/>
               </a:rPr>
-              <a:t>Data frame - </a:t>
+              <a:t>Classes and objects</a:t>
             </a:r>
-            <a:r>
-              <a:rPr lang="en-GB" sz="1600" dirty="0">
-                <a:latin typeface="Calibri" panose="020F0502020204030204" pitchFamily="34" charset="0"/>
-                <a:cs typeface="Calibri" panose="020F0502020204030204" pitchFamily="34" charset="0"/>
-              </a:rPr>
-              <a:t>"tabular" data: a data structure representing cases (rows), each of which consists of a number of measurements (columns). </a:t>
-            </a:r>
-            <a:endParaRPr lang="en-IN" sz="1600" spc="-1" dirty="0">
-              <a:latin typeface="Calibri" panose="020F0502020204030204" pitchFamily="34" charset="0"/>
-              <a:cs typeface="Calibri" panose="020F0502020204030204" pitchFamily="34" charset="0"/>
-            </a:endParaRPr>
-          </a:p>
-          <a:p>
-            <a:pPr marL="514440" indent="-514080">
-              <a:lnSpc>
-                <a:spcPct val="150000"/>
-              </a:lnSpc>
-              <a:spcBef>
-                <a:spcPts val="320"/>
-              </a:spcBef>
-              <a:buClr>
-                <a:srgbClr val="139CF8"/>
-              </a:buClr>
-              <a:buFont typeface="Wingdings" charset="2"/>
-              <a:buChar char=""/>
-            </a:pPr>
             <a:endParaRPr lang="en-IN" sz="1600" b="0" strike="noStrike" spc="-1" dirty="0">
               <a:latin typeface="Calibri" panose="020F0502020204030204" pitchFamily="34" charset="0"/>
               <a:cs typeface="Calibri" panose="020F0502020204030204" pitchFamily="34" charset="0"/>
@@ -12143,53 +10971,12 @@
           </a:p>
         </p:txBody>
       </p:sp>
-      <p:pic>
-        <p:nvPicPr>
-          <p:cNvPr id="159" name="Picture 6"/>
-          <p:cNvPicPr/>
-          <p:nvPr/>
-        </p:nvPicPr>
-        <p:blipFill>
-          <a:blip r:embed="rId3"/>
-          <a:stretch/>
-        </p:blipFill>
-        <p:spPr>
-          <a:xfrm>
-            <a:off x="107820" y="4070206"/>
-            <a:ext cx="4464000" cy="1658160"/>
-          </a:xfrm>
-          <a:prstGeom prst="rect">
-            <a:avLst/>
-          </a:prstGeom>
-          <a:ln>
-            <a:noFill/>
-          </a:ln>
-        </p:spPr>
-      </p:pic>
-      <p:pic>
-        <p:nvPicPr>
-          <p:cNvPr id="160" name="Picture 5"/>
-          <p:cNvPicPr/>
-          <p:nvPr/>
-        </p:nvPicPr>
-        <p:blipFill>
-          <a:blip r:embed="rId4"/>
-          <a:stretch/>
-        </p:blipFill>
-        <p:spPr>
-          <a:xfrm>
-            <a:off x="4428180" y="4143466"/>
-            <a:ext cx="4608000" cy="1511640"/>
-          </a:xfrm>
-          <a:prstGeom prst="rect">
-            <a:avLst/>
-          </a:prstGeom>
-          <a:ln>
-            <a:noFill/>
-          </a:ln>
-        </p:spPr>
-      </p:pic>
     </p:spTree>
+    <p:extLst>
+      <p:ext uri="{BB962C8B-B14F-4D97-AF65-F5344CB8AC3E}">
+        <p14:creationId xmlns:p14="http://schemas.microsoft.com/office/powerpoint/2010/main" val="2039090370"/>
+      </p:ext>
+    </p:extLst>
   </p:cSld>
   <p:clrMapOvr>
     <a:masterClrMapping/>
@@ -12246,7 +11033,7 @@
       </p:grpSpPr>
       <p:sp>
         <p:nvSpPr>
-          <p:cNvPr id="157" name="TextShape 1"/>
+          <p:cNvPr id="161" name="TextShape 1"/>
           <p:cNvSpPr txBox="1"/>
           <p:nvPr/>
         </p:nvSpPr>
@@ -12273,42 +11060,200 @@
               </a:lnSpc>
             </a:pPr>
             <a:r>
-              <a:rPr lang="fr-FR" sz="3200" b="1" strike="noStrike" cap="all" spc="-1" dirty="0" err="1">
+              <a:rPr lang="fr-FR" sz="3200" b="1" strike="noStrike" cap="all" spc="-1">
                 <a:solidFill>
                   <a:srgbClr val="084C8D"/>
                 </a:solidFill>
                 <a:latin typeface="Gill Sans"/>
               </a:rPr>
-              <a:t>Programing</a:t>
+              <a:t>Programing Concepts – FUNCTIONS AND MODULES</a:t>
             </a:r>
+            <a:endParaRPr lang="fr-FR" sz="3200" b="0" strike="noStrike" spc="-1">
+              <a:solidFill>
+                <a:srgbClr val="000000"/>
+              </a:solidFill>
+              <a:latin typeface="Gill Sans MT"/>
+            </a:endParaRPr>
+          </a:p>
+        </p:txBody>
+      </p:sp>
+      <p:sp>
+        <p:nvSpPr>
+          <p:cNvPr id="162" name="TextShape 2"/>
+          <p:cNvSpPr txBox="1"/>
+          <p:nvPr/>
+        </p:nvSpPr>
+        <p:spPr>
+          <a:xfrm>
+            <a:off x="539640" y="1412640"/>
+            <a:ext cx="8424720" cy="1439640"/>
+          </a:xfrm>
+          <a:prstGeom prst="rect">
+            <a:avLst/>
+          </a:prstGeom>
+          <a:noFill/>
+          <a:ln>
+            <a:noFill/>
+          </a:ln>
+        </p:spPr>
+        <p:txBody>
+          <a:bodyPr lIns="90000" tIns="45000" rIns="90000" bIns="45000"/>
+          <a:lstStyle/>
+          <a:p>
+            <a:pPr marL="514440" indent="-514080">
+              <a:lnSpc>
+                <a:spcPct val="110000"/>
+              </a:lnSpc>
+              <a:spcBef>
+                <a:spcPts val="320"/>
+              </a:spcBef>
+              <a:buClr>
+                <a:srgbClr val="084C8D"/>
+              </a:buClr>
+              <a:buFont typeface="Wingdings" charset="2"/>
+              <a:buChar char=""/>
+            </a:pPr>
             <a:r>
-              <a:rPr lang="fr-FR" sz="3200" b="1" strike="noStrike" cap="all" spc="-1" dirty="0">
+              <a:rPr lang="fr-FR" sz="1600" b="0" strike="noStrike" spc="-1">
                 <a:solidFill>
-                  <a:srgbClr val="084C8D"/>
+                  <a:srgbClr val="000000"/>
+                </a:solidFill>
+                <a:latin typeface="Calibri"/>
+              </a:rPr>
+              <a:t>Block of organized, reusable code that is used to perform a single, related action </a:t>
+            </a:r>
+            <a:endParaRPr lang="fr-FR" sz="1600" b="0" strike="noStrike" spc="-1">
+              <a:solidFill>
+                <a:srgbClr val="000000"/>
+              </a:solidFill>
+              <a:latin typeface="Gill Sans MT"/>
+            </a:endParaRPr>
+          </a:p>
+          <a:p>
+            <a:pPr marL="514440" indent="-514080">
+              <a:lnSpc>
+                <a:spcPct val="110000"/>
+              </a:lnSpc>
+              <a:spcBef>
+                <a:spcPts val="320"/>
+              </a:spcBef>
+              <a:buClr>
+                <a:srgbClr val="084C8D"/>
+              </a:buClr>
+              <a:buFont typeface="Wingdings" charset="2"/>
+              <a:buChar char=""/>
+            </a:pPr>
+            <a:r>
+              <a:rPr lang="fr-FR" sz="1600" b="0" strike="noStrike" spc="-1">
+                <a:solidFill>
+                  <a:srgbClr val="000000"/>
+                </a:solidFill>
+                <a:latin typeface="Calibri"/>
+              </a:rPr>
+              <a:t>Provide better modularity for your application and a high degree of code reusing </a:t>
+            </a:r>
+            <a:endParaRPr lang="fr-FR" sz="1600" b="0" strike="noStrike" spc="-1">
+              <a:solidFill>
+                <a:srgbClr val="000000"/>
+              </a:solidFill>
+              <a:latin typeface="Gill Sans MT"/>
+            </a:endParaRPr>
+          </a:p>
+          <a:p>
+            <a:pPr marL="514440" indent="-514080">
+              <a:lnSpc>
+                <a:spcPct val="110000"/>
+              </a:lnSpc>
+              <a:spcBef>
+                <a:spcPts val="320"/>
+              </a:spcBef>
+              <a:buClr>
+                <a:srgbClr val="084C8D"/>
+              </a:buClr>
+              <a:buFont typeface="Wingdings" charset="2"/>
+              <a:buChar char=""/>
+            </a:pPr>
+            <a:r>
+              <a:rPr lang="fr-FR" sz="1600" b="0" strike="noStrike" spc="-1">
+                <a:solidFill>
+                  <a:srgbClr val="000000"/>
                 </a:solidFill>
                 <a:latin typeface="Gill Sans"/>
               </a:rPr>
-              <a:t> Concepts- OOP</a:t>
+              <a:t>Python gives you many built-in functions like print(), len() etc..</a:t>
             </a:r>
-            <a:endParaRPr lang="fr-FR" sz="3200" b="0" strike="noStrike" spc="-1" dirty="0">
-              <a:solidFill>
-                <a:srgbClr val="000000"/>
-              </a:solidFill>
-              <a:latin typeface="Gill Sans MT"/>
-            </a:endParaRPr>
-          </a:p>
-        </p:txBody>
-      </p:sp>
-      <p:sp>
-        <p:nvSpPr>
-          <p:cNvPr id="158" name="CustomShape 2"/>
+            <a:endParaRPr lang="fr-FR" sz="1600" b="0" strike="noStrike" spc="-1">
+              <a:solidFill>
+                <a:srgbClr val="000000"/>
+              </a:solidFill>
+              <a:latin typeface="Gill Sans MT"/>
+            </a:endParaRPr>
+          </a:p>
+          <a:p>
+            <a:pPr marL="514440" indent="-514080">
+              <a:lnSpc>
+                <a:spcPct val="110000"/>
+              </a:lnSpc>
+              <a:spcBef>
+                <a:spcPts val="320"/>
+              </a:spcBef>
+              <a:buClr>
+                <a:srgbClr val="084C8D"/>
+              </a:buClr>
+              <a:buFont typeface="Wingdings" charset="2"/>
+              <a:buChar char=""/>
+            </a:pPr>
+            <a:r>
+              <a:rPr lang="fr-FR" sz="1600" b="0" strike="noStrike" spc="-1">
+                <a:solidFill>
+                  <a:srgbClr val="000000"/>
+                </a:solidFill>
+                <a:latin typeface="Calibri"/>
+              </a:rPr>
+              <a:t>It is also possible to define user-defined functions</a:t>
+            </a:r>
+            <a:endParaRPr lang="fr-FR" sz="1600" b="0" strike="noStrike" spc="-1">
+              <a:solidFill>
+                <a:srgbClr val="000000"/>
+              </a:solidFill>
+              <a:latin typeface="Gill Sans MT"/>
+            </a:endParaRPr>
+          </a:p>
+        </p:txBody>
+      </p:sp>
+      <p:pic>
+        <p:nvPicPr>
+          <p:cNvPr id="163" name="Picture 3"/>
+          <p:cNvPicPr/>
+          <p:nvPr/>
+        </p:nvPicPr>
+        <p:blipFill>
+          <a:blip r:embed="rId3"/>
+          <a:stretch/>
+        </p:blipFill>
+        <p:spPr>
+          <a:xfrm>
+            <a:off x="1691640" y="2853000"/>
+            <a:ext cx="5616360" cy="2396880"/>
+          </a:xfrm>
+          <a:prstGeom prst="rect">
+            <a:avLst/>
+          </a:prstGeom>
+          <a:ln>
+            <a:noFill/>
+          </a:ln>
+        </p:spPr>
+      </p:pic>
+      <p:sp>
+        <p:nvSpPr>
+          <p:cNvPr id="164" name="CustomShape 3"/>
           <p:cNvSpPr/>
           <p:nvPr/>
         </p:nvSpPr>
         <p:spPr>
           <a:xfrm>
-            <a:off x="345908" y="1197000"/>
-            <a:ext cx="8064360" cy="3165480"/>
+            <a:off x="539640" y="5301360"/>
+            <a:ext cx="8424720" cy="647640"/>
           </a:xfrm>
           <a:prstGeom prst="rect">
             <a:avLst/>
@@ -12336,10 +11281,10 @@
           <a:p>
             <a:pPr marL="514440" indent="-514080">
               <a:lnSpc>
-                <a:spcPct val="150000"/>
+                <a:spcPct val="110000"/>
               </a:lnSpc>
               <a:spcBef>
-                <a:spcPts val="360"/>
+                <a:spcPts val="320"/>
               </a:spcBef>
               <a:buClr>
                 <a:srgbClr val="084C8D"/>
@@ -12348,23 +11293,34 @@
               <a:buChar char=""/>
             </a:pPr>
             <a:r>
-              <a:rPr lang="en-IN" sz="1600" b="0" strike="noStrike" spc="-1" dirty="0">
+              <a:rPr lang="en-IN" sz="1600" b="0" strike="noStrike" spc="-1">
                 <a:solidFill>
                   <a:srgbClr val="000000"/>
                 </a:solidFill>
-                <a:latin typeface="Calibri" panose="020F0502020204030204" pitchFamily="34" charset="0"/>
-                <a:cs typeface="Calibri" panose="020F0502020204030204" pitchFamily="34" charset="0"/>
-              </a:rPr>
-              <a:t>Functional vs. object oriented programming</a:t>
+                <a:latin typeface="Calibri"/>
+              </a:rPr>
+              <a:t>Module :  </a:t>
             </a:r>
+            <a:r>
+              <a:rPr lang="en-IN" sz="1600" b="0" strike="noStrike" spc="-1">
+                <a:solidFill>
+                  <a:srgbClr val="000000"/>
+                </a:solidFill>
+                <a:latin typeface="Gill Sans"/>
+              </a:rPr>
+              <a:t>A set of related functions can be grouped together as module</a:t>
+            </a:r>
+            <a:endParaRPr lang="en-IN" sz="1600" b="0" strike="noStrike" spc="-1">
+              <a:latin typeface="Arial"/>
+            </a:endParaRPr>
           </a:p>
           <a:p>
             <a:pPr marL="514440" indent="-514080">
               <a:lnSpc>
-                <a:spcPct val="150000"/>
+                <a:spcPct val="100000"/>
               </a:lnSpc>
               <a:spcBef>
-                <a:spcPts val="360"/>
+                <a:spcPts val="320"/>
               </a:spcBef>
               <a:buClr>
                 <a:srgbClr val="084C8D"/>
@@ -12373,115 +11329,74 @@
               <a:buChar char=""/>
             </a:pPr>
             <a:r>
-              <a:rPr lang="en-IN" sz="1600" b="0" strike="noStrike" spc="-1" dirty="0">
+              <a:rPr lang="en-IN" sz="1600" b="0" strike="noStrike" spc="-1">
                 <a:solidFill>
                   <a:srgbClr val="000000"/>
                 </a:solidFill>
-                <a:latin typeface="Calibri" panose="020F0502020204030204" pitchFamily="34" charset="0"/>
-                <a:cs typeface="Calibri" panose="020F0502020204030204" pitchFamily="34" charset="0"/>
-              </a:rPr>
-              <a:t>Object Oriented Programming (OOP) </a:t>
+                <a:latin typeface="Gill Sans"/>
+              </a:rPr>
+              <a:t>The open source community continuously builds modules and makes it available for us</a:t>
             </a:r>
-            <a:endParaRPr lang="en-IN" sz="1600" b="0" strike="noStrike" spc="-1" dirty="0">
-              <a:latin typeface="Calibri" panose="020F0502020204030204" pitchFamily="34" charset="0"/>
-              <a:cs typeface="Calibri" panose="020F0502020204030204" pitchFamily="34" charset="0"/>
-            </a:endParaRPr>
-          </a:p>
-          <a:p>
-            <a:pPr marL="971640" lvl="1" indent="-514080">
+            <a:endParaRPr lang="en-IN" sz="1600" b="0" strike="noStrike" spc="-1">
+              <a:latin typeface="Arial"/>
+            </a:endParaRPr>
+          </a:p>
+          <a:p>
+            <a:pPr marL="514440" indent="-514080">
               <a:lnSpc>
-                <a:spcPct val="150000"/>
+                <a:spcPct val="100000"/>
               </a:lnSpc>
               <a:spcBef>
                 <a:spcPts val="320"/>
               </a:spcBef>
               <a:buClr>
-                <a:srgbClr val="139CF8"/>
+                <a:srgbClr val="084C8D"/>
               </a:buClr>
               <a:buFont typeface="Wingdings" charset="2"/>
               <a:buChar char=""/>
             </a:pPr>
             <a:r>
-              <a:rPr lang="en-IN" sz="1600" b="0" strike="noStrike" spc="-1" dirty="0">
+              <a:rPr lang="en-IN" sz="1600" b="0" strike="noStrike" spc="-1">
                 <a:solidFill>
                   <a:srgbClr val="000000"/>
                 </a:solidFill>
-                <a:latin typeface="Calibri" panose="020F0502020204030204" pitchFamily="34" charset="0"/>
-                <a:cs typeface="Calibri" panose="020F0502020204030204" pitchFamily="34" charset="0"/>
-              </a:rPr>
-              <a:t>Data over actions </a:t>
+                <a:latin typeface="Gill Sans"/>
+              </a:rPr>
+              <a:t>To access these modules we need to use the "import command” eg. import random</a:t>
             </a:r>
-            <a:endParaRPr lang="en-IN" sz="1600" b="0" strike="noStrike" spc="-1" dirty="0">
-              <a:latin typeface="Calibri" panose="020F0502020204030204" pitchFamily="34" charset="0"/>
-              <a:cs typeface="Calibri" panose="020F0502020204030204" pitchFamily="34" charset="0"/>
-            </a:endParaRPr>
-          </a:p>
-          <a:p>
-            <a:pPr marL="971640" lvl="1" indent="-514080">
+            <a:endParaRPr lang="en-IN" sz="1600" b="0" strike="noStrike" spc="-1">
+              <a:latin typeface="Arial"/>
+            </a:endParaRPr>
+          </a:p>
+          <a:p>
+            <a:pPr>
               <a:lnSpc>
-                <a:spcPct val="150000"/>
+                <a:spcPct val="110000"/>
               </a:lnSpc>
               <a:spcBef>
                 <a:spcPts val="320"/>
               </a:spcBef>
-              <a:buClr>
-                <a:srgbClr val="139CF8"/>
-              </a:buClr>
-              <a:buFont typeface="Wingdings" charset="2"/>
-              <a:buChar char=""/>
             </a:pPr>
-            <a:r>
-              <a:rPr lang="en-IN" sz="1600" b="0" strike="noStrike" spc="-1" dirty="0">
-                <a:solidFill>
-                  <a:srgbClr val="000000"/>
-                </a:solidFill>
-                <a:latin typeface="Calibri" panose="020F0502020204030204" pitchFamily="34" charset="0"/>
-                <a:cs typeface="Calibri" panose="020F0502020204030204" pitchFamily="34" charset="0"/>
-              </a:rPr>
-              <a:t>What we really care about are the objects we want to manipulate rather than the logic required to manipulate them</a:t>
-            </a:r>
-            <a:endParaRPr lang="en-IN" sz="1600" b="0" strike="noStrike" spc="-1" dirty="0">
-              <a:latin typeface="Calibri" panose="020F0502020204030204" pitchFamily="34" charset="0"/>
-              <a:cs typeface="Calibri" panose="020F0502020204030204" pitchFamily="34" charset="0"/>
-            </a:endParaRPr>
-          </a:p>
-          <a:p>
-            <a:pPr marL="971640" lvl="1" indent="-514080">
+            <a:endParaRPr lang="en-IN" sz="1600" b="0" strike="noStrike" spc="-1">
+              <a:latin typeface="Arial"/>
+            </a:endParaRPr>
+          </a:p>
+          <a:p>
+            <a:pPr>
               <a:lnSpc>
-                <a:spcPct val="150000"/>
+                <a:spcPct val="110000"/>
               </a:lnSpc>
               <a:spcBef>
                 <a:spcPts val="320"/>
               </a:spcBef>
-              <a:buClr>
-                <a:srgbClr val="139CF8"/>
-              </a:buClr>
-              <a:buFont typeface="Wingdings" charset="2"/>
-              <a:buChar char=""/>
             </a:pPr>
-            <a:r>
-              <a:rPr lang="en-IN" sz="1600" b="0" strike="noStrike" spc="-1" dirty="0">
-                <a:solidFill>
-                  <a:srgbClr val="000000"/>
-                </a:solidFill>
-                <a:latin typeface="Calibri" panose="020F0502020204030204" pitchFamily="34" charset="0"/>
-                <a:cs typeface="Calibri" panose="020F0502020204030204" pitchFamily="34" charset="0"/>
-              </a:rPr>
-              <a:t>Classes and objects</a:t>
-            </a:r>
-            <a:endParaRPr lang="en-IN" sz="1600" b="0" strike="noStrike" spc="-1" dirty="0">
-              <a:latin typeface="Calibri" panose="020F0502020204030204" pitchFamily="34" charset="0"/>
-              <a:cs typeface="Calibri" panose="020F0502020204030204" pitchFamily="34" charset="0"/>
+            <a:endParaRPr lang="en-IN" sz="1600" b="0" strike="noStrike" spc="-1">
+              <a:latin typeface="Arial"/>
             </a:endParaRPr>
           </a:p>
         </p:txBody>
       </p:sp>
     </p:spTree>
-    <p:extLst>
-      <p:ext uri="{BB962C8B-B14F-4D97-AF65-F5344CB8AC3E}">
-        <p14:creationId xmlns:p14="http://schemas.microsoft.com/office/powerpoint/2010/main" val="2039090370"/>
-      </p:ext>
-    </p:extLst>
   </p:cSld>
   <p:clrMapOvr>
     <a:masterClrMapping/>
@@ -12538,7 +11453,7 @@
       </p:grpSpPr>
       <p:sp>
         <p:nvSpPr>
-          <p:cNvPr id="161" name="TextShape 1"/>
+          <p:cNvPr id="165" name="TextShape 1"/>
           <p:cNvSpPr txBox="1"/>
           <p:nvPr/>
         </p:nvSpPr>
@@ -12571,7 +11486,7 @@
                 </a:solidFill>
                 <a:latin typeface="Gill Sans"/>
               </a:rPr>
-              <a:t>Programing Concepts – FUNCTIONS AND MODULES</a:t>
+              <a:t>Programing Concepts – CONDITIONS AND CONTROLS</a:t>
             </a:r>
             <a:endParaRPr lang="fr-FR" sz="3200" b="0" strike="noStrike" spc="-1">
               <a:solidFill>
@@ -12584,181 +11499,14 @@
       </p:sp>
       <p:sp>
         <p:nvSpPr>
-          <p:cNvPr id="162" name="TextShape 2"/>
-          <p:cNvSpPr txBox="1"/>
-          <p:nvPr/>
-        </p:nvSpPr>
-        <p:spPr>
-          <a:xfrm>
-            <a:off x="539640" y="1412640"/>
-            <a:ext cx="8424720" cy="1439640"/>
-          </a:xfrm>
-          <a:prstGeom prst="rect">
-            <a:avLst/>
-          </a:prstGeom>
-          <a:noFill/>
-          <a:ln>
-            <a:noFill/>
-          </a:ln>
-        </p:spPr>
-        <p:txBody>
-          <a:bodyPr lIns="90000" tIns="45000" rIns="90000" bIns="45000"/>
-          <a:lstStyle/>
-          <a:p>
-            <a:pPr marL="514440" indent="-514080">
-              <a:lnSpc>
-                <a:spcPct val="110000"/>
-              </a:lnSpc>
-              <a:spcBef>
-                <a:spcPts val="320"/>
-              </a:spcBef>
-              <a:buClr>
-                <a:srgbClr val="084C8D"/>
-              </a:buClr>
-              <a:buFont typeface="Wingdings" charset="2"/>
-              <a:buChar char=""/>
-            </a:pPr>
-            <a:r>
-              <a:rPr lang="fr-FR" sz="1600" b="0" strike="noStrike" spc="-1">
-                <a:solidFill>
-                  <a:srgbClr val="000000"/>
-                </a:solidFill>
-                <a:latin typeface="Calibri"/>
-              </a:rPr>
-              <a:t>Block of organized, reusable code that is used to perform a single, related action </a:t>
-            </a:r>
-            <a:endParaRPr lang="fr-FR" sz="1600" b="0" strike="noStrike" spc="-1">
-              <a:solidFill>
-                <a:srgbClr val="000000"/>
-              </a:solidFill>
-              <a:latin typeface="Gill Sans MT"/>
-            </a:endParaRPr>
-          </a:p>
-          <a:p>
-            <a:pPr marL="514440" indent="-514080">
-              <a:lnSpc>
-                <a:spcPct val="110000"/>
-              </a:lnSpc>
-              <a:spcBef>
-                <a:spcPts val="320"/>
-              </a:spcBef>
-              <a:buClr>
-                <a:srgbClr val="084C8D"/>
-              </a:buClr>
-              <a:buFont typeface="Wingdings" charset="2"/>
-              <a:buChar char=""/>
-            </a:pPr>
-            <a:r>
-              <a:rPr lang="fr-FR" sz="1600" b="0" strike="noStrike" spc="-1">
-                <a:solidFill>
-                  <a:srgbClr val="000000"/>
-                </a:solidFill>
-                <a:latin typeface="Calibri"/>
-              </a:rPr>
-              <a:t>Provide better modularity for your application and a high degree of code reusing </a:t>
-            </a:r>
-            <a:endParaRPr lang="fr-FR" sz="1600" b="0" strike="noStrike" spc="-1">
-              <a:solidFill>
-                <a:srgbClr val="000000"/>
-              </a:solidFill>
-              <a:latin typeface="Gill Sans MT"/>
-            </a:endParaRPr>
-          </a:p>
-          <a:p>
-            <a:pPr marL="514440" indent="-514080">
-              <a:lnSpc>
-                <a:spcPct val="110000"/>
-              </a:lnSpc>
-              <a:spcBef>
-                <a:spcPts val="320"/>
-              </a:spcBef>
-              <a:buClr>
-                <a:srgbClr val="084C8D"/>
-              </a:buClr>
-              <a:buFont typeface="Wingdings" charset="2"/>
-              <a:buChar char=""/>
-            </a:pPr>
-            <a:r>
-              <a:rPr lang="fr-FR" sz="1600" b="0" strike="noStrike" spc="-1">
-                <a:solidFill>
-                  <a:srgbClr val="000000"/>
-                </a:solidFill>
-                <a:latin typeface="Gill Sans"/>
-              </a:rPr>
-              <a:t>Python gives you many built-in functions like print(), len() etc..</a:t>
-            </a:r>
-            <a:endParaRPr lang="fr-FR" sz="1600" b="0" strike="noStrike" spc="-1">
-              <a:solidFill>
-                <a:srgbClr val="000000"/>
-              </a:solidFill>
-              <a:latin typeface="Gill Sans MT"/>
-            </a:endParaRPr>
-          </a:p>
-          <a:p>
-            <a:pPr marL="514440" indent="-514080">
-              <a:lnSpc>
-                <a:spcPct val="110000"/>
-              </a:lnSpc>
-              <a:spcBef>
-                <a:spcPts val="320"/>
-              </a:spcBef>
-              <a:buClr>
-                <a:srgbClr val="084C8D"/>
-              </a:buClr>
-              <a:buFont typeface="Wingdings" charset="2"/>
-              <a:buChar char=""/>
-            </a:pPr>
-            <a:r>
-              <a:rPr lang="fr-FR" sz="1600" b="0" strike="noStrike" spc="-1">
-                <a:solidFill>
-                  <a:srgbClr val="000000"/>
-                </a:solidFill>
-                <a:latin typeface="Calibri"/>
-              </a:rPr>
-              <a:t>It is also possible to define user-defined functions</a:t>
-            </a:r>
-            <a:endParaRPr lang="fr-FR" sz="1600" b="0" strike="noStrike" spc="-1">
-              <a:solidFill>
-                <a:srgbClr val="000000"/>
-              </a:solidFill>
-              <a:latin typeface="Gill Sans MT"/>
-            </a:endParaRPr>
-          </a:p>
-        </p:txBody>
-      </p:sp>
-      <p:pic>
-        <p:nvPicPr>
-          <p:cNvPr id="163" name="Picture 3"/>
-          <p:cNvPicPr/>
-          <p:nvPr/>
-        </p:nvPicPr>
-        <p:blipFill>
-          <a:blip r:embed="rId3"/>
-          <a:stretch/>
-        </p:blipFill>
-        <p:spPr>
-          <a:xfrm>
-            <a:off x="1691640" y="2853000"/>
-            <a:ext cx="5616360" cy="2396880"/>
-          </a:xfrm>
-          <a:prstGeom prst="rect">
-            <a:avLst/>
-          </a:prstGeom>
-          <a:ln>
-            <a:noFill/>
-          </a:ln>
-        </p:spPr>
-      </p:pic>
-      <p:sp>
-        <p:nvSpPr>
-          <p:cNvPr id="164" name="CustomShape 3"/>
+          <p:cNvPr id="166" name="CustomShape 2"/>
           <p:cNvSpPr/>
           <p:nvPr/>
         </p:nvSpPr>
         <p:spPr>
           <a:xfrm>
-            <a:off x="539640" y="5301360"/>
-            <a:ext cx="8424720" cy="647640"/>
+            <a:off x="251640" y="1628640"/>
+            <a:ext cx="8280720" cy="2448000"/>
           </a:xfrm>
           <a:prstGeom prst="rect">
             <a:avLst/>
@@ -12784,12 +11532,12 @@
           <a:bodyPr lIns="90000" tIns="45000" rIns="90000" bIns="45000"/>
           <a:lstStyle/>
           <a:p>
-            <a:pPr marL="514440" indent="-514080">
+            <a:pPr marL="360000" indent="-359640">
               <a:lnSpc>
-                <a:spcPct val="110000"/>
+                <a:spcPct val="150000"/>
               </a:lnSpc>
               <a:spcBef>
-                <a:spcPts val="320"/>
+                <a:spcPts val="99"/>
               </a:spcBef>
               <a:buClr>
                 <a:srgbClr val="084C8D"/>
@@ -12804,28 +11552,19 @@
                 </a:solidFill>
                 <a:latin typeface="Calibri"/>
               </a:rPr>
-              <a:t>Module :  </a:t>
-            </a:r>
-            <a:r>
-              <a:rPr lang="en-IN" sz="1600" b="0" strike="noStrike" spc="-1">
-                <a:solidFill>
-                  <a:srgbClr val="000000"/>
-                </a:solidFill>
-                <a:latin typeface="Gill Sans"/>
-              </a:rPr>
-              <a:t>A set of related functions can be grouped together as module</a:t>
+              <a:t>Evaluate expressions which produce TRUE or FALSE as outcome</a:t>
             </a:r>
             <a:endParaRPr lang="en-IN" sz="1600" b="0" strike="noStrike" spc="-1">
               <a:latin typeface="Arial"/>
             </a:endParaRPr>
           </a:p>
           <a:p>
-            <a:pPr marL="514440" indent="-514080">
+            <a:pPr marL="360000" indent="-359640">
               <a:lnSpc>
-                <a:spcPct val="100000"/>
+                <a:spcPct val="150000"/>
               </a:lnSpc>
               <a:spcBef>
-                <a:spcPts val="320"/>
+                <a:spcPts val="99"/>
               </a:spcBef>
               <a:buClr>
                 <a:srgbClr val="084C8D"/>
@@ -12838,21 +11577,21 @@
                 <a:solidFill>
                   <a:srgbClr val="000000"/>
                 </a:solidFill>
-                <a:latin typeface="Gill Sans"/>
-              </a:rPr>
-              <a:t>The open source community continuously builds modules and makes it available for us</a:t>
+                <a:latin typeface="Calibri"/>
+              </a:rPr>
+              <a:t>Based on the outcome of the expression a specific block of code is executed</a:t>
             </a:r>
             <a:endParaRPr lang="en-IN" sz="1600" b="0" strike="noStrike" spc="-1">
               <a:latin typeface="Arial"/>
             </a:endParaRPr>
           </a:p>
           <a:p>
-            <a:pPr marL="514440" indent="-514080">
+            <a:pPr marL="360000" indent="-359640">
               <a:lnSpc>
-                <a:spcPct val="100000"/>
+                <a:spcPct val="150000"/>
               </a:lnSpc>
               <a:spcBef>
-                <a:spcPts val="320"/>
+                <a:spcPts val="99"/>
               </a:spcBef>
               <a:buClr>
                 <a:srgbClr val="084C8D"/>
@@ -12865,41 +11604,136 @@
                 <a:solidFill>
                   <a:srgbClr val="000000"/>
                 </a:solidFill>
-                <a:latin typeface="Gill Sans"/>
-              </a:rPr>
-              <a:t>To access these modules we need to use the "import command” eg. import random</a:t>
+                <a:latin typeface="Calibri"/>
+              </a:rPr>
+              <a:t>The expressions could be: equality (==) , inequality (!=), less/greater than (&lt;)(&gt;), less/greater than or equal  (&lt;=) (&gt;=), membership (in, not in)</a:t>
             </a:r>
             <a:endParaRPr lang="en-IN" sz="1600" b="0" strike="noStrike" spc="-1">
               <a:latin typeface="Arial"/>
             </a:endParaRPr>
           </a:p>
           <a:p>
-            <a:pPr>
+            <a:pPr marL="360000" indent="-359640">
               <a:lnSpc>
-                <a:spcPct val="110000"/>
+                <a:spcPct val="150000"/>
               </a:lnSpc>
               <a:spcBef>
-                <a:spcPts val="320"/>
+                <a:spcPts val="99"/>
               </a:spcBef>
+              <a:buClr>
+                <a:srgbClr val="084C8D"/>
+              </a:buClr>
+              <a:buFont typeface="Wingdings" charset="2"/>
+              <a:buChar char=""/>
             </a:pPr>
+            <a:r>
+              <a:rPr lang="en-IN" sz="1600" b="0" strike="noStrike" spc="-1">
+                <a:solidFill>
+                  <a:srgbClr val="000000"/>
+                </a:solidFill>
+                <a:latin typeface="Calibri"/>
+              </a:rPr>
+              <a:t>Expressions can be combined using "and" and "or" and "and not"</a:t>
+            </a:r>
             <a:endParaRPr lang="en-IN" sz="1600" b="0" strike="noStrike" spc="-1">
               <a:latin typeface="Arial"/>
             </a:endParaRPr>
           </a:p>
-          <a:p>
-            <a:pPr>
-              <a:lnSpc>
-                <a:spcPct val="110000"/>
-              </a:lnSpc>
-              <a:spcBef>
-                <a:spcPts val="320"/>
-              </a:spcBef>
-            </a:pPr>
-            <a:endParaRPr lang="en-IN" sz="1600" b="0" strike="noStrike" spc="-1">
-              <a:latin typeface="Arial"/>
-            </a:endParaRPr>
-          </a:p>
-        </p:txBody>
+        </p:txBody>
+      </p:sp>
+      <p:pic>
+        <p:nvPicPr>
+          <p:cNvPr id="167" name="Picture 1"/>
+          <p:cNvPicPr/>
+          <p:nvPr/>
+        </p:nvPicPr>
+        <p:blipFill>
+          <a:blip r:embed="rId3"/>
+          <a:stretch/>
+        </p:blipFill>
+        <p:spPr>
+          <a:xfrm>
+            <a:off x="395640" y="3645000"/>
+            <a:ext cx="2304000" cy="2934000"/>
+          </a:xfrm>
+          <a:prstGeom prst="rect">
+            <a:avLst/>
+          </a:prstGeom>
+          <a:ln>
+            <a:noFill/>
+          </a:ln>
+        </p:spPr>
+      </p:pic>
+      <p:pic>
+        <p:nvPicPr>
+          <p:cNvPr id="168" name="Picture 12"/>
+          <p:cNvPicPr/>
+          <p:nvPr/>
+        </p:nvPicPr>
+        <p:blipFill>
+          <a:blip r:embed="rId4"/>
+          <a:stretch/>
+        </p:blipFill>
+        <p:spPr>
+          <a:xfrm>
+            <a:off x="2539800" y="3717000"/>
+            <a:ext cx="6603840" cy="2664000"/>
+          </a:xfrm>
+          <a:prstGeom prst="rect">
+            <a:avLst/>
+          </a:prstGeom>
+          <a:ln>
+            <a:noFill/>
+          </a:ln>
+        </p:spPr>
+      </p:pic>
+      <p:sp>
+        <p:nvSpPr>
+          <p:cNvPr id="169" name="CustomShape 3"/>
+          <p:cNvSpPr/>
+          <p:nvPr/>
+        </p:nvSpPr>
+        <p:spPr>
+          <a:xfrm>
+            <a:off x="3492000" y="4221000"/>
+            <a:ext cx="5579640" cy="287640"/>
+          </a:xfrm>
+          <a:prstGeom prst="rect">
+            <a:avLst/>
+          </a:prstGeom>
+          <a:solidFill>
+            <a:schemeClr val="bg1">
+              <a:lumMod val="95000"/>
+            </a:schemeClr>
+          </a:solidFill>
+          <a:ln>
+            <a:solidFill>
+              <a:schemeClr val="bg1">
+                <a:lumMod val="95000"/>
+              </a:schemeClr>
+            </a:solidFill>
+            <a:round/>
+          </a:ln>
+          <a:effectLst>
+            <a:outerShdw blurRad="40000" dist="23000" dir="5400000" rotWithShape="0">
+              <a:srgbClr val="000000">
+                <a:alpha val="35000"/>
+              </a:srgbClr>
+            </a:outerShdw>
+          </a:effectLst>
+        </p:spPr>
+        <p:style>
+          <a:lnRef idx="1">
+            <a:schemeClr val="accent1"/>
+          </a:lnRef>
+          <a:fillRef idx="3">
+            <a:schemeClr val="accent1"/>
+          </a:fillRef>
+          <a:effectRef idx="2">
+            <a:schemeClr val="accent1"/>
+          </a:effectRef>
+          <a:fontRef idx="minor"/>
+        </p:style>
       </p:sp>
     </p:spTree>
   </p:cSld>

--- a/Session 1/Python - Session 1 May 2019.pptx
+++ b/Session 1/Python - Session 1 May 2019.pptx
@@ -8385,15 +8385,123 @@
               <a:buChar char=""/>
             </a:pPr>
             <a:r>
-              <a:rPr lang="fr-FR" sz="1600" b="0" strike="noStrike" spc="-1">
+              <a:rPr lang="fr-FR" sz="1600" b="0" strike="noStrike" spc="-1" dirty="0">
                 <a:solidFill>
                   <a:srgbClr val="000000"/>
                 </a:solidFill>
                 <a:latin typeface="Calibri"/>
               </a:rPr>
-              <a:t>A loop statement allows us to execute a statement or group of statements multiple times</a:t>
-            </a:r>
-            <a:endParaRPr lang="fr-FR" sz="1600" b="0" strike="noStrike" spc="-1">
+              <a:t>A </a:t>
+            </a:r>
+            <a:r>
+              <a:rPr lang="fr-FR" sz="1600" b="0" strike="noStrike" spc="-1" dirty="0" err="1">
+                <a:solidFill>
+                  <a:srgbClr val="000000"/>
+                </a:solidFill>
+                <a:latin typeface="Calibri"/>
+              </a:rPr>
+              <a:t>loop</a:t>
+            </a:r>
+            <a:r>
+              <a:rPr lang="fr-FR" sz="1600" b="0" strike="noStrike" spc="-1" dirty="0">
+                <a:solidFill>
+                  <a:srgbClr val="000000"/>
+                </a:solidFill>
+                <a:latin typeface="Calibri"/>
+              </a:rPr>
+              <a:t> </a:t>
+            </a:r>
+            <a:r>
+              <a:rPr lang="fr-FR" sz="1600" b="0" strike="noStrike" spc="-1" dirty="0" err="1">
+                <a:solidFill>
+                  <a:srgbClr val="000000"/>
+                </a:solidFill>
+                <a:latin typeface="Calibri"/>
+              </a:rPr>
+              <a:t>statement</a:t>
+            </a:r>
+            <a:r>
+              <a:rPr lang="fr-FR" sz="1600" b="0" strike="noStrike" spc="-1" dirty="0">
+                <a:solidFill>
+                  <a:srgbClr val="000000"/>
+                </a:solidFill>
+                <a:latin typeface="Calibri"/>
+              </a:rPr>
+              <a:t> </a:t>
+            </a:r>
+            <a:r>
+              <a:rPr lang="fr-FR" sz="1600" b="0" strike="noStrike" spc="-1" dirty="0" err="1">
+                <a:solidFill>
+                  <a:srgbClr val="000000"/>
+                </a:solidFill>
+                <a:latin typeface="Calibri"/>
+              </a:rPr>
+              <a:t>allows</a:t>
+            </a:r>
+            <a:r>
+              <a:rPr lang="fr-FR" sz="1600" b="0" strike="noStrike" spc="-1" dirty="0">
+                <a:solidFill>
+                  <a:srgbClr val="000000"/>
+                </a:solidFill>
+                <a:latin typeface="Calibri"/>
+              </a:rPr>
+              <a:t> us to </a:t>
+            </a:r>
+            <a:r>
+              <a:rPr lang="fr-FR" sz="1600" b="0" strike="noStrike" spc="-1" dirty="0" err="1">
+                <a:solidFill>
+                  <a:srgbClr val="000000"/>
+                </a:solidFill>
+                <a:latin typeface="Calibri"/>
+              </a:rPr>
+              <a:t>execute</a:t>
+            </a:r>
+            <a:r>
+              <a:rPr lang="fr-FR" sz="1600" b="0" strike="noStrike" spc="-1" dirty="0">
+                <a:solidFill>
+                  <a:srgbClr val="000000"/>
+                </a:solidFill>
+                <a:latin typeface="Calibri"/>
+              </a:rPr>
+              <a:t> a </a:t>
+            </a:r>
+            <a:r>
+              <a:rPr lang="fr-FR" sz="1600" b="0" strike="noStrike" spc="-1" dirty="0" err="1">
+                <a:solidFill>
+                  <a:srgbClr val="000000"/>
+                </a:solidFill>
+                <a:latin typeface="Calibri"/>
+              </a:rPr>
+              <a:t>statement</a:t>
+            </a:r>
+            <a:r>
+              <a:rPr lang="fr-FR" sz="1600" b="0" strike="noStrike" spc="-1" dirty="0">
+                <a:solidFill>
+                  <a:srgbClr val="000000"/>
+                </a:solidFill>
+                <a:latin typeface="Calibri"/>
+              </a:rPr>
+              <a:t> or group of </a:t>
+            </a:r>
+            <a:r>
+              <a:rPr lang="fr-FR" sz="1600" b="0" strike="noStrike" spc="-1" dirty="0" err="1">
+                <a:solidFill>
+                  <a:srgbClr val="000000"/>
+                </a:solidFill>
+                <a:latin typeface="Calibri"/>
+              </a:rPr>
+              <a:t>statements</a:t>
+            </a:r>
+            <a:r>
+              <a:rPr lang="fr-FR" sz="1600" b="0" strike="noStrike" spc="-1" dirty="0">
+                <a:solidFill>
+                  <a:srgbClr val="000000"/>
+                </a:solidFill>
+                <a:latin typeface="Calibri"/>
+              </a:rPr>
+              <a:t> multiple times</a:t>
+            </a:r>
+            <a:endParaRPr lang="fr-FR" sz="1600" b="0" strike="noStrike" spc="-1" dirty="0">
               <a:solidFill>
                 <a:srgbClr val="000000"/>
               </a:solidFill>
@@ -8415,15 +8523,177 @@
               <a:buChar char=""/>
             </a:pPr>
             <a:r>
-              <a:rPr lang="fr-FR" sz="1600" b="0" strike="noStrike" spc="-1">
+              <a:rPr lang="fr-FR" sz="1600" b="0" strike="noStrike" spc="-1" dirty="0" err="1">
                 <a:solidFill>
                   <a:srgbClr val="000000"/>
                 </a:solidFill>
                 <a:latin typeface="Calibri"/>
               </a:rPr>
-              <a:t>While loop is the simplest loop which executes a block of code until and expression is True</a:t>
-            </a:r>
-            <a:endParaRPr lang="fr-FR" sz="1600" b="0" strike="noStrike" spc="-1">
+              <a:t>While</a:t>
+            </a:r>
+            <a:r>
+              <a:rPr lang="fr-FR" sz="1600" b="0" strike="noStrike" spc="-1" dirty="0">
+                <a:solidFill>
+                  <a:srgbClr val="000000"/>
+                </a:solidFill>
+                <a:latin typeface="Calibri"/>
+              </a:rPr>
+              <a:t> </a:t>
+            </a:r>
+            <a:r>
+              <a:rPr lang="fr-FR" sz="1600" b="0" strike="noStrike" spc="-1" dirty="0" err="1">
+                <a:solidFill>
+                  <a:srgbClr val="000000"/>
+                </a:solidFill>
+                <a:latin typeface="Calibri"/>
+              </a:rPr>
+              <a:t>loop</a:t>
+            </a:r>
+            <a:r>
+              <a:rPr lang="fr-FR" sz="1600" b="0" strike="noStrike" spc="-1" dirty="0">
+                <a:solidFill>
+                  <a:srgbClr val="000000"/>
+                </a:solidFill>
+                <a:latin typeface="Calibri"/>
+              </a:rPr>
+              <a:t> </a:t>
+            </a:r>
+            <a:r>
+              <a:rPr lang="fr-FR" sz="1600" b="0" strike="noStrike" spc="-1" dirty="0" err="1">
+                <a:solidFill>
+                  <a:srgbClr val="000000"/>
+                </a:solidFill>
+                <a:latin typeface="Calibri"/>
+              </a:rPr>
+              <a:t>is</a:t>
+            </a:r>
+            <a:r>
+              <a:rPr lang="fr-FR" sz="1600" b="0" strike="noStrike" spc="-1" dirty="0">
+                <a:solidFill>
+                  <a:srgbClr val="000000"/>
+                </a:solidFill>
+                <a:latin typeface="Calibri"/>
+              </a:rPr>
+              <a:t> the </a:t>
+            </a:r>
+            <a:r>
+              <a:rPr lang="fr-FR" sz="1600" b="0" strike="noStrike" spc="-1" dirty="0" err="1">
+                <a:solidFill>
+                  <a:srgbClr val="000000"/>
+                </a:solidFill>
+                <a:latin typeface="Calibri"/>
+              </a:rPr>
+              <a:t>simplest</a:t>
+            </a:r>
+            <a:r>
+              <a:rPr lang="fr-FR" sz="1600" b="0" strike="noStrike" spc="-1" dirty="0">
+                <a:solidFill>
+                  <a:srgbClr val="000000"/>
+                </a:solidFill>
+                <a:latin typeface="Calibri"/>
+              </a:rPr>
+              <a:t> </a:t>
+            </a:r>
+            <a:r>
+              <a:rPr lang="fr-FR" sz="1600" b="0" strike="noStrike" spc="-1" dirty="0" err="1">
+                <a:solidFill>
+                  <a:srgbClr val="000000"/>
+                </a:solidFill>
+                <a:latin typeface="Calibri"/>
+              </a:rPr>
+              <a:t>loop</a:t>
+            </a:r>
+            <a:r>
+              <a:rPr lang="fr-FR" sz="1600" b="0" strike="noStrike" spc="-1" dirty="0">
+                <a:solidFill>
+                  <a:srgbClr val="000000"/>
+                </a:solidFill>
+                <a:latin typeface="Calibri"/>
+              </a:rPr>
+              <a:t> </a:t>
+            </a:r>
+            <a:r>
+              <a:rPr lang="fr-FR" sz="1600" b="0" strike="noStrike" spc="-1" dirty="0" err="1">
+                <a:solidFill>
+                  <a:srgbClr val="000000"/>
+                </a:solidFill>
+                <a:latin typeface="Calibri"/>
+              </a:rPr>
+              <a:t>which</a:t>
+            </a:r>
+            <a:r>
+              <a:rPr lang="fr-FR" sz="1600" b="0" strike="noStrike" spc="-1" dirty="0">
+                <a:solidFill>
+                  <a:srgbClr val="000000"/>
+                </a:solidFill>
+                <a:latin typeface="Calibri"/>
+              </a:rPr>
+              <a:t> </a:t>
+            </a:r>
+            <a:r>
+              <a:rPr lang="fr-FR" sz="1600" b="0" strike="noStrike" spc="-1" dirty="0" err="1">
+                <a:solidFill>
+                  <a:srgbClr val="000000"/>
+                </a:solidFill>
+                <a:latin typeface="Calibri"/>
+              </a:rPr>
+              <a:t>executes</a:t>
+            </a:r>
+            <a:r>
+              <a:rPr lang="fr-FR" sz="1600" b="0" strike="noStrike" spc="-1" dirty="0">
+                <a:solidFill>
+                  <a:srgbClr val="000000"/>
+                </a:solidFill>
+                <a:latin typeface="Calibri"/>
+              </a:rPr>
+              <a:t> a block of code </a:t>
+            </a:r>
+            <a:r>
+              <a:rPr lang="fr-FR" sz="1600" b="0" strike="noStrike" spc="-1" dirty="0" err="1">
+                <a:solidFill>
+                  <a:srgbClr val="000000"/>
+                </a:solidFill>
+                <a:latin typeface="Calibri"/>
+              </a:rPr>
+              <a:t>until</a:t>
+            </a:r>
+            <a:r>
+              <a:rPr lang="fr-FR" sz="1600" b="0" strike="noStrike" spc="-1" dirty="0">
+                <a:solidFill>
+                  <a:srgbClr val="000000"/>
+                </a:solidFill>
+                <a:latin typeface="Calibri"/>
+              </a:rPr>
+              <a:t> and expression </a:t>
+            </a:r>
+            <a:r>
+              <a:rPr lang="fr-FR" sz="1600" b="0" strike="noStrike" spc="-1" dirty="0" err="1">
+                <a:solidFill>
+                  <a:srgbClr val="000000"/>
+                </a:solidFill>
+                <a:latin typeface="Calibri"/>
+              </a:rPr>
+              <a:t>is</a:t>
+            </a:r>
+            <a:r>
+              <a:rPr lang="fr-FR" sz="1600" b="0" strike="noStrike" spc="-1" dirty="0">
+                <a:solidFill>
+                  <a:srgbClr val="000000"/>
+                </a:solidFill>
+                <a:latin typeface="Calibri"/>
+              </a:rPr>
+              <a:t> </a:t>
+            </a:r>
+            <a:r>
+              <a:rPr lang="fr-FR" sz="1600" b="0" strike="noStrike" spc="-1" dirty="0" err="1">
+                <a:solidFill>
+                  <a:srgbClr val="000000"/>
+                </a:solidFill>
+                <a:latin typeface="Calibri"/>
+              </a:rPr>
+              <a:t>True</a:t>
+            </a:r>
+            <a:endParaRPr lang="fr-FR" sz="1600" b="0" strike="noStrike" spc="-1" dirty="0">
               <a:solidFill>
                 <a:srgbClr val="000000"/>
               </a:solidFill>
@@ -8445,15 +8715,96 @@
               <a:buChar char=""/>
             </a:pPr>
             <a:r>
-              <a:rPr lang="fr-FR" sz="1600" b="0" strike="noStrike" spc="-1">
+              <a:rPr lang="fr-FR" sz="1600" b="0" strike="noStrike" spc="-1" dirty="0">
                 <a:solidFill>
                   <a:srgbClr val="000000"/>
                 </a:solidFill>
                 <a:latin typeface="Calibri"/>
               </a:rPr>
-              <a:t>A 'break' command can be used to exit any loop prematurely</a:t>
-            </a:r>
-            <a:endParaRPr lang="fr-FR" sz="1600" b="0" strike="noStrike" spc="-1">
+              <a:t>A 'break' command can </a:t>
+            </a:r>
+            <a:r>
+              <a:rPr lang="fr-FR" sz="1600" b="0" strike="noStrike" spc="-1" dirty="0" err="1">
+                <a:solidFill>
+                  <a:srgbClr val="000000"/>
+                </a:solidFill>
+                <a:latin typeface="Calibri"/>
+              </a:rPr>
+              <a:t>be</a:t>
+            </a:r>
+            <a:r>
+              <a:rPr lang="fr-FR" sz="1600" b="0" strike="noStrike" spc="-1" dirty="0">
+                <a:solidFill>
+                  <a:srgbClr val="000000"/>
+                </a:solidFill>
+                <a:latin typeface="Calibri"/>
+              </a:rPr>
+              <a:t> </a:t>
+            </a:r>
+            <a:r>
+              <a:rPr lang="fr-FR" sz="1600" b="0" strike="noStrike" spc="-1" dirty="0" err="1">
+                <a:solidFill>
+                  <a:srgbClr val="000000"/>
+                </a:solidFill>
+                <a:latin typeface="Calibri"/>
+              </a:rPr>
+              <a:t>used</a:t>
+            </a:r>
+            <a:r>
+              <a:rPr lang="fr-FR" sz="1600" b="0" strike="noStrike" spc="-1" dirty="0">
+                <a:solidFill>
+                  <a:srgbClr val="000000"/>
+                </a:solidFill>
+                <a:latin typeface="Calibri"/>
+              </a:rPr>
+              <a:t> to exit </a:t>
+            </a:r>
+            <a:r>
+              <a:rPr lang="fr-FR" sz="1600" b="0" strike="noStrike" spc="-1" dirty="0" err="1">
+                <a:solidFill>
+                  <a:srgbClr val="000000"/>
+                </a:solidFill>
+                <a:latin typeface="Calibri"/>
+              </a:rPr>
+              <a:t>any</a:t>
+            </a:r>
+            <a:r>
+              <a:rPr lang="fr-FR" sz="1600" b="0" strike="noStrike" spc="-1" dirty="0">
+                <a:solidFill>
+                  <a:srgbClr val="000000"/>
+                </a:solidFill>
+                <a:latin typeface="Calibri"/>
+              </a:rPr>
+              <a:t> </a:t>
+            </a:r>
+            <a:r>
+              <a:rPr lang="fr-FR" sz="1600" b="0" strike="noStrike" spc="-1" dirty="0" err="1">
+                <a:solidFill>
+                  <a:srgbClr val="000000"/>
+                </a:solidFill>
+                <a:latin typeface="Calibri"/>
+              </a:rPr>
+              <a:t>loop</a:t>
+            </a:r>
+            <a:r>
+              <a:rPr lang="fr-FR" sz="1600" b="0" strike="noStrike" spc="-1" dirty="0">
+                <a:solidFill>
+                  <a:srgbClr val="000000"/>
+                </a:solidFill>
+                <a:latin typeface="Calibri"/>
+              </a:rPr>
+              <a:t> </a:t>
+            </a:r>
+            <a:r>
+              <a:rPr lang="fr-FR" sz="1600" b="0" strike="noStrike" spc="-1" dirty="0" err="1">
+                <a:solidFill>
+                  <a:srgbClr val="000000"/>
+                </a:solidFill>
+                <a:latin typeface="Calibri"/>
+              </a:rPr>
+              <a:t>prematurely</a:t>
+            </a:r>
+            <a:endParaRPr lang="fr-FR" sz="1600" b="0" strike="noStrike" spc="-1" dirty="0">
               <a:solidFill>
                 <a:srgbClr val="000000"/>
               </a:solidFill>
@@ -8475,15 +8826,150 @@
               <a:buChar char=""/>
             </a:pPr>
             <a:r>
-              <a:rPr lang="fr-FR" sz="1600" b="0" strike="noStrike" spc="-1">
+              <a:rPr lang="fr-FR" sz="1600" b="0" strike="noStrike" spc="-1" dirty="0">
                 <a:solidFill>
                   <a:srgbClr val="000000"/>
                 </a:solidFill>
                 <a:latin typeface="Calibri"/>
               </a:rPr>
-              <a:t>A 'continue' command can be used to skip ahead to the next iterations without exiting the loop</a:t>
-            </a:r>
-            <a:endParaRPr lang="fr-FR" sz="1600" b="0" strike="noStrike" spc="-1">
+              <a:t>A 'continue' command can </a:t>
+            </a:r>
+            <a:r>
+              <a:rPr lang="fr-FR" sz="1600" b="0" strike="noStrike" spc="-1" dirty="0" err="1">
+                <a:solidFill>
+                  <a:srgbClr val="000000"/>
+                </a:solidFill>
+                <a:latin typeface="Calibri"/>
+              </a:rPr>
+              <a:t>be</a:t>
+            </a:r>
+            <a:r>
+              <a:rPr lang="fr-FR" sz="1600" b="0" strike="noStrike" spc="-1" dirty="0">
+                <a:solidFill>
+                  <a:srgbClr val="000000"/>
+                </a:solidFill>
+                <a:latin typeface="Calibri"/>
+              </a:rPr>
+              <a:t> </a:t>
+            </a:r>
+            <a:r>
+              <a:rPr lang="fr-FR" sz="1600" b="0" strike="noStrike" spc="-1" dirty="0" err="1">
+                <a:solidFill>
+                  <a:srgbClr val="000000"/>
+                </a:solidFill>
+                <a:latin typeface="Calibri"/>
+              </a:rPr>
+              <a:t>used</a:t>
+            </a:r>
+            <a:r>
+              <a:rPr lang="fr-FR" sz="1600" b="0" strike="noStrike" spc="-1" dirty="0">
+                <a:solidFill>
+                  <a:srgbClr val="000000"/>
+                </a:solidFill>
+                <a:latin typeface="Calibri"/>
+              </a:rPr>
+              <a:t> to skip </a:t>
+            </a:r>
+            <a:r>
+              <a:rPr lang="fr-FR" sz="1600" b="0" strike="noStrike" spc="-1" dirty="0" err="1">
+                <a:solidFill>
+                  <a:srgbClr val="000000"/>
+                </a:solidFill>
+                <a:latin typeface="Calibri"/>
+              </a:rPr>
+              <a:t>ahead</a:t>
+            </a:r>
+            <a:r>
+              <a:rPr lang="fr-FR" sz="1600" b="0" strike="noStrike" spc="-1" dirty="0">
+                <a:solidFill>
+                  <a:srgbClr val="000000"/>
+                </a:solidFill>
+                <a:latin typeface="Calibri"/>
+              </a:rPr>
+              <a:t> to the </a:t>
+            </a:r>
+            <a:r>
+              <a:rPr lang="fr-FR" sz="1600" b="0" strike="noStrike" spc="-1" dirty="0" err="1">
+                <a:solidFill>
+                  <a:srgbClr val="000000"/>
+                </a:solidFill>
+                <a:latin typeface="Calibri"/>
+              </a:rPr>
+              <a:t>next</a:t>
+            </a:r>
+            <a:r>
+              <a:rPr lang="fr-FR" sz="1600" b="0" strike="noStrike" spc="-1" dirty="0">
+                <a:solidFill>
+                  <a:srgbClr val="000000"/>
+                </a:solidFill>
+                <a:latin typeface="Calibri"/>
+              </a:rPr>
+              <a:t> </a:t>
+            </a:r>
+            <a:r>
+              <a:rPr lang="fr-FR" sz="1600" b="0" strike="noStrike" spc="-1" dirty="0" err="1">
+                <a:solidFill>
+                  <a:srgbClr val="000000"/>
+                </a:solidFill>
+                <a:latin typeface="Calibri"/>
+              </a:rPr>
+              <a:t>iterations</a:t>
+            </a:r>
+            <a:r>
+              <a:rPr lang="fr-FR" sz="1600" b="0" strike="noStrike" spc="-1" dirty="0">
+                <a:solidFill>
+                  <a:srgbClr val="000000"/>
+                </a:solidFill>
+                <a:latin typeface="Calibri"/>
+              </a:rPr>
+              <a:t> </a:t>
+            </a:r>
+            <a:r>
+              <a:rPr lang="fr-FR" sz="1600" b="0" strike="noStrike" spc="-1" dirty="0" err="1">
+                <a:solidFill>
+                  <a:srgbClr val="000000"/>
+                </a:solidFill>
+                <a:latin typeface="Calibri"/>
+              </a:rPr>
+              <a:t>without</a:t>
+            </a:r>
+            <a:r>
+              <a:rPr lang="fr-FR" sz="1600" b="0" strike="noStrike" spc="-1" dirty="0">
+                <a:solidFill>
+                  <a:srgbClr val="000000"/>
+                </a:solidFill>
+                <a:latin typeface="Calibri"/>
+              </a:rPr>
+              <a:t> </a:t>
+            </a:r>
+            <a:r>
+              <a:rPr lang="fr-FR" sz="1600" b="0" strike="noStrike" spc="-1" dirty="0" err="1">
+                <a:solidFill>
+                  <a:srgbClr val="000000"/>
+                </a:solidFill>
+                <a:latin typeface="Calibri"/>
+              </a:rPr>
+              <a:t>exiting</a:t>
+            </a:r>
+            <a:r>
+              <a:rPr lang="fr-FR" sz="1600" b="0" strike="noStrike" spc="-1" dirty="0">
+                <a:solidFill>
+                  <a:srgbClr val="000000"/>
+                </a:solidFill>
+                <a:latin typeface="Calibri"/>
+              </a:rPr>
+              <a:t> the </a:t>
+            </a:r>
+            <a:r>
+              <a:rPr lang="fr-FR" sz="1600" b="0" strike="noStrike" spc="-1" dirty="0" err="1">
+                <a:solidFill>
+                  <a:srgbClr val="000000"/>
+                </a:solidFill>
+                <a:latin typeface="Calibri"/>
+              </a:rPr>
+              <a:t>loop</a:t>
+            </a:r>
+            <a:endParaRPr lang="fr-FR" sz="1600" b="0" strike="noStrike" spc="-1" dirty="0">
               <a:solidFill>
                 <a:srgbClr val="000000"/>
               </a:solidFill>
@@ -10550,7 +11036,7 @@
             </a:r>
           </a:p>
           <a:p>
-            <a:pPr marL="514440" indent="-514080">
+            <a:pPr marL="971640" lvl="1" indent="-514080">
               <a:lnSpc>
                 <a:spcPct val="150000"/>
               </a:lnSpc>
@@ -10774,7 +11260,7 @@
                 </a:solidFill>
                 <a:latin typeface="Gill Sans"/>
               </a:rPr>
-              <a:t>Programing</a:t>
+              <a:t>Programming</a:t>
             </a:r>
             <a:r>
               <a:rPr lang="fr-FR" sz="3200" b="1" strike="noStrike" cap="all" spc="-1" dirty="0">
@@ -10881,6 +11367,31 @@
               <a:latin typeface="Calibri" panose="020F0502020204030204" pitchFamily="34" charset="0"/>
               <a:cs typeface="Calibri" panose="020F0502020204030204" pitchFamily="34" charset="0"/>
             </a:endParaRPr>
+          </a:p>
+          <a:p>
+            <a:pPr marL="971640" lvl="1" indent="-514080">
+              <a:lnSpc>
+                <a:spcPct val="150000"/>
+              </a:lnSpc>
+              <a:spcBef>
+                <a:spcPts val="320"/>
+              </a:spcBef>
+              <a:buClr>
+                <a:srgbClr val="139CF8"/>
+              </a:buClr>
+              <a:buFont typeface="Wingdings" charset="2"/>
+              <a:buChar char=""/>
+            </a:pPr>
+            <a:r>
+              <a:rPr lang="en-IN" sz="1600" b="0" strike="noStrike" spc="-1" dirty="0">
+                <a:solidFill>
+                  <a:srgbClr val="000000"/>
+                </a:solidFill>
+                <a:latin typeface="Calibri" panose="020F0502020204030204" pitchFamily="34" charset="0"/>
+                <a:cs typeface="Calibri" panose="020F0502020204030204" pitchFamily="34" charset="0"/>
+              </a:rPr>
+              <a:t>Example: C++, Python</a:t>
+            </a:r>
           </a:p>
           <a:p>
             <a:pPr marL="971640" lvl="1" indent="-514080">
@@ -11114,15 +11625,141 @@
               <a:buChar char=""/>
             </a:pPr>
             <a:r>
-              <a:rPr lang="fr-FR" sz="1600" b="0" strike="noStrike" spc="-1">
+              <a:rPr lang="fr-FR" sz="1600" b="0" strike="noStrike" spc="-1" dirty="0">
                 <a:solidFill>
                   <a:srgbClr val="000000"/>
                 </a:solidFill>
                 <a:latin typeface="Calibri"/>
               </a:rPr>
-              <a:t>Block of organized, reusable code that is used to perform a single, related action </a:t>
-            </a:r>
-            <a:endParaRPr lang="fr-FR" sz="1600" b="0" strike="noStrike" spc="-1">
+              <a:t>Block of </a:t>
+            </a:r>
+            <a:r>
+              <a:rPr lang="fr-FR" sz="1600" b="0" strike="noStrike" spc="-1" dirty="0" err="1">
+                <a:solidFill>
+                  <a:srgbClr val="000000"/>
+                </a:solidFill>
+                <a:latin typeface="Calibri"/>
+              </a:rPr>
+              <a:t>organized</a:t>
+            </a:r>
+            <a:r>
+              <a:rPr lang="fr-FR" sz="1600" b="0" strike="noStrike" spc="-1" dirty="0">
+                <a:solidFill>
+                  <a:srgbClr val="000000"/>
+                </a:solidFill>
+                <a:latin typeface="Calibri"/>
+              </a:rPr>
+              <a:t>, </a:t>
+            </a:r>
+            <a:r>
+              <a:rPr lang="fr-FR" sz="1600" b="0" strike="noStrike" spc="-1" dirty="0" err="1">
+                <a:solidFill>
+                  <a:srgbClr val="000000"/>
+                </a:solidFill>
+                <a:latin typeface="Calibri"/>
+              </a:rPr>
+              <a:t>reusable</a:t>
+            </a:r>
+            <a:r>
+              <a:rPr lang="fr-FR" sz="1600" b="0" strike="noStrike" spc="-1" dirty="0">
+                <a:solidFill>
+                  <a:srgbClr val="000000"/>
+                </a:solidFill>
+                <a:latin typeface="Calibri"/>
+              </a:rPr>
+              <a:t> code </a:t>
+            </a:r>
+            <a:r>
+              <a:rPr lang="fr-FR" sz="1600" b="0" strike="noStrike" spc="-1" dirty="0" err="1">
+                <a:solidFill>
+                  <a:srgbClr val="000000"/>
+                </a:solidFill>
+                <a:latin typeface="Calibri"/>
+              </a:rPr>
+              <a:t>that</a:t>
+            </a:r>
+            <a:r>
+              <a:rPr lang="fr-FR" sz="1600" b="0" strike="noStrike" spc="-1" dirty="0">
+                <a:solidFill>
+                  <a:srgbClr val="000000"/>
+                </a:solidFill>
+                <a:latin typeface="Calibri"/>
+              </a:rPr>
+              <a:t> </a:t>
+            </a:r>
+            <a:r>
+              <a:rPr lang="fr-FR" sz="1600" b="0" strike="noStrike" spc="-1" dirty="0" err="1">
+                <a:solidFill>
+                  <a:srgbClr val="000000"/>
+                </a:solidFill>
+                <a:latin typeface="Calibri"/>
+              </a:rPr>
+              <a:t>is</a:t>
+            </a:r>
+            <a:r>
+              <a:rPr lang="fr-FR" sz="1600" b="0" strike="noStrike" spc="-1" dirty="0">
+                <a:solidFill>
+                  <a:srgbClr val="000000"/>
+                </a:solidFill>
+                <a:latin typeface="Calibri"/>
+              </a:rPr>
+              <a:t> </a:t>
+            </a:r>
+            <a:r>
+              <a:rPr lang="fr-FR" sz="1600" b="0" strike="noStrike" spc="-1" dirty="0" err="1">
+                <a:solidFill>
+                  <a:srgbClr val="000000"/>
+                </a:solidFill>
+                <a:latin typeface="Calibri"/>
+              </a:rPr>
+              <a:t>used</a:t>
+            </a:r>
+            <a:r>
+              <a:rPr lang="fr-FR" sz="1600" b="0" strike="noStrike" spc="-1" dirty="0">
+                <a:solidFill>
+                  <a:srgbClr val="000000"/>
+                </a:solidFill>
+                <a:latin typeface="Calibri"/>
+              </a:rPr>
+              <a:t> to </a:t>
+            </a:r>
+            <a:r>
+              <a:rPr lang="fr-FR" sz="1600" b="0" strike="noStrike" spc="-1" dirty="0" err="1">
+                <a:solidFill>
+                  <a:srgbClr val="000000"/>
+                </a:solidFill>
+                <a:latin typeface="Calibri"/>
+              </a:rPr>
+              <a:t>perform</a:t>
+            </a:r>
+            <a:r>
+              <a:rPr lang="fr-FR" sz="1600" b="0" strike="noStrike" spc="-1" dirty="0">
+                <a:solidFill>
+                  <a:srgbClr val="000000"/>
+                </a:solidFill>
+                <a:latin typeface="Calibri"/>
+              </a:rPr>
+              <a:t> a single, </a:t>
+            </a:r>
+            <a:r>
+              <a:rPr lang="fr-FR" sz="1600" b="0" strike="noStrike" spc="-1" dirty="0" err="1">
+                <a:solidFill>
+                  <a:srgbClr val="000000"/>
+                </a:solidFill>
+                <a:latin typeface="Calibri"/>
+              </a:rPr>
+              <a:t>related</a:t>
+            </a:r>
+            <a:r>
+              <a:rPr lang="fr-FR" sz="1600" b="0" strike="noStrike" spc="-1" dirty="0">
+                <a:solidFill>
+                  <a:srgbClr val="000000"/>
+                </a:solidFill>
+                <a:latin typeface="Calibri"/>
+              </a:rPr>
+              <a:t> action </a:t>
+            </a:r>
+            <a:endParaRPr lang="fr-FR" sz="1600" b="0" strike="noStrike" spc="-1" dirty="0">
               <a:solidFill>
                 <a:srgbClr val="000000"/>
               </a:solidFill>
@@ -11144,15 +11781,114 @@
               <a:buChar char=""/>
             </a:pPr>
             <a:r>
-              <a:rPr lang="fr-FR" sz="1600" b="0" strike="noStrike" spc="-1">
+              <a:rPr lang="fr-FR" sz="1600" b="0" strike="noStrike" spc="-1" dirty="0" err="1">
                 <a:solidFill>
                   <a:srgbClr val="000000"/>
                 </a:solidFill>
                 <a:latin typeface="Calibri"/>
               </a:rPr>
-              <a:t>Provide better modularity for your application and a high degree of code reusing </a:t>
-            </a:r>
-            <a:endParaRPr lang="fr-FR" sz="1600" b="0" strike="noStrike" spc="-1">
+              <a:t>Provide</a:t>
+            </a:r>
+            <a:r>
+              <a:rPr lang="fr-FR" sz="1600" b="0" strike="noStrike" spc="-1" dirty="0">
+                <a:solidFill>
+                  <a:srgbClr val="000000"/>
+                </a:solidFill>
+                <a:latin typeface="Calibri"/>
+              </a:rPr>
+              <a:t> </a:t>
+            </a:r>
+            <a:r>
+              <a:rPr lang="fr-FR" sz="1600" b="0" strike="noStrike" spc="-1" dirty="0" err="1">
+                <a:solidFill>
+                  <a:srgbClr val="000000"/>
+                </a:solidFill>
+                <a:latin typeface="Calibri"/>
+              </a:rPr>
+              <a:t>better</a:t>
+            </a:r>
+            <a:r>
+              <a:rPr lang="fr-FR" sz="1600" b="0" strike="noStrike" spc="-1" dirty="0">
+                <a:solidFill>
+                  <a:srgbClr val="000000"/>
+                </a:solidFill>
+                <a:latin typeface="Calibri"/>
+              </a:rPr>
+              <a:t> </a:t>
+            </a:r>
+            <a:r>
+              <a:rPr lang="fr-FR" sz="1600" b="0" strike="noStrike" spc="-1" dirty="0" err="1">
+                <a:solidFill>
+                  <a:srgbClr val="000000"/>
+                </a:solidFill>
+                <a:latin typeface="Calibri"/>
+              </a:rPr>
+              <a:t>modularity</a:t>
+            </a:r>
+            <a:r>
+              <a:rPr lang="fr-FR" sz="1600" b="0" strike="noStrike" spc="-1" dirty="0">
+                <a:solidFill>
+                  <a:srgbClr val="000000"/>
+                </a:solidFill>
+                <a:latin typeface="Calibri"/>
+              </a:rPr>
+              <a:t> for </a:t>
+            </a:r>
+            <a:r>
+              <a:rPr lang="fr-FR" sz="1600" b="0" strike="noStrike" spc="-1" dirty="0" err="1">
+                <a:solidFill>
+                  <a:srgbClr val="000000"/>
+                </a:solidFill>
+                <a:latin typeface="Calibri"/>
+              </a:rPr>
+              <a:t>your</a:t>
+            </a:r>
+            <a:r>
+              <a:rPr lang="fr-FR" sz="1600" b="0" strike="noStrike" spc="-1" dirty="0">
+                <a:solidFill>
+                  <a:srgbClr val="000000"/>
+                </a:solidFill>
+                <a:latin typeface="Calibri"/>
+              </a:rPr>
+              <a:t> application and a high </a:t>
+            </a:r>
+            <a:r>
+              <a:rPr lang="fr-FR" sz="1600" b="0" strike="noStrike" spc="-1" dirty="0" err="1">
+                <a:solidFill>
+                  <a:srgbClr val="000000"/>
+                </a:solidFill>
+                <a:latin typeface="Calibri"/>
+              </a:rPr>
+              <a:t>degree</a:t>
+            </a:r>
+            <a:r>
+              <a:rPr lang="fr-FR" sz="1600" b="0" strike="noStrike" spc="-1" dirty="0">
+                <a:solidFill>
+                  <a:srgbClr val="000000"/>
+                </a:solidFill>
+                <a:latin typeface="Calibri"/>
+              </a:rPr>
+              <a:t> of code </a:t>
+            </a:r>
+            <a:r>
+              <a:rPr lang="fr-FR" sz="1600" b="0" strike="noStrike" spc="-1" dirty="0" err="1">
+                <a:solidFill>
+                  <a:srgbClr val="000000"/>
+                </a:solidFill>
+                <a:latin typeface="Calibri"/>
+              </a:rPr>
+              <a:t>reusing</a:t>
+            </a:r>
+            <a:r>
+              <a:rPr lang="fr-FR" sz="1600" b="0" strike="noStrike" spc="-1" dirty="0">
+                <a:solidFill>
+                  <a:srgbClr val="000000"/>
+                </a:solidFill>
+                <a:latin typeface="Calibri"/>
+              </a:rPr>
+              <a:t> </a:t>
+            </a:r>
+            <a:endParaRPr lang="fr-FR" sz="1600" b="0" strike="noStrike" spc="-1" dirty="0">
               <a:solidFill>
                 <a:srgbClr val="000000"/>
               </a:solidFill>
@@ -11174,15 +11910,141 @@
               <a:buChar char=""/>
             </a:pPr>
             <a:r>
-              <a:rPr lang="fr-FR" sz="1600" b="0" strike="noStrike" spc="-1">
+              <a:rPr lang="fr-FR" sz="1600" b="0" strike="noStrike" spc="-1" dirty="0">
                 <a:solidFill>
                   <a:srgbClr val="000000"/>
                 </a:solidFill>
                 <a:latin typeface="Gill Sans"/>
               </a:rPr>
-              <a:t>Python gives you many built-in functions like print(), len() etc..</a:t>
-            </a:r>
-            <a:endParaRPr lang="fr-FR" sz="1600" b="0" strike="noStrike" spc="-1">
+              <a:t>Python </a:t>
+            </a:r>
+            <a:r>
+              <a:rPr lang="fr-FR" sz="1600" b="0" strike="noStrike" spc="-1" dirty="0" err="1">
+                <a:solidFill>
+                  <a:srgbClr val="000000"/>
+                </a:solidFill>
+                <a:latin typeface="Gill Sans"/>
+              </a:rPr>
+              <a:t>gives</a:t>
+            </a:r>
+            <a:r>
+              <a:rPr lang="fr-FR" sz="1600" b="0" strike="noStrike" spc="-1" dirty="0">
+                <a:solidFill>
+                  <a:srgbClr val="000000"/>
+                </a:solidFill>
+                <a:latin typeface="Gill Sans"/>
+              </a:rPr>
+              <a:t> </a:t>
+            </a:r>
+            <a:r>
+              <a:rPr lang="fr-FR" sz="1600" b="0" strike="noStrike" spc="-1" dirty="0" err="1">
+                <a:solidFill>
+                  <a:srgbClr val="000000"/>
+                </a:solidFill>
+                <a:latin typeface="Gill Sans"/>
+              </a:rPr>
+              <a:t>you</a:t>
+            </a:r>
+            <a:r>
+              <a:rPr lang="fr-FR" sz="1600" b="0" strike="noStrike" spc="-1" dirty="0">
+                <a:solidFill>
+                  <a:srgbClr val="000000"/>
+                </a:solidFill>
+                <a:latin typeface="Gill Sans"/>
+              </a:rPr>
+              <a:t> </a:t>
+            </a:r>
+            <a:r>
+              <a:rPr lang="fr-FR" sz="1600" b="0" strike="noStrike" spc="-1" dirty="0" err="1">
+                <a:solidFill>
+                  <a:srgbClr val="000000"/>
+                </a:solidFill>
+                <a:latin typeface="Gill Sans"/>
+              </a:rPr>
+              <a:t>many</a:t>
+            </a:r>
+            <a:r>
+              <a:rPr lang="fr-FR" sz="1600" b="0" strike="noStrike" spc="-1" dirty="0">
+                <a:solidFill>
+                  <a:srgbClr val="000000"/>
+                </a:solidFill>
+                <a:latin typeface="Gill Sans"/>
+              </a:rPr>
+              <a:t> </a:t>
+            </a:r>
+            <a:r>
+              <a:rPr lang="fr-FR" sz="1600" b="0" strike="noStrike" spc="-1" dirty="0" err="1">
+                <a:solidFill>
+                  <a:srgbClr val="000000"/>
+                </a:solidFill>
+                <a:latin typeface="Gill Sans"/>
+              </a:rPr>
+              <a:t>built-in</a:t>
+            </a:r>
+            <a:r>
+              <a:rPr lang="fr-FR" sz="1600" b="0" strike="noStrike" spc="-1" dirty="0">
+                <a:solidFill>
+                  <a:srgbClr val="000000"/>
+                </a:solidFill>
+                <a:latin typeface="Gill Sans"/>
+              </a:rPr>
+              <a:t> </a:t>
+            </a:r>
+            <a:r>
+              <a:rPr lang="fr-FR" sz="1600" b="0" strike="noStrike" spc="-1" dirty="0" err="1">
+                <a:solidFill>
+                  <a:srgbClr val="000000"/>
+                </a:solidFill>
+                <a:latin typeface="Gill Sans"/>
+              </a:rPr>
+              <a:t>functions</a:t>
+            </a:r>
+            <a:r>
+              <a:rPr lang="fr-FR" sz="1600" b="0" strike="noStrike" spc="-1" dirty="0">
+                <a:solidFill>
+                  <a:srgbClr val="000000"/>
+                </a:solidFill>
+                <a:latin typeface="Gill Sans"/>
+              </a:rPr>
+              <a:t> like </a:t>
+            </a:r>
+            <a:r>
+              <a:rPr lang="fr-FR" sz="1600" b="0" strike="noStrike" spc="-1" dirty="0" err="1">
+                <a:solidFill>
+                  <a:srgbClr val="000000"/>
+                </a:solidFill>
+                <a:latin typeface="Gill Sans"/>
+              </a:rPr>
+              <a:t>print</a:t>
+            </a:r>
+            <a:r>
+              <a:rPr lang="fr-FR" sz="1600" b="0" strike="noStrike" spc="-1" dirty="0">
+                <a:solidFill>
+                  <a:srgbClr val="000000"/>
+                </a:solidFill>
+                <a:latin typeface="Gill Sans"/>
+              </a:rPr>
+              <a:t>(), </a:t>
+            </a:r>
+            <a:r>
+              <a:rPr lang="fr-FR" sz="1600" b="0" strike="noStrike" spc="-1" dirty="0" err="1">
+                <a:solidFill>
+                  <a:srgbClr val="000000"/>
+                </a:solidFill>
+                <a:latin typeface="Gill Sans"/>
+              </a:rPr>
+              <a:t>len</a:t>
+            </a:r>
+            <a:r>
+              <a:rPr lang="fr-FR" sz="1600" b="0" strike="noStrike" spc="-1" dirty="0">
+                <a:solidFill>
+                  <a:srgbClr val="000000"/>
+                </a:solidFill>
+                <a:latin typeface="Gill Sans"/>
+              </a:rPr>
+              <a:t>() etc..</a:t>
+            </a:r>
+            <a:endParaRPr lang="fr-FR" sz="1600" b="0" strike="noStrike" spc="-1" dirty="0">
               <a:solidFill>
                 <a:srgbClr val="000000"/>
               </a:solidFill>
@@ -11204,15 +12066,96 @@
               <a:buChar char=""/>
             </a:pPr>
             <a:r>
-              <a:rPr lang="fr-FR" sz="1600" b="0" strike="noStrike" spc="-1">
+              <a:rPr lang="fr-FR" sz="1600" b="0" strike="noStrike" spc="-1" dirty="0">
                 <a:solidFill>
                   <a:srgbClr val="000000"/>
                 </a:solidFill>
                 <a:latin typeface="Calibri"/>
               </a:rPr>
-              <a:t>It is also possible to define user-defined functions</a:t>
-            </a:r>
-            <a:endParaRPr lang="fr-FR" sz="1600" b="0" strike="noStrike" spc="-1">
+              <a:t>It </a:t>
+            </a:r>
+            <a:r>
+              <a:rPr lang="fr-FR" sz="1600" b="0" strike="noStrike" spc="-1" dirty="0" err="1">
+                <a:solidFill>
+                  <a:srgbClr val="000000"/>
+                </a:solidFill>
+                <a:latin typeface="Calibri"/>
+              </a:rPr>
+              <a:t>is</a:t>
+            </a:r>
+            <a:r>
+              <a:rPr lang="fr-FR" sz="1600" b="0" strike="noStrike" spc="-1" dirty="0">
+                <a:solidFill>
+                  <a:srgbClr val="000000"/>
+                </a:solidFill>
+                <a:latin typeface="Calibri"/>
+              </a:rPr>
+              <a:t> </a:t>
+            </a:r>
+            <a:r>
+              <a:rPr lang="fr-FR" sz="1600" b="0" strike="noStrike" spc="-1" dirty="0" err="1">
+                <a:solidFill>
+                  <a:srgbClr val="000000"/>
+                </a:solidFill>
+                <a:latin typeface="Calibri"/>
+              </a:rPr>
+              <a:t>also</a:t>
+            </a:r>
+            <a:r>
+              <a:rPr lang="fr-FR" sz="1600" b="0" strike="noStrike" spc="-1" dirty="0">
+                <a:solidFill>
+                  <a:srgbClr val="000000"/>
+                </a:solidFill>
+                <a:latin typeface="Calibri"/>
+              </a:rPr>
+              <a:t> possible to </a:t>
+            </a:r>
+            <a:r>
+              <a:rPr lang="fr-FR" sz="1600" b="0" strike="noStrike" spc="-1" dirty="0" err="1">
+                <a:solidFill>
+                  <a:srgbClr val="000000"/>
+                </a:solidFill>
+                <a:latin typeface="Calibri"/>
+              </a:rPr>
+              <a:t>define</a:t>
+            </a:r>
+            <a:r>
+              <a:rPr lang="fr-FR" sz="1600" b="0" strike="noStrike" spc="-1" dirty="0">
+                <a:solidFill>
+                  <a:srgbClr val="000000"/>
+                </a:solidFill>
+                <a:latin typeface="Calibri"/>
+              </a:rPr>
+              <a:t> user-</a:t>
+            </a:r>
+            <a:r>
+              <a:rPr lang="fr-FR" sz="1600" b="0" strike="noStrike" spc="-1" dirty="0" err="1">
+                <a:solidFill>
+                  <a:srgbClr val="000000"/>
+                </a:solidFill>
+                <a:latin typeface="Calibri"/>
+              </a:rPr>
+              <a:t>defined</a:t>
+            </a:r>
+            <a:r>
+              <a:rPr lang="fr-FR" sz="1600" b="0" strike="noStrike" spc="-1" dirty="0">
+                <a:solidFill>
+                  <a:srgbClr val="000000"/>
+                </a:solidFill>
+                <a:latin typeface="Calibri"/>
+              </a:rPr>
+              <a:t> </a:t>
+            </a:r>
+            <a:r>
+              <a:rPr lang="fr-FR" sz="1600" b="0" strike="noStrike" spc="-1" dirty="0" err="1">
+                <a:solidFill>
+                  <a:srgbClr val="000000"/>
+                </a:solidFill>
+                <a:latin typeface="Calibri"/>
+              </a:rPr>
+              <a:t>functions</a:t>
+            </a:r>
+            <a:endParaRPr lang="fr-FR" sz="1600" b="0" strike="noStrike" spc="-1" dirty="0">
               <a:solidFill>
                 <a:srgbClr val="000000"/>
               </a:solidFill>
@@ -11546,7 +12489,7 @@
               <a:buChar char=""/>
             </a:pPr>
             <a:r>
-              <a:rPr lang="en-IN" sz="1600" b="0" strike="noStrike" spc="-1">
+              <a:rPr lang="en-IN" sz="1600" b="0" strike="noStrike" spc="-1" dirty="0">
                 <a:solidFill>
                   <a:srgbClr val="000000"/>
                 </a:solidFill>
@@ -11554,7 +12497,7 @@
               </a:rPr>
               <a:t>Evaluate expressions which produce TRUE or FALSE as outcome</a:t>
             </a:r>
-            <a:endParaRPr lang="en-IN" sz="1600" b="0" strike="noStrike" spc="-1">
+            <a:endParaRPr lang="en-IN" sz="1600" b="0" strike="noStrike" spc="-1" dirty="0">
               <a:latin typeface="Arial"/>
             </a:endParaRPr>
           </a:p>
@@ -11573,7 +12516,7 @@
               <a:buChar char=""/>
             </a:pPr>
             <a:r>
-              <a:rPr lang="en-IN" sz="1600" b="0" strike="noStrike" spc="-1">
+              <a:rPr lang="en-IN" sz="1600" b="0" strike="noStrike" spc="-1" dirty="0">
                 <a:solidFill>
                   <a:srgbClr val="000000"/>
                 </a:solidFill>
@@ -11581,7 +12524,7 @@
               </a:rPr>
               <a:t>Based on the outcome of the expression a specific block of code is executed</a:t>
             </a:r>
-            <a:endParaRPr lang="en-IN" sz="1600" b="0" strike="noStrike" spc="-1">
+            <a:endParaRPr lang="en-IN" sz="1600" b="0" strike="noStrike" spc="-1" dirty="0">
               <a:latin typeface="Arial"/>
             </a:endParaRPr>
           </a:p>
@@ -11600,7 +12543,7 @@
               <a:buChar char=""/>
             </a:pPr>
             <a:r>
-              <a:rPr lang="en-IN" sz="1600" b="0" strike="noStrike" spc="-1">
+              <a:rPr lang="en-IN" sz="1600" b="0" strike="noStrike" spc="-1" dirty="0">
                 <a:solidFill>
                   <a:srgbClr val="000000"/>
                 </a:solidFill>
@@ -11608,7 +12551,7 @@
               </a:rPr>
               <a:t>The expressions could be: equality (==) , inequality (!=), less/greater than (&lt;)(&gt;), less/greater than or equal  (&lt;=) (&gt;=), membership (in, not in)</a:t>
             </a:r>
-            <a:endParaRPr lang="en-IN" sz="1600" b="0" strike="noStrike" spc="-1">
+            <a:endParaRPr lang="en-IN" sz="1600" b="0" strike="noStrike" spc="-1" dirty="0">
               <a:latin typeface="Arial"/>
             </a:endParaRPr>
           </a:p>
@@ -11627,7 +12570,7 @@
               <a:buChar char=""/>
             </a:pPr>
             <a:r>
-              <a:rPr lang="en-IN" sz="1600" b="0" strike="noStrike" spc="-1">
+              <a:rPr lang="en-IN" sz="1600" b="0" strike="noStrike" spc="-1" dirty="0">
                 <a:solidFill>
                   <a:srgbClr val="000000"/>
                 </a:solidFill>
@@ -11635,7 +12578,7 @@
               </a:rPr>
               <a:t>Expressions can be combined using "and" and "or" and "and not"</a:t>
             </a:r>
-            <a:endParaRPr lang="en-IN" sz="1600" b="0" strike="noStrike" spc="-1">
+            <a:endParaRPr lang="en-IN" sz="1600" b="0" strike="noStrike" spc="-1" dirty="0">
               <a:latin typeface="Arial"/>
             </a:endParaRPr>
           </a:p>

--- a/Session 1/Python - Session 1 May 2019.pptx
+++ b/Session 1/Python - Session 1 May 2019.pptx
@@ -594,8 +594,8 @@
         </p:nvSpPr>
         <p:spPr>
           <a:xfrm>
-            <a:off x="914400" y="744480"/>
-            <a:ext cx="4965480" cy="3723840"/>
+            <a:off x="914400" y="744538"/>
+            <a:ext cx="4965700" cy="3724275"/>
           </a:xfrm>
           <a:prstGeom prst="rect">
             <a:avLst/>
@@ -990,8 +990,8 @@
         </p:nvSpPr>
         <p:spPr>
           <a:xfrm>
-            <a:off x="914400" y="744480"/>
-            <a:ext cx="4965480" cy="3723840"/>
+            <a:off x="914400" y="744538"/>
+            <a:ext cx="4965700" cy="3724275"/>
           </a:xfrm>
           <a:prstGeom prst="rect">
             <a:avLst/>
@@ -1111,8 +1111,8 @@
         </p:nvSpPr>
         <p:spPr>
           <a:xfrm>
-            <a:off x="914400" y="744480"/>
-            <a:ext cx="4965480" cy="3723840"/>
+            <a:off x="914400" y="744538"/>
+            <a:ext cx="4965700" cy="3724275"/>
           </a:xfrm>
           <a:prstGeom prst="rect">
             <a:avLst/>
@@ -1768,8 +1768,8 @@
         </p:nvSpPr>
         <p:spPr>
           <a:xfrm>
-            <a:off x="914400" y="744480"/>
-            <a:ext cx="4965480" cy="3723840"/>
+            <a:off x="914400" y="744538"/>
+            <a:ext cx="4965700" cy="3724275"/>
           </a:xfrm>
           <a:prstGeom prst="rect">
             <a:avLst/>
@@ -8385,123 +8385,15 @@
               <a:buChar char=""/>
             </a:pPr>
             <a:r>
-              <a:rPr lang="fr-FR" sz="1600" b="0" strike="noStrike" spc="-1" dirty="0">
+              <a:rPr lang="en-IN" sz="1600" b="0" strike="noStrike" spc="-1">
                 <a:solidFill>
                   <a:srgbClr val="000000"/>
                 </a:solidFill>
                 <a:latin typeface="Calibri"/>
               </a:rPr>
-              <a:t>A </a:t>
+              <a:t>A loop statement allows us to execute a statement or group of statements multiple times</a:t>
             </a:r>
-            <a:r>
-              <a:rPr lang="fr-FR" sz="1600" b="0" strike="noStrike" spc="-1" dirty="0" err="1">
-                <a:solidFill>
-                  <a:srgbClr val="000000"/>
-                </a:solidFill>
-                <a:latin typeface="Calibri"/>
-              </a:rPr>
-              <a:t>loop</a:t>
-            </a:r>
-            <a:r>
-              <a:rPr lang="fr-FR" sz="1600" b="0" strike="noStrike" spc="-1" dirty="0">
-                <a:solidFill>
-                  <a:srgbClr val="000000"/>
-                </a:solidFill>
-                <a:latin typeface="Calibri"/>
-              </a:rPr>
-              <a:t> </a:t>
-            </a:r>
-            <a:r>
-              <a:rPr lang="fr-FR" sz="1600" b="0" strike="noStrike" spc="-1" dirty="0" err="1">
-                <a:solidFill>
-                  <a:srgbClr val="000000"/>
-                </a:solidFill>
-                <a:latin typeface="Calibri"/>
-              </a:rPr>
-              <a:t>statement</a:t>
-            </a:r>
-            <a:r>
-              <a:rPr lang="fr-FR" sz="1600" b="0" strike="noStrike" spc="-1" dirty="0">
-                <a:solidFill>
-                  <a:srgbClr val="000000"/>
-                </a:solidFill>
-                <a:latin typeface="Calibri"/>
-              </a:rPr>
-              <a:t> </a:t>
-            </a:r>
-            <a:r>
-              <a:rPr lang="fr-FR" sz="1600" b="0" strike="noStrike" spc="-1" dirty="0" err="1">
-                <a:solidFill>
-                  <a:srgbClr val="000000"/>
-                </a:solidFill>
-                <a:latin typeface="Calibri"/>
-              </a:rPr>
-              <a:t>allows</a:t>
-            </a:r>
-            <a:r>
-              <a:rPr lang="fr-FR" sz="1600" b="0" strike="noStrike" spc="-1" dirty="0">
-                <a:solidFill>
-                  <a:srgbClr val="000000"/>
-                </a:solidFill>
-                <a:latin typeface="Calibri"/>
-              </a:rPr>
-              <a:t> us to </a:t>
-            </a:r>
-            <a:r>
-              <a:rPr lang="fr-FR" sz="1600" b="0" strike="noStrike" spc="-1" dirty="0" err="1">
-                <a:solidFill>
-                  <a:srgbClr val="000000"/>
-                </a:solidFill>
-                <a:latin typeface="Calibri"/>
-              </a:rPr>
-              <a:t>execute</a:t>
-            </a:r>
-            <a:r>
-              <a:rPr lang="fr-FR" sz="1600" b="0" strike="noStrike" spc="-1" dirty="0">
-                <a:solidFill>
-                  <a:srgbClr val="000000"/>
-                </a:solidFill>
-                <a:latin typeface="Calibri"/>
-              </a:rPr>
-              <a:t> a </a:t>
-            </a:r>
-            <a:r>
-              <a:rPr lang="fr-FR" sz="1600" b="0" strike="noStrike" spc="-1" dirty="0" err="1">
-                <a:solidFill>
-                  <a:srgbClr val="000000"/>
-                </a:solidFill>
-                <a:latin typeface="Calibri"/>
-              </a:rPr>
-              <a:t>statement</a:t>
-            </a:r>
-            <a:r>
-              <a:rPr lang="fr-FR" sz="1600" b="0" strike="noStrike" spc="-1" dirty="0">
-                <a:solidFill>
-                  <a:srgbClr val="000000"/>
-                </a:solidFill>
-                <a:latin typeface="Calibri"/>
-              </a:rPr>
-              <a:t> or group of </a:t>
-            </a:r>
-            <a:r>
-              <a:rPr lang="fr-FR" sz="1600" b="0" strike="noStrike" spc="-1" dirty="0" err="1">
-                <a:solidFill>
-                  <a:srgbClr val="000000"/>
-                </a:solidFill>
-                <a:latin typeface="Calibri"/>
-              </a:rPr>
-              <a:t>statements</a:t>
-            </a:r>
-            <a:r>
-              <a:rPr lang="fr-FR" sz="1600" b="0" strike="noStrike" spc="-1" dirty="0">
-                <a:solidFill>
-                  <a:srgbClr val="000000"/>
-                </a:solidFill>
-                <a:latin typeface="Calibri"/>
-              </a:rPr>
-              <a:t> multiple times</a:t>
-            </a:r>
-            <a:endParaRPr lang="fr-FR" sz="1600" b="0" strike="noStrike" spc="-1" dirty="0">
+            <a:endParaRPr lang="en-IN" sz="1600" b="0" strike="noStrike" spc="-1">
               <a:solidFill>
                 <a:srgbClr val="000000"/>
               </a:solidFill>
@@ -8523,177 +8415,15 @@
               <a:buChar char=""/>
             </a:pPr>
             <a:r>
-              <a:rPr lang="fr-FR" sz="1600" b="0" strike="noStrike" spc="-1" dirty="0" err="1">
+              <a:rPr lang="en-IN" sz="1600" b="0" strike="noStrike" spc="-1">
                 <a:solidFill>
                   <a:srgbClr val="000000"/>
                 </a:solidFill>
                 <a:latin typeface="Calibri"/>
               </a:rPr>
-              <a:t>While</a:t>
+              <a:t>While loop is the simplest loop which executes a block of code until and expression is True</a:t>
             </a:r>
-            <a:r>
-              <a:rPr lang="fr-FR" sz="1600" b="0" strike="noStrike" spc="-1" dirty="0">
-                <a:solidFill>
-                  <a:srgbClr val="000000"/>
-                </a:solidFill>
-                <a:latin typeface="Calibri"/>
-              </a:rPr>
-              <a:t> </a:t>
-            </a:r>
-            <a:r>
-              <a:rPr lang="fr-FR" sz="1600" b="0" strike="noStrike" spc="-1" dirty="0" err="1">
-                <a:solidFill>
-                  <a:srgbClr val="000000"/>
-                </a:solidFill>
-                <a:latin typeface="Calibri"/>
-              </a:rPr>
-              <a:t>loop</a:t>
-            </a:r>
-            <a:r>
-              <a:rPr lang="fr-FR" sz="1600" b="0" strike="noStrike" spc="-1" dirty="0">
-                <a:solidFill>
-                  <a:srgbClr val="000000"/>
-                </a:solidFill>
-                <a:latin typeface="Calibri"/>
-              </a:rPr>
-              <a:t> </a:t>
-            </a:r>
-            <a:r>
-              <a:rPr lang="fr-FR" sz="1600" b="0" strike="noStrike" spc="-1" dirty="0" err="1">
-                <a:solidFill>
-                  <a:srgbClr val="000000"/>
-                </a:solidFill>
-                <a:latin typeface="Calibri"/>
-              </a:rPr>
-              <a:t>is</a:t>
-            </a:r>
-            <a:r>
-              <a:rPr lang="fr-FR" sz="1600" b="0" strike="noStrike" spc="-1" dirty="0">
-                <a:solidFill>
-                  <a:srgbClr val="000000"/>
-                </a:solidFill>
-                <a:latin typeface="Calibri"/>
-              </a:rPr>
-              <a:t> the </a:t>
-            </a:r>
-            <a:r>
-              <a:rPr lang="fr-FR" sz="1600" b="0" strike="noStrike" spc="-1" dirty="0" err="1">
-                <a:solidFill>
-                  <a:srgbClr val="000000"/>
-                </a:solidFill>
-                <a:latin typeface="Calibri"/>
-              </a:rPr>
-              <a:t>simplest</a:t>
-            </a:r>
-            <a:r>
-              <a:rPr lang="fr-FR" sz="1600" b="0" strike="noStrike" spc="-1" dirty="0">
-                <a:solidFill>
-                  <a:srgbClr val="000000"/>
-                </a:solidFill>
-                <a:latin typeface="Calibri"/>
-              </a:rPr>
-              <a:t> </a:t>
-            </a:r>
-            <a:r>
-              <a:rPr lang="fr-FR" sz="1600" b="0" strike="noStrike" spc="-1" dirty="0" err="1">
-                <a:solidFill>
-                  <a:srgbClr val="000000"/>
-                </a:solidFill>
-                <a:latin typeface="Calibri"/>
-              </a:rPr>
-              <a:t>loop</a:t>
-            </a:r>
-            <a:r>
-              <a:rPr lang="fr-FR" sz="1600" b="0" strike="noStrike" spc="-1" dirty="0">
-                <a:solidFill>
-                  <a:srgbClr val="000000"/>
-                </a:solidFill>
-                <a:latin typeface="Calibri"/>
-              </a:rPr>
-              <a:t> </a:t>
-            </a:r>
-            <a:r>
-              <a:rPr lang="fr-FR" sz="1600" b="0" strike="noStrike" spc="-1" dirty="0" err="1">
-                <a:solidFill>
-                  <a:srgbClr val="000000"/>
-                </a:solidFill>
-                <a:latin typeface="Calibri"/>
-              </a:rPr>
-              <a:t>which</a:t>
-            </a:r>
-            <a:r>
-              <a:rPr lang="fr-FR" sz="1600" b="0" strike="noStrike" spc="-1" dirty="0">
-                <a:solidFill>
-                  <a:srgbClr val="000000"/>
-                </a:solidFill>
-                <a:latin typeface="Calibri"/>
-              </a:rPr>
-              <a:t> </a:t>
-            </a:r>
-            <a:r>
-              <a:rPr lang="fr-FR" sz="1600" b="0" strike="noStrike" spc="-1" dirty="0" err="1">
-                <a:solidFill>
-                  <a:srgbClr val="000000"/>
-                </a:solidFill>
-                <a:latin typeface="Calibri"/>
-              </a:rPr>
-              <a:t>executes</a:t>
-            </a:r>
-            <a:r>
-              <a:rPr lang="fr-FR" sz="1600" b="0" strike="noStrike" spc="-1" dirty="0">
-                <a:solidFill>
-                  <a:srgbClr val="000000"/>
-                </a:solidFill>
-                <a:latin typeface="Calibri"/>
-              </a:rPr>
-              <a:t> a block of code </a:t>
-            </a:r>
-            <a:r>
-              <a:rPr lang="fr-FR" sz="1600" b="0" strike="noStrike" spc="-1" dirty="0" err="1">
-                <a:solidFill>
-                  <a:srgbClr val="000000"/>
-                </a:solidFill>
-                <a:latin typeface="Calibri"/>
-              </a:rPr>
-              <a:t>until</a:t>
-            </a:r>
-            <a:r>
-              <a:rPr lang="fr-FR" sz="1600" b="0" strike="noStrike" spc="-1" dirty="0">
-                <a:solidFill>
-                  <a:srgbClr val="000000"/>
-                </a:solidFill>
-                <a:latin typeface="Calibri"/>
-              </a:rPr>
-              <a:t> and expression </a:t>
-            </a:r>
-            <a:r>
-              <a:rPr lang="fr-FR" sz="1600" b="0" strike="noStrike" spc="-1" dirty="0" err="1">
-                <a:solidFill>
-                  <a:srgbClr val="000000"/>
-                </a:solidFill>
-                <a:latin typeface="Calibri"/>
-              </a:rPr>
-              <a:t>is</a:t>
-            </a:r>
-            <a:r>
-              <a:rPr lang="fr-FR" sz="1600" b="0" strike="noStrike" spc="-1" dirty="0">
-                <a:solidFill>
-                  <a:srgbClr val="000000"/>
-                </a:solidFill>
-                <a:latin typeface="Calibri"/>
-              </a:rPr>
-              <a:t> </a:t>
-            </a:r>
-            <a:r>
-              <a:rPr lang="fr-FR" sz="1600" b="0" strike="noStrike" spc="-1" dirty="0" err="1">
-                <a:solidFill>
-                  <a:srgbClr val="000000"/>
-                </a:solidFill>
-                <a:latin typeface="Calibri"/>
-              </a:rPr>
-              <a:t>True</a:t>
-            </a:r>
-            <a:endParaRPr lang="fr-FR" sz="1600" b="0" strike="noStrike" spc="-1" dirty="0">
+            <a:endParaRPr lang="en-IN" sz="1600" b="0" strike="noStrike" spc="-1">
               <a:solidFill>
                 <a:srgbClr val="000000"/>
               </a:solidFill>
@@ -8715,96 +8445,15 @@
               <a:buChar char=""/>
             </a:pPr>
             <a:r>
-              <a:rPr lang="fr-FR" sz="1600" b="0" strike="noStrike" spc="-1" dirty="0">
+              <a:rPr lang="en-IN" sz="1600" b="0" strike="noStrike" spc="-1">
                 <a:solidFill>
                   <a:srgbClr val="000000"/>
                 </a:solidFill>
                 <a:latin typeface="Calibri"/>
               </a:rPr>
-              <a:t>A 'break' command can </a:t>
+              <a:t>A 'break' command can be used to exit any loop prematurely</a:t>
             </a:r>
-            <a:r>
-              <a:rPr lang="fr-FR" sz="1600" b="0" strike="noStrike" spc="-1" dirty="0" err="1">
-                <a:solidFill>
-                  <a:srgbClr val="000000"/>
-                </a:solidFill>
-                <a:latin typeface="Calibri"/>
-              </a:rPr>
-              <a:t>be</a:t>
-            </a:r>
-            <a:r>
-              <a:rPr lang="fr-FR" sz="1600" b="0" strike="noStrike" spc="-1" dirty="0">
-                <a:solidFill>
-                  <a:srgbClr val="000000"/>
-                </a:solidFill>
-                <a:latin typeface="Calibri"/>
-              </a:rPr>
-              <a:t> </a:t>
-            </a:r>
-            <a:r>
-              <a:rPr lang="fr-FR" sz="1600" b="0" strike="noStrike" spc="-1" dirty="0" err="1">
-                <a:solidFill>
-                  <a:srgbClr val="000000"/>
-                </a:solidFill>
-                <a:latin typeface="Calibri"/>
-              </a:rPr>
-              <a:t>used</a:t>
-            </a:r>
-            <a:r>
-              <a:rPr lang="fr-FR" sz="1600" b="0" strike="noStrike" spc="-1" dirty="0">
-                <a:solidFill>
-                  <a:srgbClr val="000000"/>
-                </a:solidFill>
-                <a:latin typeface="Calibri"/>
-              </a:rPr>
-              <a:t> to exit </a:t>
-            </a:r>
-            <a:r>
-              <a:rPr lang="fr-FR" sz="1600" b="0" strike="noStrike" spc="-1" dirty="0" err="1">
-                <a:solidFill>
-                  <a:srgbClr val="000000"/>
-                </a:solidFill>
-                <a:latin typeface="Calibri"/>
-              </a:rPr>
-              <a:t>any</a:t>
-            </a:r>
-            <a:r>
-              <a:rPr lang="fr-FR" sz="1600" b="0" strike="noStrike" spc="-1" dirty="0">
-                <a:solidFill>
-                  <a:srgbClr val="000000"/>
-                </a:solidFill>
-                <a:latin typeface="Calibri"/>
-              </a:rPr>
-              <a:t> </a:t>
-            </a:r>
-            <a:r>
-              <a:rPr lang="fr-FR" sz="1600" b="0" strike="noStrike" spc="-1" dirty="0" err="1">
-                <a:solidFill>
-                  <a:srgbClr val="000000"/>
-                </a:solidFill>
-                <a:latin typeface="Calibri"/>
-              </a:rPr>
-              <a:t>loop</a:t>
-            </a:r>
-            <a:r>
-              <a:rPr lang="fr-FR" sz="1600" b="0" strike="noStrike" spc="-1" dirty="0">
-                <a:solidFill>
-                  <a:srgbClr val="000000"/>
-                </a:solidFill>
-                <a:latin typeface="Calibri"/>
-              </a:rPr>
-              <a:t> </a:t>
-            </a:r>
-            <a:r>
-              <a:rPr lang="fr-FR" sz="1600" b="0" strike="noStrike" spc="-1" dirty="0" err="1">
-                <a:solidFill>
-                  <a:srgbClr val="000000"/>
-                </a:solidFill>
-                <a:latin typeface="Calibri"/>
-              </a:rPr>
-              <a:t>prematurely</a:t>
-            </a:r>
-            <a:endParaRPr lang="fr-FR" sz="1600" b="0" strike="noStrike" spc="-1" dirty="0">
+            <a:endParaRPr lang="en-IN" sz="1600" b="0" strike="noStrike" spc="-1">
               <a:solidFill>
                 <a:srgbClr val="000000"/>
               </a:solidFill>
@@ -8826,150 +8475,15 @@
               <a:buChar char=""/>
             </a:pPr>
             <a:r>
-              <a:rPr lang="fr-FR" sz="1600" b="0" strike="noStrike" spc="-1" dirty="0">
+              <a:rPr lang="en-IN" sz="1600" b="0" strike="noStrike" spc="-1">
                 <a:solidFill>
                   <a:srgbClr val="000000"/>
                 </a:solidFill>
                 <a:latin typeface="Calibri"/>
               </a:rPr>
-              <a:t>A 'continue' command can </a:t>
+              <a:t>A 'continue' command can be used to skip ahead to the next iterations without exiting the loop</a:t>
             </a:r>
-            <a:r>
-              <a:rPr lang="fr-FR" sz="1600" b="0" strike="noStrike" spc="-1" dirty="0" err="1">
-                <a:solidFill>
-                  <a:srgbClr val="000000"/>
-                </a:solidFill>
-                <a:latin typeface="Calibri"/>
-              </a:rPr>
-              <a:t>be</a:t>
-            </a:r>
-            <a:r>
-              <a:rPr lang="fr-FR" sz="1600" b="0" strike="noStrike" spc="-1" dirty="0">
-                <a:solidFill>
-                  <a:srgbClr val="000000"/>
-                </a:solidFill>
-                <a:latin typeface="Calibri"/>
-              </a:rPr>
-              <a:t> </a:t>
-            </a:r>
-            <a:r>
-              <a:rPr lang="fr-FR" sz="1600" b="0" strike="noStrike" spc="-1" dirty="0" err="1">
-                <a:solidFill>
-                  <a:srgbClr val="000000"/>
-                </a:solidFill>
-                <a:latin typeface="Calibri"/>
-              </a:rPr>
-              <a:t>used</a:t>
-            </a:r>
-            <a:r>
-              <a:rPr lang="fr-FR" sz="1600" b="0" strike="noStrike" spc="-1" dirty="0">
-                <a:solidFill>
-                  <a:srgbClr val="000000"/>
-                </a:solidFill>
-                <a:latin typeface="Calibri"/>
-              </a:rPr>
-              <a:t> to skip </a:t>
-            </a:r>
-            <a:r>
-              <a:rPr lang="fr-FR" sz="1600" b="0" strike="noStrike" spc="-1" dirty="0" err="1">
-                <a:solidFill>
-                  <a:srgbClr val="000000"/>
-                </a:solidFill>
-                <a:latin typeface="Calibri"/>
-              </a:rPr>
-              <a:t>ahead</a:t>
-            </a:r>
-            <a:r>
-              <a:rPr lang="fr-FR" sz="1600" b="0" strike="noStrike" spc="-1" dirty="0">
-                <a:solidFill>
-                  <a:srgbClr val="000000"/>
-                </a:solidFill>
-                <a:latin typeface="Calibri"/>
-              </a:rPr>
-              <a:t> to the </a:t>
-            </a:r>
-            <a:r>
-              <a:rPr lang="fr-FR" sz="1600" b="0" strike="noStrike" spc="-1" dirty="0" err="1">
-                <a:solidFill>
-                  <a:srgbClr val="000000"/>
-                </a:solidFill>
-                <a:latin typeface="Calibri"/>
-              </a:rPr>
-              <a:t>next</a:t>
-            </a:r>
-            <a:r>
-              <a:rPr lang="fr-FR" sz="1600" b="0" strike="noStrike" spc="-1" dirty="0">
-                <a:solidFill>
-                  <a:srgbClr val="000000"/>
-                </a:solidFill>
-                <a:latin typeface="Calibri"/>
-              </a:rPr>
-              <a:t> </a:t>
-            </a:r>
-            <a:r>
-              <a:rPr lang="fr-FR" sz="1600" b="0" strike="noStrike" spc="-1" dirty="0" err="1">
-                <a:solidFill>
-                  <a:srgbClr val="000000"/>
-                </a:solidFill>
-                <a:latin typeface="Calibri"/>
-              </a:rPr>
-              <a:t>iterations</a:t>
-            </a:r>
-            <a:r>
-              <a:rPr lang="fr-FR" sz="1600" b="0" strike="noStrike" spc="-1" dirty="0">
-                <a:solidFill>
-                  <a:srgbClr val="000000"/>
-                </a:solidFill>
-                <a:latin typeface="Calibri"/>
-              </a:rPr>
-              <a:t> </a:t>
-            </a:r>
-            <a:r>
-              <a:rPr lang="fr-FR" sz="1600" b="0" strike="noStrike" spc="-1" dirty="0" err="1">
-                <a:solidFill>
-                  <a:srgbClr val="000000"/>
-                </a:solidFill>
-                <a:latin typeface="Calibri"/>
-              </a:rPr>
-              <a:t>without</a:t>
-            </a:r>
-            <a:r>
-              <a:rPr lang="fr-FR" sz="1600" b="0" strike="noStrike" spc="-1" dirty="0">
-                <a:solidFill>
-                  <a:srgbClr val="000000"/>
-                </a:solidFill>
-                <a:latin typeface="Calibri"/>
-              </a:rPr>
-              <a:t> </a:t>
-            </a:r>
-            <a:r>
-              <a:rPr lang="fr-FR" sz="1600" b="0" strike="noStrike" spc="-1" dirty="0" err="1">
-                <a:solidFill>
-                  <a:srgbClr val="000000"/>
-                </a:solidFill>
-                <a:latin typeface="Calibri"/>
-              </a:rPr>
-              <a:t>exiting</a:t>
-            </a:r>
-            <a:r>
-              <a:rPr lang="fr-FR" sz="1600" b="0" strike="noStrike" spc="-1" dirty="0">
-                <a:solidFill>
-                  <a:srgbClr val="000000"/>
-                </a:solidFill>
-                <a:latin typeface="Calibri"/>
-              </a:rPr>
-              <a:t> the </a:t>
-            </a:r>
-            <a:r>
-              <a:rPr lang="fr-FR" sz="1600" b="0" strike="noStrike" spc="-1" dirty="0" err="1">
-                <a:solidFill>
-                  <a:srgbClr val="000000"/>
-                </a:solidFill>
-                <a:latin typeface="Calibri"/>
-              </a:rPr>
-              <a:t>loop</a:t>
-            </a:r>
-            <a:endParaRPr lang="fr-FR" sz="1600" b="0" strike="noStrike" spc="-1" dirty="0">
+            <a:endParaRPr lang="en-IN" sz="1600" b="0" strike="noStrike" spc="-1">
               <a:solidFill>
                 <a:srgbClr val="000000"/>
               </a:solidFill>
@@ -10164,7 +9678,7 @@
           <a:p>
             <a:pPr marL="360000" indent="-359640">
               <a:lnSpc>
-                <a:spcPct val="90000"/>
+                <a:spcPts val="2520"/>
               </a:lnSpc>
               <a:spcBef>
                 <a:spcPts val="400"/>
@@ -10176,25 +9690,20 @@
               <a:buChar char=""/>
             </a:pPr>
             <a:r>
-              <a:rPr lang="fr-FR" sz="2000" b="0" strike="noStrike" spc="-1">
+              <a:rPr lang="en-IN" sz="1600" b="0" strike="noStrike" spc="-1">
                 <a:solidFill>
                   <a:srgbClr val="000000"/>
                 </a:solidFill>
-                <a:latin typeface="Calibri"/>
+                <a:latin typeface="Calibri" panose="020F0502020204030204" pitchFamily="34" charset="0"/>
+                <a:cs typeface="Calibri" panose="020F0502020204030204" pitchFamily="34" charset="0"/>
               </a:rPr>
               <a:t>Simplicity</a:t>
             </a:r>
-            <a:endParaRPr lang="fr-FR" sz="2000" b="0" strike="noStrike" spc="-1">
-              <a:solidFill>
-                <a:srgbClr val="000000"/>
-              </a:solidFill>
-              <a:latin typeface="Gill Sans MT"/>
-            </a:endParaRPr>
           </a:p>
           <a:p>
             <a:pPr marL="759960" lvl="2" indent="-359640">
               <a:lnSpc>
-                <a:spcPct val="90000"/>
+                <a:spcPts val="2520"/>
               </a:lnSpc>
               <a:spcBef>
                 <a:spcPts val="360"/>
@@ -10206,25 +9715,20 @@
               <a:buChar char=""/>
             </a:pPr>
             <a:r>
-              <a:rPr lang="fr-FR" sz="1800" b="0" strike="noStrike" spc="-1">
+              <a:rPr lang="en-IN" sz="1600" b="0" strike="noStrike" spc="-1">
                 <a:solidFill>
                   <a:srgbClr val="000000"/>
                 </a:solidFill>
-                <a:latin typeface="Calibri"/>
+                <a:latin typeface="Calibri" panose="020F0502020204030204" pitchFamily="34" charset="0"/>
+                <a:cs typeface="Calibri" panose="020F0502020204030204" pitchFamily="34" charset="0"/>
               </a:rPr>
               <a:t>High level language built on C</a:t>
             </a:r>
-            <a:endParaRPr lang="fr-FR" sz="1800" b="0" strike="noStrike" spc="-1">
-              <a:solidFill>
-                <a:srgbClr val="000000"/>
-              </a:solidFill>
-              <a:latin typeface="Gill Sans MT"/>
-            </a:endParaRPr>
           </a:p>
           <a:p>
             <a:pPr marL="759960" lvl="2" indent="-359640">
               <a:lnSpc>
-                <a:spcPct val="90000"/>
+                <a:spcPts val="2520"/>
               </a:lnSpc>
               <a:spcBef>
                 <a:spcPts val="360"/>
@@ -10236,25 +9740,20 @@
               <a:buChar char=""/>
             </a:pPr>
             <a:r>
-              <a:rPr lang="fr-FR" sz="1800" b="0" strike="noStrike" spc="-1">
+              <a:rPr lang="en-IN" sz="1600" b="0" strike="noStrike" spc="-1">
                 <a:solidFill>
                   <a:srgbClr val="000000"/>
                 </a:solidFill>
-                <a:latin typeface="Calibri"/>
+                <a:latin typeface="Calibri" panose="020F0502020204030204" pitchFamily="34" charset="0"/>
+                <a:cs typeface="Calibri" panose="020F0502020204030204" pitchFamily="34" charset="0"/>
               </a:rPr>
               <a:t>Benefits of being high level and at the same time provides for CPU-efficient code</a:t>
             </a:r>
-            <a:endParaRPr lang="fr-FR" sz="1800" b="0" strike="noStrike" spc="-1">
-              <a:solidFill>
-                <a:srgbClr val="000000"/>
-              </a:solidFill>
-              <a:latin typeface="Gill Sans MT"/>
-            </a:endParaRPr>
           </a:p>
           <a:p>
             <a:pPr marL="360000" indent="-359640">
               <a:lnSpc>
-                <a:spcPct val="90000"/>
+                <a:spcPts val="2520"/>
               </a:lnSpc>
               <a:spcBef>
                 <a:spcPts val="400"/>
@@ -10266,25 +9765,20 @@
               <a:buChar char=""/>
             </a:pPr>
             <a:r>
-              <a:rPr lang="fr-FR" sz="2000" b="0" strike="noStrike" spc="-1">
+              <a:rPr lang="en-IN" sz="1600" b="0" strike="noStrike" spc="-1">
                 <a:solidFill>
                   <a:srgbClr val="000000"/>
                 </a:solidFill>
-                <a:latin typeface="Calibri"/>
+                <a:latin typeface="Calibri" panose="020F0502020204030204" pitchFamily="34" charset="0"/>
+                <a:cs typeface="Calibri" panose="020F0502020204030204" pitchFamily="34" charset="0"/>
               </a:rPr>
               <a:t>Usability</a:t>
             </a:r>
-            <a:endParaRPr lang="fr-FR" sz="2000" b="0" strike="noStrike" spc="-1">
-              <a:solidFill>
-                <a:srgbClr val="000000"/>
-              </a:solidFill>
-              <a:latin typeface="Gill Sans MT"/>
-            </a:endParaRPr>
           </a:p>
           <a:p>
             <a:pPr marL="759960" lvl="2" indent="-359640">
               <a:lnSpc>
-                <a:spcPct val="90000"/>
+                <a:spcPts val="2520"/>
               </a:lnSpc>
               <a:spcBef>
                 <a:spcPts val="360"/>
@@ -10296,25 +9790,20 @@
               <a:buChar char=""/>
             </a:pPr>
             <a:r>
-              <a:rPr lang="fr-FR" sz="1800" b="0" strike="noStrike" spc="-1">
+              <a:rPr lang="en-IN" sz="1600" b="0" strike="noStrike" spc="-1">
                 <a:solidFill>
                   <a:srgbClr val="000000"/>
                 </a:solidFill>
-                <a:latin typeface="Calibri"/>
+                <a:latin typeface="Calibri" panose="020F0502020204030204" pitchFamily="34" charset="0"/>
+                <a:cs typeface="Calibri" panose="020F0502020204030204" pitchFamily="34" charset="0"/>
               </a:rPr>
               <a:t>Lots of documentation</a:t>
             </a:r>
-            <a:endParaRPr lang="fr-FR" sz="1800" b="0" strike="noStrike" spc="-1">
-              <a:solidFill>
-                <a:srgbClr val="000000"/>
-              </a:solidFill>
-              <a:latin typeface="Gill Sans MT"/>
-            </a:endParaRPr>
           </a:p>
           <a:p>
             <a:pPr marL="759960" lvl="2" indent="-359640">
               <a:lnSpc>
-                <a:spcPct val="90000"/>
+                <a:spcPts val="2520"/>
               </a:lnSpc>
               <a:spcBef>
                 <a:spcPts val="360"/>
@@ -10326,25 +9815,20 @@
               <a:buChar char=""/>
             </a:pPr>
             <a:r>
-              <a:rPr lang="fr-FR" sz="1800" b="0" strike="noStrike" spc="-1">
+              <a:rPr lang="en-IN" sz="1600" b="0" strike="noStrike" spc="-1">
                 <a:solidFill>
                   <a:srgbClr val="000000"/>
                 </a:solidFill>
-                <a:latin typeface="Calibri"/>
+                <a:latin typeface="Calibri" panose="020F0502020204030204" pitchFamily="34" charset="0"/>
+                <a:cs typeface="Calibri" panose="020F0502020204030204" pitchFamily="34" charset="0"/>
               </a:rPr>
               <a:t>Active development community to answer questions - stackexchange</a:t>
             </a:r>
-            <a:endParaRPr lang="fr-FR" sz="1800" b="0" strike="noStrike" spc="-1">
-              <a:solidFill>
-                <a:srgbClr val="000000"/>
-              </a:solidFill>
-              <a:latin typeface="Gill Sans MT"/>
-            </a:endParaRPr>
           </a:p>
           <a:p>
             <a:pPr marL="360000" indent="-359640">
               <a:lnSpc>
-                <a:spcPct val="90000"/>
+                <a:spcPts val="2520"/>
               </a:lnSpc>
               <a:spcBef>
                 <a:spcPts val="400"/>
@@ -10356,25 +9840,20 @@
               <a:buChar char=""/>
             </a:pPr>
             <a:r>
-              <a:rPr lang="fr-FR" sz="2000" b="0" strike="noStrike" spc="-1">
+              <a:rPr lang="en-IN" sz="1600" b="0" strike="noStrike" spc="-1">
                 <a:solidFill>
                   <a:srgbClr val="000000"/>
                 </a:solidFill>
-                <a:latin typeface="Calibri"/>
+                <a:latin typeface="Calibri" panose="020F0502020204030204" pitchFamily="34" charset="0"/>
+                <a:cs typeface="Calibri" panose="020F0502020204030204" pitchFamily="34" charset="0"/>
               </a:rPr>
               <a:t>Extensibility</a:t>
             </a:r>
-            <a:endParaRPr lang="fr-FR" sz="2000" b="0" strike="noStrike" spc="-1">
-              <a:solidFill>
-                <a:srgbClr val="000000"/>
-              </a:solidFill>
-              <a:latin typeface="Gill Sans MT"/>
-            </a:endParaRPr>
           </a:p>
           <a:p>
             <a:pPr marL="759960" lvl="2" indent="-359640">
               <a:lnSpc>
-                <a:spcPct val="90000"/>
+                <a:spcPts val="2520"/>
               </a:lnSpc>
               <a:spcBef>
                 <a:spcPts val="360"/>
@@ -10386,25 +9865,20 @@
               <a:buChar char=""/>
             </a:pPr>
             <a:r>
-              <a:rPr lang="fr-FR" sz="1800" b="0" strike="noStrike" spc="-1">
+              <a:rPr lang="en-IN" sz="1600" b="0" strike="noStrike" spc="-1">
                 <a:solidFill>
                   <a:srgbClr val="000000"/>
                 </a:solidFill>
-                <a:latin typeface="Calibri"/>
+                <a:latin typeface="Calibri" panose="020F0502020204030204" pitchFamily="34" charset="0"/>
+                <a:cs typeface="Calibri" panose="020F0502020204030204" pitchFamily="34" charset="0"/>
               </a:rPr>
               <a:t>Small core language with a large standard library and an easily extensible interpreter</a:t>
             </a:r>
-            <a:endParaRPr lang="fr-FR" sz="1800" b="0" strike="noStrike" spc="-1">
-              <a:solidFill>
-                <a:srgbClr val="000000"/>
-              </a:solidFill>
-              <a:latin typeface="Gill Sans MT"/>
-            </a:endParaRPr>
           </a:p>
           <a:p>
             <a:pPr marL="759960" lvl="2" indent="-359640">
               <a:lnSpc>
-                <a:spcPct val="90000"/>
+                <a:spcPts val="2520"/>
               </a:lnSpc>
               <a:spcBef>
                 <a:spcPts val="360"/>
@@ -10416,20 +9890,15 @@
               <a:buChar char=""/>
             </a:pPr>
             <a:r>
-              <a:rPr lang="fr-FR" sz="1800" b="0" strike="noStrike" spc="-1">
+              <a:rPr lang="en-IN" sz="1600" b="0" strike="noStrike" spc="-1">
                 <a:solidFill>
                   <a:srgbClr val="000000"/>
                 </a:solidFill>
-                <a:latin typeface="Calibri"/>
+                <a:latin typeface="Calibri" panose="020F0502020204030204" pitchFamily="34" charset="0"/>
+                <a:cs typeface="Calibri" panose="020F0502020204030204" pitchFamily="34" charset="0"/>
               </a:rPr>
               <a:t>Leverage OSS community by allowing for extensibility </a:t>
             </a:r>
-            <a:endParaRPr lang="fr-FR" sz="1800" b="0" strike="noStrike" spc="-1">
-              <a:solidFill>
-                <a:srgbClr val="000000"/>
-              </a:solidFill>
-              <a:latin typeface="Gill Sans MT"/>
-            </a:endParaRPr>
           </a:p>
         </p:txBody>
       </p:sp>
@@ -10594,7 +10063,7 @@
           <a:p>
             <a:pPr marL="360000" indent="-359640">
               <a:lnSpc>
-                <a:spcPct val="140000"/>
+                <a:spcPct val="150000"/>
               </a:lnSpc>
               <a:spcBef>
                 <a:spcPts val="400"/>
@@ -10606,22 +10075,24 @@
               <a:buChar char=""/>
             </a:pPr>
             <a:r>
-              <a:rPr lang="en-IN" sz="2000" b="0" strike="noStrike" spc="-1">
+              <a:rPr lang="en-IN" sz="1600" b="0" strike="noStrike" spc="-1" dirty="0">
                 <a:solidFill>
                   <a:srgbClr val="000000"/>
                 </a:solidFill>
-                <a:latin typeface="Calibri"/>
+                <a:latin typeface="Calibri" panose="020F0502020204030204" pitchFamily="34" charset="0"/>
+                <a:cs typeface="Calibri" panose="020F0502020204030204" pitchFamily="34" charset="0"/>
               </a:rPr>
               <a:t>Big data management using Python</a:t>
             </a:r>
-            <a:endParaRPr lang="en-IN" sz="2000" b="0" strike="noStrike" spc="-1">
-              <a:latin typeface="Arial"/>
+            <a:endParaRPr lang="en-IN" sz="1600" b="0" strike="noStrike" spc="-1" dirty="0">
+              <a:latin typeface="Calibri" panose="020F0502020204030204" pitchFamily="34" charset="0"/>
+              <a:cs typeface="Calibri" panose="020F0502020204030204" pitchFamily="34" charset="0"/>
             </a:endParaRPr>
           </a:p>
           <a:p>
             <a:pPr marL="759960" lvl="2" indent="-359640">
               <a:lnSpc>
-                <a:spcPct val="140000"/>
+                <a:spcPct val="150000"/>
               </a:lnSpc>
               <a:spcBef>
                 <a:spcPts val="360"/>
@@ -10633,22 +10104,24 @@
               <a:buChar char=""/>
             </a:pPr>
             <a:r>
-              <a:rPr lang="en-IN" sz="1800" b="0" strike="noStrike" spc="-1">
+              <a:rPr lang="en-IN" sz="1600" b="0" strike="noStrike" spc="-1" dirty="0">
                 <a:solidFill>
                   <a:srgbClr val="000000"/>
                 </a:solidFill>
-                <a:latin typeface="Calibri"/>
+                <a:latin typeface="Calibri" panose="020F0502020204030204" pitchFamily="34" charset="0"/>
+                <a:cs typeface="Calibri" panose="020F0502020204030204" pitchFamily="34" charset="0"/>
               </a:rPr>
               <a:t>CERN and Large Hadron Collider </a:t>
             </a:r>
-            <a:endParaRPr lang="en-IN" sz="1800" b="0" strike="noStrike" spc="-1">
-              <a:latin typeface="Arial"/>
+            <a:endParaRPr lang="en-IN" sz="1600" b="0" strike="noStrike" spc="-1" dirty="0">
+              <a:latin typeface="Calibri" panose="020F0502020204030204" pitchFamily="34" charset="0"/>
+              <a:cs typeface="Calibri" panose="020F0502020204030204" pitchFamily="34" charset="0"/>
             </a:endParaRPr>
           </a:p>
           <a:p>
             <a:pPr marL="759960" lvl="2" indent="-359640">
               <a:lnSpc>
-                <a:spcPct val="140000"/>
+                <a:spcPct val="150000"/>
               </a:lnSpc>
               <a:spcBef>
                 <a:spcPts val="360"/>
@@ -10660,22 +10133,24 @@
               <a:buChar char=""/>
             </a:pPr>
             <a:r>
-              <a:rPr lang="en-IN" sz="1800" b="0" strike="noStrike" spc="-1">
+              <a:rPr lang="en-IN" sz="1600" b="0" strike="noStrike" spc="-1" dirty="0">
                 <a:solidFill>
                   <a:srgbClr val="000000"/>
                 </a:solidFill>
-                <a:latin typeface="Calibri"/>
+                <a:latin typeface="Calibri" panose="020F0502020204030204" pitchFamily="34" charset="0"/>
+                <a:cs typeface="Calibri" panose="020F0502020204030204" pitchFamily="34" charset="0"/>
               </a:rPr>
               <a:t>Particle detector (Atlas)</a:t>
             </a:r>
-            <a:endParaRPr lang="en-IN" sz="1800" b="0" strike="noStrike" spc="-1">
-              <a:latin typeface="Arial"/>
+            <a:endParaRPr lang="en-IN" sz="1600" b="0" strike="noStrike" spc="-1" dirty="0">
+              <a:latin typeface="Calibri" panose="020F0502020204030204" pitchFamily="34" charset="0"/>
+              <a:cs typeface="Calibri" panose="020F0502020204030204" pitchFamily="34" charset="0"/>
             </a:endParaRPr>
           </a:p>
           <a:p>
             <a:pPr marL="759960" lvl="2" indent="-359640">
               <a:lnSpc>
-                <a:spcPct val="140000"/>
+                <a:spcPct val="150000"/>
               </a:lnSpc>
               <a:spcBef>
                 <a:spcPts val="360"/>
@@ -10687,22 +10162,24 @@
               <a:buChar char=""/>
             </a:pPr>
             <a:r>
-              <a:rPr lang="en-IN" sz="1800" b="0" strike="noStrike" spc="-1">
+              <a:rPr lang="en-IN" sz="1600" b="0" strike="noStrike" spc="-1" dirty="0">
                 <a:solidFill>
                   <a:srgbClr val="000000"/>
                 </a:solidFill>
-                <a:latin typeface="Calibri"/>
+                <a:latin typeface="Calibri" panose="020F0502020204030204" pitchFamily="34" charset="0"/>
+                <a:cs typeface="Calibri" panose="020F0502020204030204" pitchFamily="34" charset="0"/>
               </a:rPr>
               <a:t>Data equivalent to 100 Megapixel camera taking  40 million pictures a second</a:t>
             </a:r>
-            <a:endParaRPr lang="en-IN" sz="1800" b="0" strike="noStrike" spc="-1">
-              <a:latin typeface="Arial"/>
+            <a:endParaRPr lang="en-IN" sz="1600" b="0" strike="noStrike" spc="-1" dirty="0">
+              <a:latin typeface="Calibri" panose="020F0502020204030204" pitchFamily="34" charset="0"/>
+              <a:cs typeface="Calibri" panose="020F0502020204030204" pitchFamily="34" charset="0"/>
             </a:endParaRPr>
           </a:p>
           <a:p>
             <a:pPr marL="759960" lvl="2" indent="-359640">
               <a:lnSpc>
-                <a:spcPct val="140000"/>
+                <a:spcPct val="150000"/>
               </a:lnSpc>
               <a:spcBef>
                 <a:spcPts val="360"/>
@@ -10714,22 +10191,24 @@
               <a:buChar char=""/>
             </a:pPr>
             <a:r>
-              <a:rPr lang="en-IN" sz="1800" b="0" strike="noStrike" spc="-1">
+              <a:rPr lang="en-IN" sz="1600" b="0" strike="noStrike" spc="-1" dirty="0">
                 <a:solidFill>
                   <a:srgbClr val="000000"/>
                 </a:solidFill>
-                <a:latin typeface="Calibri"/>
+                <a:latin typeface="Calibri" panose="020F0502020204030204" pitchFamily="34" charset="0"/>
+                <a:cs typeface="Calibri" panose="020F0502020204030204" pitchFamily="34" charset="0"/>
               </a:rPr>
               <a:t>Needle in a haystack – couple quadrillion collisions to find 1000 collisions that results in Higgs Boson</a:t>
             </a:r>
-            <a:endParaRPr lang="en-IN" sz="1800" b="0" strike="noStrike" spc="-1">
-              <a:latin typeface="Arial"/>
+            <a:endParaRPr lang="en-IN" sz="1600" b="0" strike="noStrike" spc="-1" dirty="0">
+              <a:latin typeface="Calibri" panose="020F0502020204030204" pitchFamily="34" charset="0"/>
+              <a:cs typeface="Calibri" panose="020F0502020204030204" pitchFamily="34" charset="0"/>
             </a:endParaRPr>
           </a:p>
           <a:p>
             <a:pPr marL="759960" lvl="2" indent="-359640">
               <a:lnSpc>
-                <a:spcPct val="140000"/>
+                <a:spcPct val="150000"/>
               </a:lnSpc>
               <a:spcBef>
                 <a:spcPts val="360"/>
@@ -10741,16 +10220,18 @@
               <a:buChar char=""/>
             </a:pPr>
             <a:r>
-              <a:rPr lang="en-IN" sz="1800" b="0" strike="noStrike" spc="-1">
+              <a:rPr lang="en-IN" sz="1600" b="0" strike="noStrike" spc="-1" dirty="0">
                 <a:solidFill>
                   <a:srgbClr val="000000"/>
                 </a:solidFill>
-                <a:latin typeface="Calibri"/>
+                <a:latin typeface="Calibri" panose="020F0502020204030204" pitchFamily="34" charset="0"/>
+                <a:cs typeface="Calibri" panose="020F0502020204030204" pitchFamily="34" charset="0"/>
               </a:rPr>
               <a:t>Pre-process this stunning amount of data in real time and store only the relevant for further analysis</a:t>
             </a:r>
-            <a:endParaRPr lang="en-IN" sz="1800" b="0" strike="noStrike" spc="-1">
-              <a:latin typeface="Arial"/>
+            <a:endParaRPr lang="en-IN" sz="1600" b="0" strike="noStrike" spc="-1" dirty="0">
+              <a:latin typeface="Calibri" panose="020F0502020204030204" pitchFamily="34" charset="0"/>
+              <a:cs typeface="Calibri" panose="020F0502020204030204" pitchFamily="34" charset="0"/>
             </a:endParaRPr>
           </a:p>
         </p:txBody>
@@ -11625,141 +11106,15 @@
               <a:buChar char=""/>
             </a:pPr>
             <a:r>
-              <a:rPr lang="fr-FR" sz="1600" b="0" strike="noStrike" spc="-1" dirty="0">
+              <a:rPr lang="en-IN" sz="1600" b="0" strike="noStrike" spc="-1">
                 <a:solidFill>
                   <a:srgbClr val="000000"/>
                 </a:solidFill>
                 <a:latin typeface="Calibri"/>
               </a:rPr>
-              <a:t>Block of </a:t>
+              <a:t>Block of organized, reusable code that is used to perform a single, related action </a:t>
             </a:r>
-            <a:r>
-              <a:rPr lang="fr-FR" sz="1600" b="0" strike="noStrike" spc="-1" dirty="0" err="1">
-                <a:solidFill>
-                  <a:srgbClr val="000000"/>
-                </a:solidFill>
-                <a:latin typeface="Calibri"/>
-              </a:rPr>
-              <a:t>organized</a:t>
-            </a:r>
-            <a:r>
-              <a:rPr lang="fr-FR" sz="1600" b="0" strike="noStrike" spc="-1" dirty="0">
-                <a:solidFill>
-                  <a:srgbClr val="000000"/>
-                </a:solidFill>
-                <a:latin typeface="Calibri"/>
-              </a:rPr>
-              <a:t>, </a:t>
-            </a:r>
-            <a:r>
-              <a:rPr lang="fr-FR" sz="1600" b="0" strike="noStrike" spc="-1" dirty="0" err="1">
-                <a:solidFill>
-                  <a:srgbClr val="000000"/>
-                </a:solidFill>
-                <a:latin typeface="Calibri"/>
-              </a:rPr>
-              <a:t>reusable</a:t>
-            </a:r>
-            <a:r>
-              <a:rPr lang="fr-FR" sz="1600" b="0" strike="noStrike" spc="-1" dirty="0">
-                <a:solidFill>
-                  <a:srgbClr val="000000"/>
-                </a:solidFill>
-                <a:latin typeface="Calibri"/>
-              </a:rPr>
-              <a:t> code </a:t>
-            </a:r>
-            <a:r>
-              <a:rPr lang="fr-FR" sz="1600" b="0" strike="noStrike" spc="-1" dirty="0" err="1">
-                <a:solidFill>
-                  <a:srgbClr val="000000"/>
-                </a:solidFill>
-                <a:latin typeface="Calibri"/>
-              </a:rPr>
-              <a:t>that</a:t>
-            </a:r>
-            <a:r>
-              <a:rPr lang="fr-FR" sz="1600" b="0" strike="noStrike" spc="-1" dirty="0">
-                <a:solidFill>
-                  <a:srgbClr val="000000"/>
-                </a:solidFill>
-                <a:latin typeface="Calibri"/>
-              </a:rPr>
-              <a:t> </a:t>
-            </a:r>
-            <a:r>
-              <a:rPr lang="fr-FR" sz="1600" b="0" strike="noStrike" spc="-1" dirty="0" err="1">
-                <a:solidFill>
-                  <a:srgbClr val="000000"/>
-                </a:solidFill>
-                <a:latin typeface="Calibri"/>
-              </a:rPr>
-              <a:t>is</a:t>
-            </a:r>
-            <a:r>
-              <a:rPr lang="fr-FR" sz="1600" b="0" strike="noStrike" spc="-1" dirty="0">
-                <a:solidFill>
-                  <a:srgbClr val="000000"/>
-                </a:solidFill>
-                <a:latin typeface="Calibri"/>
-              </a:rPr>
-              <a:t> </a:t>
-            </a:r>
-            <a:r>
-              <a:rPr lang="fr-FR" sz="1600" b="0" strike="noStrike" spc="-1" dirty="0" err="1">
-                <a:solidFill>
-                  <a:srgbClr val="000000"/>
-                </a:solidFill>
-                <a:latin typeface="Calibri"/>
-              </a:rPr>
-              <a:t>used</a:t>
-            </a:r>
-            <a:r>
-              <a:rPr lang="fr-FR" sz="1600" b="0" strike="noStrike" spc="-1" dirty="0">
-                <a:solidFill>
-                  <a:srgbClr val="000000"/>
-                </a:solidFill>
-                <a:latin typeface="Calibri"/>
-              </a:rPr>
-              <a:t> to </a:t>
-            </a:r>
-            <a:r>
-              <a:rPr lang="fr-FR" sz="1600" b="0" strike="noStrike" spc="-1" dirty="0" err="1">
-                <a:solidFill>
-                  <a:srgbClr val="000000"/>
-                </a:solidFill>
-                <a:latin typeface="Calibri"/>
-              </a:rPr>
-              <a:t>perform</a:t>
-            </a:r>
-            <a:r>
-              <a:rPr lang="fr-FR" sz="1600" b="0" strike="noStrike" spc="-1" dirty="0">
-                <a:solidFill>
-                  <a:srgbClr val="000000"/>
-                </a:solidFill>
-                <a:latin typeface="Calibri"/>
-              </a:rPr>
-              <a:t> a single, </a:t>
-            </a:r>
-            <a:r>
-              <a:rPr lang="fr-FR" sz="1600" b="0" strike="noStrike" spc="-1" dirty="0" err="1">
-                <a:solidFill>
-                  <a:srgbClr val="000000"/>
-                </a:solidFill>
-                <a:latin typeface="Calibri"/>
-              </a:rPr>
-              <a:t>related</a:t>
-            </a:r>
-            <a:r>
-              <a:rPr lang="fr-FR" sz="1600" b="0" strike="noStrike" spc="-1" dirty="0">
-                <a:solidFill>
-                  <a:srgbClr val="000000"/>
-                </a:solidFill>
-                <a:latin typeface="Calibri"/>
-              </a:rPr>
-              <a:t> action </a:t>
-            </a:r>
-            <a:endParaRPr lang="fr-FR" sz="1600" b="0" strike="noStrike" spc="-1" dirty="0">
+            <a:endParaRPr lang="en-IN" sz="1600" b="0" strike="noStrike" spc="-1">
               <a:solidFill>
                 <a:srgbClr val="000000"/>
               </a:solidFill>
@@ -11781,114 +11136,15 @@
               <a:buChar char=""/>
             </a:pPr>
             <a:r>
-              <a:rPr lang="fr-FR" sz="1600" b="0" strike="noStrike" spc="-1" dirty="0" err="1">
+              <a:rPr lang="en-IN" sz="1600" b="0" strike="noStrike" spc="-1">
                 <a:solidFill>
                   <a:srgbClr val="000000"/>
                 </a:solidFill>
                 <a:latin typeface="Calibri"/>
               </a:rPr>
-              <a:t>Provide</a:t>
+              <a:t>Provide better modularity for your application and a high degree of code reusing </a:t>
             </a:r>
-            <a:r>
-              <a:rPr lang="fr-FR" sz="1600" b="0" strike="noStrike" spc="-1" dirty="0">
-                <a:solidFill>
-                  <a:srgbClr val="000000"/>
-                </a:solidFill>
-                <a:latin typeface="Calibri"/>
-              </a:rPr>
-              <a:t> </a:t>
-            </a:r>
-            <a:r>
-              <a:rPr lang="fr-FR" sz="1600" b="0" strike="noStrike" spc="-1" dirty="0" err="1">
-                <a:solidFill>
-                  <a:srgbClr val="000000"/>
-                </a:solidFill>
-                <a:latin typeface="Calibri"/>
-              </a:rPr>
-              <a:t>better</a:t>
-            </a:r>
-            <a:r>
-              <a:rPr lang="fr-FR" sz="1600" b="0" strike="noStrike" spc="-1" dirty="0">
-                <a:solidFill>
-                  <a:srgbClr val="000000"/>
-                </a:solidFill>
-                <a:latin typeface="Calibri"/>
-              </a:rPr>
-              <a:t> </a:t>
-            </a:r>
-            <a:r>
-              <a:rPr lang="fr-FR" sz="1600" b="0" strike="noStrike" spc="-1" dirty="0" err="1">
-                <a:solidFill>
-                  <a:srgbClr val="000000"/>
-                </a:solidFill>
-                <a:latin typeface="Calibri"/>
-              </a:rPr>
-              <a:t>modularity</a:t>
-            </a:r>
-            <a:r>
-              <a:rPr lang="fr-FR" sz="1600" b="0" strike="noStrike" spc="-1" dirty="0">
-                <a:solidFill>
-                  <a:srgbClr val="000000"/>
-                </a:solidFill>
-                <a:latin typeface="Calibri"/>
-              </a:rPr>
-              <a:t> for </a:t>
-            </a:r>
-            <a:r>
-              <a:rPr lang="fr-FR" sz="1600" b="0" strike="noStrike" spc="-1" dirty="0" err="1">
-                <a:solidFill>
-                  <a:srgbClr val="000000"/>
-                </a:solidFill>
-                <a:latin typeface="Calibri"/>
-              </a:rPr>
-              <a:t>your</a:t>
-            </a:r>
-            <a:r>
-              <a:rPr lang="fr-FR" sz="1600" b="0" strike="noStrike" spc="-1" dirty="0">
-                <a:solidFill>
-                  <a:srgbClr val="000000"/>
-                </a:solidFill>
-                <a:latin typeface="Calibri"/>
-              </a:rPr>
-              <a:t> application and a high </a:t>
-            </a:r>
-            <a:r>
-              <a:rPr lang="fr-FR" sz="1600" b="0" strike="noStrike" spc="-1" dirty="0" err="1">
-                <a:solidFill>
-                  <a:srgbClr val="000000"/>
-                </a:solidFill>
-                <a:latin typeface="Calibri"/>
-              </a:rPr>
-              <a:t>degree</a:t>
-            </a:r>
-            <a:r>
-              <a:rPr lang="fr-FR" sz="1600" b="0" strike="noStrike" spc="-1" dirty="0">
-                <a:solidFill>
-                  <a:srgbClr val="000000"/>
-                </a:solidFill>
-                <a:latin typeface="Calibri"/>
-              </a:rPr>
-              <a:t> of code </a:t>
-            </a:r>
-            <a:r>
-              <a:rPr lang="fr-FR" sz="1600" b="0" strike="noStrike" spc="-1" dirty="0" err="1">
-                <a:solidFill>
-                  <a:srgbClr val="000000"/>
-                </a:solidFill>
-                <a:latin typeface="Calibri"/>
-              </a:rPr>
-              <a:t>reusing</a:t>
-            </a:r>
-            <a:r>
-              <a:rPr lang="fr-FR" sz="1600" b="0" strike="noStrike" spc="-1" dirty="0">
-                <a:solidFill>
-                  <a:srgbClr val="000000"/>
-                </a:solidFill>
-                <a:latin typeface="Calibri"/>
-              </a:rPr>
-              <a:t> </a:t>
-            </a:r>
-            <a:endParaRPr lang="fr-FR" sz="1600" b="0" strike="noStrike" spc="-1" dirty="0">
+            <a:endParaRPr lang="en-IN" sz="1600" b="0" strike="noStrike" spc="-1">
               <a:solidFill>
                 <a:srgbClr val="000000"/>
               </a:solidFill>
@@ -11910,141 +11166,15 @@
               <a:buChar char=""/>
             </a:pPr>
             <a:r>
-              <a:rPr lang="fr-FR" sz="1600" b="0" strike="noStrike" spc="-1" dirty="0">
+              <a:rPr lang="en-IN" sz="1600" b="0" strike="noStrike" spc="-1">
                 <a:solidFill>
                   <a:srgbClr val="000000"/>
                 </a:solidFill>
                 <a:latin typeface="Gill Sans"/>
               </a:rPr>
-              <a:t>Python </a:t>
+              <a:t>Python gives you many built-in functions like print(), len() etc..</a:t>
             </a:r>
-            <a:r>
-              <a:rPr lang="fr-FR" sz="1600" b="0" strike="noStrike" spc="-1" dirty="0" err="1">
-                <a:solidFill>
-                  <a:srgbClr val="000000"/>
-                </a:solidFill>
-                <a:latin typeface="Gill Sans"/>
-              </a:rPr>
-              <a:t>gives</a:t>
-            </a:r>
-            <a:r>
-              <a:rPr lang="fr-FR" sz="1600" b="0" strike="noStrike" spc="-1" dirty="0">
-                <a:solidFill>
-                  <a:srgbClr val="000000"/>
-                </a:solidFill>
-                <a:latin typeface="Gill Sans"/>
-              </a:rPr>
-              <a:t> </a:t>
-            </a:r>
-            <a:r>
-              <a:rPr lang="fr-FR" sz="1600" b="0" strike="noStrike" spc="-1" dirty="0" err="1">
-                <a:solidFill>
-                  <a:srgbClr val="000000"/>
-                </a:solidFill>
-                <a:latin typeface="Gill Sans"/>
-              </a:rPr>
-              <a:t>you</a:t>
-            </a:r>
-            <a:r>
-              <a:rPr lang="fr-FR" sz="1600" b="0" strike="noStrike" spc="-1" dirty="0">
-                <a:solidFill>
-                  <a:srgbClr val="000000"/>
-                </a:solidFill>
-                <a:latin typeface="Gill Sans"/>
-              </a:rPr>
-              <a:t> </a:t>
-            </a:r>
-            <a:r>
-              <a:rPr lang="fr-FR" sz="1600" b="0" strike="noStrike" spc="-1" dirty="0" err="1">
-                <a:solidFill>
-                  <a:srgbClr val="000000"/>
-                </a:solidFill>
-                <a:latin typeface="Gill Sans"/>
-              </a:rPr>
-              <a:t>many</a:t>
-            </a:r>
-            <a:r>
-              <a:rPr lang="fr-FR" sz="1600" b="0" strike="noStrike" spc="-1" dirty="0">
-                <a:solidFill>
-                  <a:srgbClr val="000000"/>
-                </a:solidFill>
-                <a:latin typeface="Gill Sans"/>
-              </a:rPr>
-              <a:t> </a:t>
-            </a:r>
-            <a:r>
-              <a:rPr lang="fr-FR" sz="1600" b="0" strike="noStrike" spc="-1" dirty="0" err="1">
-                <a:solidFill>
-                  <a:srgbClr val="000000"/>
-                </a:solidFill>
-                <a:latin typeface="Gill Sans"/>
-              </a:rPr>
-              <a:t>built-in</a:t>
-            </a:r>
-            <a:r>
-              <a:rPr lang="fr-FR" sz="1600" b="0" strike="noStrike" spc="-1" dirty="0">
-                <a:solidFill>
-                  <a:srgbClr val="000000"/>
-                </a:solidFill>
-                <a:latin typeface="Gill Sans"/>
-              </a:rPr>
-              <a:t> </a:t>
-            </a:r>
-            <a:r>
-              <a:rPr lang="fr-FR" sz="1600" b="0" strike="noStrike" spc="-1" dirty="0" err="1">
-                <a:solidFill>
-                  <a:srgbClr val="000000"/>
-                </a:solidFill>
-                <a:latin typeface="Gill Sans"/>
-              </a:rPr>
-              <a:t>functions</a:t>
-            </a:r>
-            <a:r>
-              <a:rPr lang="fr-FR" sz="1600" b="0" strike="noStrike" spc="-1" dirty="0">
-                <a:solidFill>
-                  <a:srgbClr val="000000"/>
-                </a:solidFill>
-                <a:latin typeface="Gill Sans"/>
-              </a:rPr>
-              <a:t> like </a:t>
-            </a:r>
-            <a:r>
-              <a:rPr lang="fr-FR" sz="1600" b="0" strike="noStrike" spc="-1" dirty="0" err="1">
-                <a:solidFill>
-                  <a:srgbClr val="000000"/>
-                </a:solidFill>
-                <a:latin typeface="Gill Sans"/>
-              </a:rPr>
-              <a:t>print</a:t>
-            </a:r>
-            <a:r>
-              <a:rPr lang="fr-FR" sz="1600" b="0" strike="noStrike" spc="-1" dirty="0">
-                <a:solidFill>
-                  <a:srgbClr val="000000"/>
-                </a:solidFill>
-                <a:latin typeface="Gill Sans"/>
-              </a:rPr>
-              <a:t>(), </a:t>
-            </a:r>
-            <a:r>
-              <a:rPr lang="fr-FR" sz="1600" b="0" strike="noStrike" spc="-1" dirty="0" err="1">
-                <a:solidFill>
-                  <a:srgbClr val="000000"/>
-                </a:solidFill>
-                <a:latin typeface="Gill Sans"/>
-              </a:rPr>
-              <a:t>len</a:t>
-            </a:r>
-            <a:r>
-              <a:rPr lang="fr-FR" sz="1600" b="0" strike="noStrike" spc="-1" dirty="0">
-                <a:solidFill>
-                  <a:srgbClr val="000000"/>
-                </a:solidFill>
-                <a:latin typeface="Gill Sans"/>
-              </a:rPr>
-              <a:t>() etc..</a:t>
-            </a:r>
-            <a:endParaRPr lang="fr-FR" sz="1600" b="0" strike="noStrike" spc="-1" dirty="0">
+            <a:endParaRPr lang="en-IN" sz="1600" b="0" strike="noStrike" spc="-1">
               <a:solidFill>
                 <a:srgbClr val="000000"/>
               </a:solidFill>
@@ -12066,96 +11196,15 @@
               <a:buChar char=""/>
             </a:pPr>
             <a:r>
-              <a:rPr lang="fr-FR" sz="1600" b="0" strike="noStrike" spc="-1" dirty="0">
+              <a:rPr lang="en-IN" sz="1600" b="0" strike="noStrike" spc="-1">
                 <a:solidFill>
                   <a:srgbClr val="000000"/>
                 </a:solidFill>
                 <a:latin typeface="Calibri"/>
               </a:rPr>
-              <a:t>It </a:t>
+              <a:t>It is also possible to define user-defined functions</a:t>
             </a:r>
-            <a:r>
-              <a:rPr lang="fr-FR" sz="1600" b="0" strike="noStrike" spc="-1" dirty="0" err="1">
-                <a:solidFill>
-                  <a:srgbClr val="000000"/>
-                </a:solidFill>
-                <a:latin typeface="Calibri"/>
-              </a:rPr>
-              <a:t>is</a:t>
-            </a:r>
-            <a:r>
-              <a:rPr lang="fr-FR" sz="1600" b="0" strike="noStrike" spc="-1" dirty="0">
-                <a:solidFill>
-                  <a:srgbClr val="000000"/>
-                </a:solidFill>
-                <a:latin typeface="Calibri"/>
-              </a:rPr>
-              <a:t> </a:t>
-            </a:r>
-            <a:r>
-              <a:rPr lang="fr-FR" sz="1600" b="0" strike="noStrike" spc="-1" dirty="0" err="1">
-                <a:solidFill>
-                  <a:srgbClr val="000000"/>
-                </a:solidFill>
-                <a:latin typeface="Calibri"/>
-              </a:rPr>
-              <a:t>also</a:t>
-            </a:r>
-            <a:r>
-              <a:rPr lang="fr-FR" sz="1600" b="0" strike="noStrike" spc="-1" dirty="0">
-                <a:solidFill>
-                  <a:srgbClr val="000000"/>
-                </a:solidFill>
-                <a:latin typeface="Calibri"/>
-              </a:rPr>
-              <a:t> possible to </a:t>
-            </a:r>
-            <a:r>
-              <a:rPr lang="fr-FR" sz="1600" b="0" strike="noStrike" spc="-1" dirty="0" err="1">
-                <a:solidFill>
-                  <a:srgbClr val="000000"/>
-                </a:solidFill>
-                <a:latin typeface="Calibri"/>
-              </a:rPr>
-              <a:t>define</a:t>
-            </a:r>
-            <a:r>
-              <a:rPr lang="fr-FR" sz="1600" b="0" strike="noStrike" spc="-1" dirty="0">
-                <a:solidFill>
-                  <a:srgbClr val="000000"/>
-                </a:solidFill>
-                <a:latin typeface="Calibri"/>
-              </a:rPr>
-              <a:t> user-</a:t>
-            </a:r>
-            <a:r>
-              <a:rPr lang="fr-FR" sz="1600" b="0" strike="noStrike" spc="-1" dirty="0" err="1">
-                <a:solidFill>
-                  <a:srgbClr val="000000"/>
-                </a:solidFill>
-                <a:latin typeface="Calibri"/>
-              </a:rPr>
-              <a:t>defined</a:t>
-            </a:r>
-            <a:r>
-              <a:rPr lang="fr-FR" sz="1600" b="0" strike="noStrike" spc="-1" dirty="0">
-                <a:solidFill>
-                  <a:srgbClr val="000000"/>
-                </a:solidFill>
-                <a:latin typeface="Calibri"/>
-              </a:rPr>
-              <a:t> </a:t>
-            </a:r>
-            <a:r>
-              <a:rPr lang="fr-FR" sz="1600" b="0" strike="noStrike" spc="-1" dirty="0" err="1">
-                <a:solidFill>
-                  <a:srgbClr val="000000"/>
-                </a:solidFill>
-                <a:latin typeface="Calibri"/>
-              </a:rPr>
-              <a:t>functions</a:t>
-            </a:r>
-            <a:endParaRPr lang="fr-FR" sz="1600" b="0" strike="noStrike" spc="-1" dirty="0">
+            <a:endParaRPr lang="en-IN" sz="1600" b="0" strike="noStrike" spc="-1">
               <a:solidFill>
                 <a:srgbClr val="000000"/>
               </a:solidFill>
